--- a/RECIPLEASE.pptx
+++ b/RECIPLEASE.pptx
@@ -21,7 +21,6 @@
     <p:sldId id="266" r:id="rId16"/>
     <p:sldId id="267" r:id="rId17"/>
     <p:sldId id="268" r:id="rId18"/>
-    <p:sldId id="269" r:id="rId19"/>
   </p:sldIdLst>
   <p:sldSz cy="6858000" cx="12188825"/>
   <p:notesSz cx="6858000" cy="9144000"/>
@@ -1604,7 +1603,7 @@
   <p:cSld>
     <p:spTree>
       <p:nvGrpSpPr>
-        <p:cNvPr id="209" name="Shape 209"/>
+        <p:cNvPr id="220" name="Shape 220"/>
         <p:cNvGrpSpPr/>
         <p:nvPr/>
       </p:nvGrpSpPr>
@@ -1618,7 +1617,7 @@
       </p:grpSpPr>
       <p:sp>
         <p:nvSpPr>
-          <p:cNvPr id="210" name="Google Shape;210;p10:notes"/>
+          <p:cNvPr id="221" name="Google Shape;221;p11:notes"/>
           <p:cNvSpPr/>
           <p:nvPr>
             <p:ph idx="2" type="sldImg"/>
@@ -1663,7 +1662,7 @@
       </p:sp>
       <p:sp>
         <p:nvSpPr>
-          <p:cNvPr id="211" name="Google Shape;211;p10:notes"/>
+          <p:cNvPr id="222" name="Google Shape;222;p11:notes"/>
           <p:cNvSpPr txBox="1"/>
           <p:nvPr>
             <p:ph idx="1" type="body"/>
@@ -1706,7 +1705,7 @@
       </p:sp>
       <p:sp>
         <p:nvSpPr>
-          <p:cNvPr id="212" name="Google Shape;212;p10:notes"/>
+          <p:cNvPr id="223" name="Google Shape;223;p11:notes"/>
           <p:cNvSpPr txBox="1"/>
           <p:nvPr>
             <p:ph idx="12" type="sldNum"/>
@@ -1761,7 +1760,7 @@
   <p:cSld>
     <p:spTree>
       <p:nvGrpSpPr>
-        <p:cNvPr id="247" name="Shape 247"/>
+        <p:cNvPr id="227" name="Shape 227"/>
         <p:cNvGrpSpPr/>
         <p:nvPr/>
       </p:nvGrpSpPr>
@@ -1775,7 +1774,7 @@
       </p:grpSpPr>
       <p:sp>
         <p:nvSpPr>
-          <p:cNvPr id="248" name="Google Shape;248;p11:notes"/>
+          <p:cNvPr id="228" name="Google Shape;228;p12:notes"/>
           <p:cNvSpPr/>
           <p:nvPr>
             <p:ph idx="2" type="sldImg"/>
@@ -1820,7 +1819,7 @@
       </p:sp>
       <p:sp>
         <p:nvSpPr>
-          <p:cNvPr id="249" name="Google Shape;249;p11:notes"/>
+          <p:cNvPr id="229" name="Google Shape;229;p12:notes"/>
           <p:cNvSpPr txBox="1"/>
           <p:nvPr>
             <p:ph idx="1" type="body"/>
@@ -1863,7 +1862,7 @@
       </p:sp>
       <p:sp>
         <p:nvSpPr>
-          <p:cNvPr id="250" name="Google Shape;250;p11:notes"/>
+          <p:cNvPr id="230" name="Google Shape;230;p12:notes"/>
           <p:cNvSpPr txBox="1"/>
           <p:nvPr>
             <p:ph idx="12" type="sldNum"/>
@@ -1918,7 +1917,7 @@
   <p:cSld>
     <p:spTree>
       <p:nvGrpSpPr>
-        <p:cNvPr id="254" name="Shape 254"/>
+        <p:cNvPr id="234" name="Shape 234"/>
         <p:cNvGrpSpPr/>
         <p:nvPr/>
       </p:nvGrpSpPr>
@@ -1932,7 +1931,7 @@
       </p:grpSpPr>
       <p:sp>
         <p:nvSpPr>
-          <p:cNvPr id="255" name="Google Shape;255;p12:notes"/>
+          <p:cNvPr id="235" name="Google Shape;235;p13:notes"/>
           <p:cNvSpPr/>
           <p:nvPr>
             <p:ph idx="2" type="sldImg"/>
@@ -1977,7 +1976,7 @@
       </p:sp>
       <p:sp>
         <p:nvSpPr>
-          <p:cNvPr id="256" name="Google Shape;256;p12:notes"/>
+          <p:cNvPr id="236" name="Google Shape;236;p13:notes"/>
           <p:cNvSpPr txBox="1"/>
           <p:nvPr>
             <p:ph idx="1" type="body"/>
@@ -2020,7 +2019,7 @@
       </p:sp>
       <p:sp>
         <p:nvSpPr>
-          <p:cNvPr id="257" name="Google Shape;257;p12:notes"/>
+          <p:cNvPr id="237" name="Google Shape;237;p13:notes"/>
           <p:cNvSpPr txBox="1"/>
           <p:nvPr>
             <p:ph idx="12" type="sldNum"/>
@@ -2075,7 +2074,7 @@
   <p:cSld>
     <p:spTree>
       <p:nvGrpSpPr>
-        <p:cNvPr id="261" name="Shape 261"/>
+        <p:cNvPr id="241" name="Shape 241"/>
         <p:cNvGrpSpPr/>
         <p:nvPr/>
       </p:nvGrpSpPr>
@@ -2089,164 +2088,7 @@
       </p:grpSpPr>
       <p:sp>
         <p:nvSpPr>
-          <p:cNvPr id="262" name="Google Shape;262;p13:notes"/>
-          <p:cNvSpPr/>
-          <p:nvPr>
-            <p:ph idx="2" type="sldImg"/>
-          </p:nvPr>
-        </p:nvSpPr>
-        <p:spPr>
-          <a:xfrm>
-            <a:off x="382588" y="685800"/>
-            <a:ext cx="6092825" cy="3429000"/>
-          </a:xfrm>
-          <a:custGeom>
-            <a:rect b="b" l="l" r="r" t="t"/>
-            <a:pathLst>
-              <a:path extrusionOk="0" h="120000" w="120000">
-                <a:moveTo>
-                  <a:pt x="0" y="0"/>
-                </a:moveTo>
-                <a:lnTo>
-                  <a:pt x="120000" y="0"/>
-                </a:lnTo>
-                <a:lnTo>
-                  <a:pt x="120000" y="120000"/>
-                </a:lnTo>
-                <a:lnTo>
-                  <a:pt x="0" y="120000"/>
-                </a:lnTo>
-                <a:close/>
-              </a:path>
-            </a:pathLst>
-          </a:custGeom>
-          <a:noFill/>
-          <a:ln cap="flat" cmpd="sng" w="12700">
-            <a:solidFill>
-              <a:srgbClr val="000000"/>
-            </a:solidFill>
-            <a:prstDash val="solid"/>
-            <a:round/>
-            <a:headEnd len="sm" w="sm" type="none"/>
-            <a:tailEnd len="sm" w="sm" type="none"/>
-          </a:ln>
-        </p:spPr>
-      </p:sp>
-      <p:sp>
-        <p:nvSpPr>
-          <p:cNvPr id="263" name="Google Shape;263;p13:notes"/>
-          <p:cNvSpPr txBox="1"/>
-          <p:nvPr>
-            <p:ph idx="1" type="body"/>
-          </p:nvPr>
-        </p:nvSpPr>
-        <p:spPr>
-          <a:xfrm>
-            <a:off x="685800" y="4343400"/>
-            <a:ext cx="5486400" cy="4114800"/>
-          </a:xfrm>
-          <a:prstGeom prst="rect">
-            <a:avLst/>
-          </a:prstGeom>
-          <a:noFill/>
-          <a:ln>
-            <a:noFill/>
-          </a:ln>
-        </p:spPr>
-        <p:txBody>
-          <a:bodyPr anchorCtr="0" anchor="t" bIns="45700" lIns="91425" spcFirstLastPara="1" rIns="91425" wrap="square" tIns="45700">
-            <a:noAutofit/>
-          </a:bodyPr>
-          <a:lstStyle/>
-          <a:p>
-            <a:pPr indent="0" lvl="0" marL="0" rtl="0" algn="l">
-              <a:spcBef>
-                <a:spcPts val="0"/>
-              </a:spcBef>
-              <a:spcAft>
-                <a:spcPts val="0"/>
-              </a:spcAft>
-              <a:buNone/>
-            </a:pPr>
-            <a:r>
-              <a:t/>
-            </a:r>
-            <a:endParaRPr/>
-          </a:p>
-        </p:txBody>
-      </p:sp>
-      <p:sp>
-        <p:nvSpPr>
-          <p:cNvPr id="264" name="Google Shape;264;p13:notes"/>
-          <p:cNvSpPr txBox="1"/>
-          <p:nvPr>
-            <p:ph idx="12" type="sldNum"/>
-          </p:nvPr>
-        </p:nvSpPr>
-        <p:spPr>
-          <a:xfrm>
-            <a:off x="3884613" y="8685213"/>
-            <a:ext cx="2971800" cy="457200"/>
-          </a:xfrm>
-          <a:prstGeom prst="rect">
-            <a:avLst/>
-          </a:prstGeom>
-          <a:noFill/>
-          <a:ln>
-            <a:noFill/>
-          </a:ln>
-        </p:spPr>
-        <p:txBody>
-          <a:bodyPr anchorCtr="0" anchor="b" bIns="45700" lIns="91425" spcFirstLastPara="1" rIns="91425" wrap="square" tIns="45700">
-            <a:noAutofit/>
-          </a:bodyPr>
-          <a:lstStyle/>
-          <a:p>
-            <a:pPr indent="0" lvl="0" marL="0" rtl="0" algn="r">
-              <a:spcBef>
-                <a:spcPts val="0"/>
-              </a:spcBef>
-              <a:spcAft>
-                <a:spcPts val="0"/>
-              </a:spcAft>
-              <a:buNone/>
-            </a:pPr>
-            <a:fld id="{00000000-1234-1234-1234-123412341234}" type="slidenum">
-              <a:rPr lang="en-US"/>
-              <a:t>‹#›</a:t>
-            </a:fld>
-            <a:endParaRPr/>
-          </a:p>
-        </p:txBody>
-      </p:sp>
-    </p:spTree>
-  </p:cSld>
-  <p:clrMapOvr>
-    <a:masterClrMapping/>
-  </p:clrMapOvr>
-</p:notes>
-</file>
-
-<file path=ppt/notesSlides/notesSlide14.xml><?xml version="1.0" encoding="utf-8"?>
-<p:notes xmlns:a="http://schemas.openxmlformats.org/drawingml/2006/main" xmlns:r="http://schemas.openxmlformats.org/officeDocument/2006/relationships" xmlns:mc="http://schemas.openxmlformats.org/markup-compatibility/2006" xmlns:mv="urn:schemas-microsoft-com:mac:vml" xmlns:p="http://schemas.openxmlformats.org/presentationml/2006/main" xmlns:c="http://schemas.openxmlformats.org/drawingml/2006/chart" xmlns:dgm="http://schemas.openxmlformats.org/drawingml/2006/diagram" xmlns:o="urn:schemas-microsoft-com:office:office" xmlns:v="urn:schemas-microsoft-com:vml" xmlns:pvml="urn:schemas-microsoft-com:office:powerpoint" xmlns:com="http://schemas.openxmlformats.org/drawingml/2006/compatibility" xmlns:p14="http://schemas.microsoft.com/office/powerpoint/2010/main" xmlns:p15="http://schemas.microsoft.com/office/powerpoint/2012/main" xmlns:ahyp="http://schemas.microsoft.com/office/drawing/2018/hyperlinkcolor" showMasterPhAnim="0" showMasterSp="0">
-  <p:cSld>
-    <p:spTree>
-      <p:nvGrpSpPr>
-        <p:cNvPr id="268" name="Shape 268"/>
-        <p:cNvGrpSpPr/>
-        <p:nvPr/>
-      </p:nvGrpSpPr>
-      <p:grpSpPr>
-        <a:xfrm>
-          <a:off x="0" y="0"/>
-          <a:ext cx="0" cy="0"/>
-          <a:chOff x="0" y="0"/>
-          <a:chExt cx="0" cy="0"/>
-        </a:xfrm>
-      </p:grpSpPr>
-      <p:sp>
-        <p:nvSpPr>
-          <p:cNvPr id="269" name="Google Shape;269;p14:notes"/>
+          <p:cNvPr id="242" name="Google Shape;242;p14:notes"/>
           <p:cNvSpPr txBox="1"/>
           <p:nvPr>
             <p:ph idx="1" type="body"/>
@@ -2285,7 +2127,7 @@
       </p:sp>
       <p:sp>
         <p:nvSpPr>
-          <p:cNvPr id="270" name="Google Shape;270;p14:notes"/>
+          <p:cNvPr id="243" name="Google Shape;243;p14:notes"/>
           <p:cNvSpPr/>
           <p:nvPr>
             <p:ph idx="2" type="sldImg"/>
@@ -2659,106 +2501,7 @@
       </p:grpSpPr>
       <p:sp>
         <p:nvSpPr>
-          <p:cNvPr id="148" name="Google Shape;148;p4:notes"/>
-          <p:cNvSpPr txBox="1"/>
-          <p:nvPr>
-            <p:ph idx="1" type="body"/>
-          </p:nvPr>
-        </p:nvSpPr>
-        <p:spPr>
-          <a:xfrm>
-            <a:off x="685800" y="4343400"/>
-            <a:ext cx="5486400" cy="4114800"/>
-          </a:xfrm>
-          <a:prstGeom prst="rect">
-            <a:avLst/>
-          </a:prstGeom>
-        </p:spPr>
-        <p:txBody>
-          <a:bodyPr anchorCtr="0" anchor="t" bIns="45700" lIns="91425" spcFirstLastPara="1" rIns="91425" wrap="square" tIns="45700">
-            <a:noAutofit/>
-          </a:bodyPr>
-          <a:lstStyle/>
-          <a:p>
-            <a:pPr indent="0" lvl="0" marL="0" rtl="0" algn="l">
-              <a:spcBef>
-                <a:spcPts val="0"/>
-              </a:spcBef>
-              <a:spcAft>
-                <a:spcPts val="0"/>
-              </a:spcAft>
-              <a:buNone/>
-            </a:pPr>
-            <a:r>
-              <a:t/>
-            </a:r>
-            <a:endParaRPr/>
-          </a:p>
-        </p:txBody>
-      </p:sp>
-      <p:sp>
-        <p:nvSpPr>
-          <p:cNvPr id="149" name="Google Shape;149;p4:notes"/>
-          <p:cNvSpPr/>
-          <p:nvPr>
-            <p:ph idx="2" type="sldImg"/>
-          </p:nvPr>
-        </p:nvSpPr>
-        <p:spPr>
-          <a:xfrm>
-            <a:off x="382588" y="685800"/>
-            <a:ext cx="6092825" cy="3429000"/>
-          </a:xfrm>
-          <a:custGeom>
-            <a:rect b="b" l="l" r="r" t="t"/>
-            <a:pathLst>
-              <a:path extrusionOk="0" h="120000" w="120000">
-                <a:moveTo>
-                  <a:pt x="0" y="0"/>
-                </a:moveTo>
-                <a:lnTo>
-                  <a:pt x="120000" y="0"/>
-                </a:lnTo>
-                <a:lnTo>
-                  <a:pt x="120000" y="120000"/>
-                </a:lnTo>
-                <a:lnTo>
-                  <a:pt x="0" y="120000"/>
-                </a:lnTo>
-                <a:close/>
-              </a:path>
-            </a:pathLst>
-          </a:custGeom>
-        </p:spPr>
-      </p:sp>
-    </p:spTree>
-  </p:cSld>
-  <p:clrMapOvr>
-    <a:masterClrMapping/>
-  </p:clrMapOvr>
-</p:notes>
-</file>
-
-<file path=ppt/notesSlides/notesSlide5.xml><?xml version="1.0" encoding="utf-8"?>
-<p:notes xmlns:a="http://schemas.openxmlformats.org/drawingml/2006/main" xmlns:r="http://schemas.openxmlformats.org/officeDocument/2006/relationships" xmlns:mc="http://schemas.openxmlformats.org/markup-compatibility/2006" xmlns:mv="urn:schemas-microsoft-com:mac:vml" xmlns:p="http://schemas.openxmlformats.org/presentationml/2006/main" xmlns:c="http://schemas.openxmlformats.org/drawingml/2006/chart" xmlns:dgm="http://schemas.openxmlformats.org/drawingml/2006/diagram" xmlns:o="urn:schemas-microsoft-com:office:office" xmlns:v="urn:schemas-microsoft-com:vml" xmlns:pvml="urn:schemas-microsoft-com:office:powerpoint" xmlns:com="http://schemas.openxmlformats.org/drawingml/2006/compatibility" xmlns:p14="http://schemas.microsoft.com/office/powerpoint/2010/main" xmlns:p15="http://schemas.microsoft.com/office/powerpoint/2012/main" xmlns:ahyp="http://schemas.microsoft.com/office/drawing/2018/hyperlinkcolor" showMasterPhAnim="0" showMasterSp="0">
-  <p:cSld>
-    <p:spTree>
-      <p:nvGrpSpPr>
-        <p:cNvPr id="174" name="Shape 174"/>
-        <p:cNvGrpSpPr/>
-        <p:nvPr/>
-      </p:nvGrpSpPr>
-      <p:grpSpPr>
-        <a:xfrm>
-          <a:off x="0" y="0"/>
-          <a:ext cx="0" cy="0"/>
-          <a:chOff x="0" y="0"/>
-          <a:chExt cx="0" cy="0"/>
-        </a:xfrm>
-      </p:grpSpPr>
-      <p:sp>
-        <p:nvSpPr>
-          <p:cNvPr id="175" name="Google Shape;175;p5:notes"/>
+          <p:cNvPr id="148" name="Google Shape;148;p5:notes"/>
           <p:cNvSpPr/>
           <p:nvPr>
             <p:ph idx="2" type="sldImg"/>
@@ -2803,7 +2546,7 @@
       </p:sp>
       <p:sp>
         <p:nvSpPr>
-          <p:cNvPr id="176" name="Google Shape;176;p5:notes"/>
+          <p:cNvPr id="149" name="Google Shape;149;p5:notes"/>
           <p:cNvSpPr txBox="1"/>
           <p:nvPr>
             <p:ph idx="1" type="body"/>
@@ -2846,7 +2589,7 @@
       </p:sp>
       <p:sp>
         <p:nvSpPr>
-          <p:cNvPr id="177" name="Google Shape;177;p5:notes"/>
+          <p:cNvPr id="150" name="Google Shape;150;p5:notes"/>
           <p:cNvSpPr txBox="1"/>
           <p:nvPr>
             <p:ph idx="12" type="sldNum"/>
@@ -2896,12 +2639,12 @@
 </p:notes>
 </file>
 
-<file path=ppt/notesSlides/notesSlide6.xml><?xml version="1.0" encoding="utf-8"?>
+<file path=ppt/notesSlides/notesSlide5.xml><?xml version="1.0" encoding="utf-8"?>
 <p:notes xmlns:a="http://schemas.openxmlformats.org/drawingml/2006/main" xmlns:r="http://schemas.openxmlformats.org/officeDocument/2006/relationships" xmlns:mc="http://schemas.openxmlformats.org/markup-compatibility/2006" xmlns:mv="urn:schemas-microsoft-com:mac:vml" xmlns:p="http://schemas.openxmlformats.org/presentationml/2006/main" xmlns:c="http://schemas.openxmlformats.org/drawingml/2006/chart" xmlns:dgm="http://schemas.openxmlformats.org/drawingml/2006/diagram" xmlns:o="urn:schemas-microsoft-com:office:office" xmlns:v="urn:schemas-microsoft-com:vml" xmlns:pvml="urn:schemas-microsoft-com:office:powerpoint" xmlns:com="http://schemas.openxmlformats.org/drawingml/2006/compatibility" xmlns:p14="http://schemas.microsoft.com/office/powerpoint/2010/main" xmlns:p15="http://schemas.microsoft.com/office/powerpoint/2012/main" xmlns:ahyp="http://schemas.microsoft.com/office/drawing/2018/hyperlinkcolor" showMasterPhAnim="0" showMasterSp="0">
   <p:cSld>
     <p:spTree>
       <p:nvGrpSpPr>
-        <p:cNvPr id="181" name="Shape 181"/>
+        <p:cNvPr id="154" name="Shape 154"/>
         <p:cNvGrpSpPr/>
         <p:nvPr/>
       </p:nvGrpSpPr>
@@ -2915,7 +2658,7 @@
       </p:grpSpPr>
       <p:sp>
         <p:nvSpPr>
-          <p:cNvPr id="182" name="Google Shape;182;p6:notes"/>
+          <p:cNvPr id="155" name="Google Shape;155;p6:notes"/>
           <p:cNvSpPr/>
           <p:nvPr>
             <p:ph idx="2" type="sldImg"/>
@@ -2960,7 +2703,7 @@
       </p:sp>
       <p:sp>
         <p:nvSpPr>
-          <p:cNvPr id="183" name="Google Shape;183;p6:notes"/>
+          <p:cNvPr id="156" name="Google Shape;156;p6:notes"/>
           <p:cNvSpPr txBox="1"/>
           <p:nvPr>
             <p:ph idx="1" type="body"/>
@@ -3003,7 +2746,7 @@
       </p:sp>
       <p:sp>
         <p:nvSpPr>
-          <p:cNvPr id="184" name="Google Shape;184;p6:notes"/>
+          <p:cNvPr id="157" name="Google Shape;157;p6:notes"/>
           <p:cNvSpPr txBox="1"/>
           <p:nvPr>
             <p:ph idx="12" type="sldNum"/>
@@ -3053,12 +2796,12 @@
 </p:notes>
 </file>
 
-<file path=ppt/notesSlides/notesSlide7.xml><?xml version="1.0" encoding="utf-8"?>
+<file path=ppt/notesSlides/notesSlide6.xml><?xml version="1.0" encoding="utf-8"?>
 <p:notes xmlns:a="http://schemas.openxmlformats.org/drawingml/2006/main" xmlns:r="http://schemas.openxmlformats.org/officeDocument/2006/relationships" xmlns:mc="http://schemas.openxmlformats.org/markup-compatibility/2006" xmlns:mv="urn:schemas-microsoft-com:mac:vml" xmlns:p="http://schemas.openxmlformats.org/presentationml/2006/main" xmlns:c="http://schemas.openxmlformats.org/drawingml/2006/chart" xmlns:dgm="http://schemas.openxmlformats.org/drawingml/2006/diagram" xmlns:o="urn:schemas-microsoft-com:office:office" xmlns:v="urn:schemas-microsoft-com:vml" xmlns:pvml="urn:schemas-microsoft-com:office:powerpoint" xmlns:com="http://schemas.openxmlformats.org/drawingml/2006/compatibility" xmlns:p14="http://schemas.microsoft.com/office/powerpoint/2010/main" xmlns:p15="http://schemas.microsoft.com/office/powerpoint/2012/main" xmlns:ahyp="http://schemas.microsoft.com/office/drawing/2018/hyperlinkcolor" showMasterPhAnim="0" showMasterSp="0">
   <p:cSld>
     <p:spTree>
       <p:nvGrpSpPr>
-        <p:cNvPr id="188" name="Shape 188"/>
+        <p:cNvPr id="161" name="Shape 161"/>
         <p:cNvGrpSpPr/>
         <p:nvPr/>
       </p:nvGrpSpPr>
@@ -3072,7 +2815,7 @@
       </p:grpSpPr>
       <p:sp>
         <p:nvSpPr>
-          <p:cNvPr id="189" name="Google Shape;189;p7:notes"/>
+          <p:cNvPr id="162" name="Google Shape;162;p7:notes"/>
           <p:cNvSpPr/>
           <p:nvPr>
             <p:ph idx="2" type="sldImg"/>
@@ -3117,7 +2860,7 @@
       </p:sp>
       <p:sp>
         <p:nvSpPr>
-          <p:cNvPr id="190" name="Google Shape;190;p7:notes"/>
+          <p:cNvPr id="163" name="Google Shape;163;p7:notes"/>
           <p:cNvSpPr txBox="1"/>
           <p:nvPr>
             <p:ph idx="1" type="body"/>
@@ -3160,7 +2903,7 @@
       </p:sp>
       <p:sp>
         <p:nvSpPr>
-          <p:cNvPr id="191" name="Google Shape;191;p7:notes"/>
+          <p:cNvPr id="164" name="Google Shape;164;p7:notes"/>
           <p:cNvSpPr txBox="1"/>
           <p:nvPr>
             <p:ph idx="12" type="sldNum"/>
@@ -3210,12 +2953,12 @@
 </p:notes>
 </file>
 
-<file path=ppt/notesSlides/notesSlide8.xml><?xml version="1.0" encoding="utf-8"?>
+<file path=ppt/notesSlides/notesSlide7.xml><?xml version="1.0" encoding="utf-8"?>
 <p:notes xmlns:a="http://schemas.openxmlformats.org/drawingml/2006/main" xmlns:r="http://schemas.openxmlformats.org/officeDocument/2006/relationships" xmlns:mc="http://schemas.openxmlformats.org/markup-compatibility/2006" xmlns:mv="urn:schemas-microsoft-com:mac:vml" xmlns:p="http://schemas.openxmlformats.org/presentationml/2006/main" xmlns:c="http://schemas.openxmlformats.org/drawingml/2006/chart" xmlns:dgm="http://schemas.openxmlformats.org/drawingml/2006/diagram" xmlns:o="urn:schemas-microsoft-com:office:office" xmlns:v="urn:schemas-microsoft-com:vml" xmlns:pvml="urn:schemas-microsoft-com:office:powerpoint" xmlns:com="http://schemas.openxmlformats.org/drawingml/2006/compatibility" xmlns:p14="http://schemas.microsoft.com/office/powerpoint/2010/main" xmlns:p15="http://schemas.microsoft.com/office/powerpoint/2012/main" xmlns:ahyp="http://schemas.microsoft.com/office/drawing/2018/hyperlinkcolor" showMasterPhAnim="0" showMasterSp="0">
   <p:cSld>
     <p:spTree>
       <p:nvGrpSpPr>
-        <p:cNvPr id="195" name="Shape 195"/>
+        <p:cNvPr id="168" name="Shape 168"/>
         <p:cNvGrpSpPr/>
         <p:nvPr/>
       </p:nvGrpSpPr>
@@ -3229,7 +2972,7 @@
       </p:grpSpPr>
       <p:sp>
         <p:nvSpPr>
-          <p:cNvPr id="196" name="Google Shape;196;p8:notes"/>
+          <p:cNvPr id="169" name="Google Shape;169;p8:notes"/>
           <p:cNvSpPr/>
           <p:nvPr>
             <p:ph idx="2" type="sldImg"/>
@@ -3274,7 +3017,7 @@
       </p:sp>
       <p:sp>
         <p:nvSpPr>
-          <p:cNvPr id="197" name="Google Shape;197;p8:notes"/>
+          <p:cNvPr id="170" name="Google Shape;170;p8:notes"/>
           <p:cNvSpPr txBox="1"/>
           <p:nvPr>
             <p:ph idx="1" type="body"/>
@@ -3317,7 +3060,7 @@
       </p:sp>
       <p:sp>
         <p:nvSpPr>
-          <p:cNvPr id="198" name="Google Shape;198;p8:notes"/>
+          <p:cNvPr id="171" name="Google Shape;171;p8:notes"/>
           <p:cNvSpPr txBox="1"/>
           <p:nvPr>
             <p:ph idx="12" type="sldNum"/>
@@ -3367,12 +3110,12 @@
 </p:notes>
 </file>
 
-<file path=ppt/notesSlides/notesSlide9.xml><?xml version="1.0" encoding="utf-8"?>
+<file path=ppt/notesSlides/notesSlide8.xml><?xml version="1.0" encoding="utf-8"?>
 <p:notes xmlns:a="http://schemas.openxmlformats.org/drawingml/2006/main" xmlns:r="http://schemas.openxmlformats.org/officeDocument/2006/relationships" xmlns:mc="http://schemas.openxmlformats.org/markup-compatibility/2006" xmlns:mv="urn:schemas-microsoft-com:mac:vml" xmlns:p="http://schemas.openxmlformats.org/presentationml/2006/main" xmlns:c="http://schemas.openxmlformats.org/drawingml/2006/chart" xmlns:dgm="http://schemas.openxmlformats.org/drawingml/2006/diagram" xmlns:o="urn:schemas-microsoft-com:office:office" xmlns:v="urn:schemas-microsoft-com:vml" xmlns:pvml="urn:schemas-microsoft-com:office:powerpoint" xmlns:com="http://schemas.openxmlformats.org/drawingml/2006/compatibility" xmlns:p14="http://schemas.microsoft.com/office/powerpoint/2010/main" xmlns:p15="http://schemas.microsoft.com/office/powerpoint/2012/main" xmlns:ahyp="http://schemas.microsoft.com/office/drawing/2018/hyperlinkcolor" showMasterPhAnim="0" showMasterSp="0">
   <p:cSld>
     <p:spTree>
       <p:nvGrpSpPr>
-        <p:cNvPr id="202" name="Shape 202"/>
+        <p:cNvPr id="175" name="Shape 175"/>
         <p:cNvGrpSpPr/>
         <p:nvPr/>
       </p:nvGrpSpPr>
@@ -3386,7 +3129,7 @@
       </p:grpSpPr>
       <p:sp>
         <p:nvSpPr>
-          <p:cNvPr id="203" name="Google Shape;203;p9:notes"/>
+          <p:cNvPr id="176" name="Google Shape;176;p9:notes"/>
           <p:cNvSpPr/>
           <p:nvPr>
             <p:ph idx="2" type="sldImg"/>
@@ -3431,7 +3174,7 @@
       </p:sp>
       <p:sp>
         <p:nvSpPr>
-          <p:cNvPr id="204" name="Google Shape;204;p9:notes"/>
+          <p:cNvPr id="177" name="Google Shape;177;p9:notes"/>
           <p:cNvSpPr txBox="1"/>
           <p:nvPr>
             <p:ph idx="1" type="body"/>
@@ -3474,7 +3217,164 @@
       </p:sp>
       <p:sp>
         <p:nvSpPr>
-          <p:cNvPr id="205" name="Google Shape;205;p9:notes"/>
+          <p:cNvPr id="178" name="Google Shape;178;p9:notes"/>
+          <p:cNvSpPr txBox="1"/>
+          <p:nvPr>
+            <p:ph idx="12" type="sldNum"/>
+          </p:nvPr>
+        </p:nvSpPr>
+        <p:spPr>
+          <a:xfrm>
+            <a:off x="3884613" y="8685213"/>
+            <a:ext cx="2971800" cy="457200"/>
+          </a:xfrm>
+          <a:prstGeom prst="rect">
+            <a:avLst/>
+          </a:prstGeom>
+          <a:noFill/>
+          <a:ln>
+            <a:noFill/>
+          </a:ln>
+        </p:spPr>
+        <p:txBody>
+          <a:bodyPr anchorCtr="0" anchor="b" bIns="45700" lIns="91425" spcFirstLastPara="1" rIns="91425" wrap="square" tIns="45700">
+            <a:noAutofit/>
+          </a:bodyPr>
+          <a:lstStyle/>
+          <a:p>
+            <a:pPr indent="0" lvl="0" marL="0" rtl="0" algn="r">
+              <a:spcBef>
+                <a:spcPts val="0"/>
+              </a:spcBef>
+              <a:spcAft>
+                <a:spcPts val="0"/>
+              </a:spcAft>
+              <a:buNone/>
+            </a:pPr>
+            <a:fld id="{00000000-1234-1234-1234-123412341234}" type="slidenum">
+              <a:rPr lang="en-US"/>
+              <a:t>‹#›</a:t>
+            </a:fld>
+            <a:endParaRPr/>
+          </a:p>
+        </p:txBody>
+      </p:sp>
+    </p:spTree>
+  </p:cSld>
+  <p:clrMapOvr>
+    <a:masterClrMapping/>
+  </p:clrMapOvr>
+</p:notes>
+</file>
+
+<file path=ppt/notesSlides/notesSlide9.xml><?xml version="1.0" encoding="utf-8"?>
+<p:notes xmlns:a="http://schemas.openxmlformats.org/drawingml/2006/main" xmlns:r="http://schemas.openxmlformats.org/officeDocument/2006/relationships" xmlns:mc="http://schemas.openxmlformats.org/markup-compatibility/2006" xmlns:mv="urn:schemas-microsoft-com:mac:vml" xmlns:p="http://schemas.openxmlformats.org/presentationml/2006/main" xmlns:c="http://schemas.openxmlformats.org/drawingml/2006/chart" xmlns:dgm="http://schemas.openxmlformats.org/drawingml/2006/diagram" xmlns:o="urn:schemas-microsoft-com:office:office" xmlns:v="urn:schemas-microsoft-com:vml" xmlns:pvml="urn:schemas-microsoft-com:office:powerpoint" xmlns:com="http://schemas.openxmlformats.org/drawingml/2006/compatibility" xmlns:p14="http://schemas.microsoft.com/office/powerpoint/2010/main" xmlns:p15="http://schemas.microsoft.com/office/powerpoint/2012/main" xmlns:ahyp="http://schemas.microsoft.com/office/drawing/2018/hyperlinkcolor" showMasterPhAnim="0" showMasterSp="0">
+  <p:cSld>
+    <p:spTree>
+      <p:nvGrpSpPr>
+        <p:cNvPr id="182" name="Shape 182"/>
+        <p:cNvGrpSpPr/>
+        <p:nvPr/>
+      </p:nvGrpSpPr>
+      <p:grpSpPr>
+        <a:xfrm>
+          <a:off x="0" y="0"/>
+          <a:ext cx="0" cy="0"/>
+          <a:chOff x="0" y="0"/>
+          <a:chExt cx="0" cy="0"/>
+        </a:xfrm>
+      </p:grpSpPr>
+      <p:sp>
+        <p:nvSpPr>
+          <p:cNvPr id="183" name="Google Shape;183;p10:notes"/>
+          <p:cNvSpPr/>
+          <p:nvPr>
+            <p:ph idx="2" type="sldImg"/>
+          </p:nvPr>
+        </p:nvSpPr>
+        <p:spPr>
+          <a:xfrm>
+            <a:off x="382588" y="685800"/>
+            <a:ext cx="6092825" cy="3429000"/>
+          </a:xfrm>
+          <a:custGeom>
+            <a:rect b="b" l="l" r="r" t="t"/>
+            <a:pathLst>
+              <a:path extrusionOk="0" h="120000" w="120000">
+                <a:moveTo>
+                  <a:pt x="0" y="0"/>
+                </a:moveTo>
+                <a:lnTo>
+                  <a:pt x="120000" y="0"/>
+                </a:lnTo>
+                <a:lnTo>
+                  <a:pt x="120000" y="120000"/>
+                </a:lnTo>
+                <a:lnTo>
+                  <a:pt x="0" y="120000"/>
+                </a:lnTo>
+                <a:close/>
+              </a:path>
+            </a:pathLst>
+          </a:custGeom>
+          <a:noFill/>
+          <a:ln cap="flat" cmpd="sng" w="12700">
+            <a:solidFill>
+              <a:srgbClr val="000000"/>
+            </a:solidFill>
+            <a:prstDash val="solid"/>
+            <a:round/>
+            <a:headEnd len="sm" w="sm" type="none"/>
+            <a:tailEnd len="sm" w="sm" type="none"/>
+          </a:ln>
+        </p:spPr>
+      </p:sp>
+      <p:sp>
+        <p:nvSpPr>
+          <p:cNvPr id="184" name="Google Shape;184;p10:notes"/>
+          <p:cNvSpPr txBox="1"/>
+          <p:nvPr>
+            <p:ph idx="1" type="body"/>
+          </p:nvPr>
+        </p:nvSpPr>
+        <p:spPr>
+          <a:xfrm>
+            <a:off x="685800" y="4343400"/>
+            <a:ext cx="5486400" cy="4114800"/>
+          </a:xfrm>
+          <a:prstGeom prst="rect">
+            <a:avLst/>
+          </a:prstGeom>
+          <a:noFill/>
+          <a:ln>
+            <a:noFill/>
+          </a:ln>
+        </p:spPr>
+        <p:txBody>
+          <a:bodyPr anchorCtr="0" anchor="t" bIns="45700" lIns="91425" spcFirstLastPara="1" rIns="91425" wrap="square" tIns="45700">
+            <a:noAutofit/>
+          </a:bodyPr>
+          <a:lstStyle/>
+          <a:p>
+            <a:pPr indent="0" lvl="0" marL="0" rtl="0" algn="l">
+              <a:spcBef>
+                <a:spcPts val="0"/>
+              </a:spcBef>
+              <a:spcAft>
+                <a:spcPts val="0"/>
+              </a:spcAft>
+              <a:buNone/>
+            </a:pPr>
+            <a:r>
+              <a:t/>
+            </a:r>
+            <a:endParaRPr/>
+          </a:p>
+        </p:txBody>
+      </p:sp>
+      <p:sp>
+        <p:nvSpPr>
+          <p:cNvPr id="185" name="Google Shape;185;p10:notes"/>
           <p:cNvSpPr txBox="1"/>
           <p:nvPr>
             <p:ph idx="12" type="sldNum"/>
@@ -18644,7 +18544,7 @@
         <p:spPr>
           <a:xfrm>
             <a:off x="1141412" y="5562600"/>
-            <a:ext cx="9601199" cy="1176336"/>
+            <a:ext cx="9601200" cy="1176300"/>
           </a:xfrm>
           <a:prstGeom prst="rect">
             <a:avLst/>
@@ -18977,7 +18877,7 @@
   <p:cSld>
     <p:spTree>
       <p:nvGrpSpPr>
-        <p:cNvPr id="213" name="Shape 213"/>
+        <p:cNvPr id="224" name="Shape 224"/>
         <p:cNvGrpSpPr/>
         <p:nvPr/>
       </p:nvGrpSpPr>
@@ -18991,1625 +18891,7 @@
       </p:grpSpPr>
       <p:sp>
         <p:nvSpPr>
-          <p:cNvPr id="214" name="Google Shape;214;p25"/>
-          <p:cNvSpPr txBox="1"/>
-          <p:nvPr>
-            <p:ph type="title"/>
-          </p:nvPr>
-        </p:nvSpPr>
-        <p:spPr>
-          <a:xfrm>
-            <a:off x="1522414" y="319088"/>
-            <a:ext cx="9144000" cy="581023"/>
-          </a:xfrm>
-          <a:prstGeom prst="rect">
-            <a:avLst/>
-          </a:prstGeom>
-          <a:noFill/>
-          <a:ln>
-            <a:noFill/>
-          </a:ln>
-        </p:spPr>
-        <p:txBody>
-          <a:bodyPr anchorCtr="0" anchor="b" bIns="45700" lIns="91425" spcFirstLastPara="1" rIns="91425" wrap="square" tIns="45700">
-            <a:normAutofit/>
-          </a:bodyPr>
-          <a:lstStyle/>
-          <a:p>
-            <a:pPr indent="0" lvl="0" marL="0" rtl="0" algn="l">
-              <a:lnSpc>
-                <a:spcPct val="85000"/>
-              </a:lnSpc>
-              <a:spcBef>
-                <a:spcPts val="0"/>
-              </a:spcBef>
-              <a:spcAft>
-                <a:spcPts val="0"/>
-              </a:spcAft>
-              <a:buClr>
-                <a:srgbClr val="B20925"/>
-              </a:buClr>
-              <a:buSzPts val="3600"/>
-              <a:buFont typeface="Cambria"/>
-              <a:buNone/>
-            </a:pPr>
-            <a:r>
-              <a:rPr lang="en-US"/>
-              <a:t>Reciplease </a:t>
-            </a:r>
-            <a:r>
-              <a:rPr lang="en-US" sz="3600"/>
-              <a:t>Flowchart</a:t>
-            </a:r>
-            <a:endParaRPr/>
-          </a:p>
-        </p:txBody>
-      </p:sp>
-      <p:sp>
-        <p:nvSpPr>
-          <p:cNvPr id="215" name="Google Shape;215;p25"/>
-          <p:cNvSpPr txBox="1"/>
-          <p:nvPr>
-            <p:ph idx="1" type="body"/>
-          </p:nvPr>
-        </p:nvSpPr>
-        <p:spPr>
-          <a:xfrm>
-            <a:off x="1522414" y="1075456"/>
-            <a:ext cx="9677398" cy="5607464"/>
-          </a:xfrm>
-          <a:prstGeom prst="rect">
-            <a:avLst/>
-          </a:prstGeom>
-          <a:noFill/>
-          <a:ln>
-            <a:noFill/>
-          </a:ln>
-        </p:spPr>
-        <p:txBody>
-          <a:bodyPr anchorCtr="0" anchor="t" bIns="45700" lIns="91425" spcFirstLastPara="1" rIns="91425" wrap="square" tIns="45700">
-            <a:normAutofit/>
-          </a:bodyPr>
-          <a:lstStyle/>
-          <a:p>
-            <a:pPr indent="0" lvl="0" marL="45720" rtl="0" algn="l">
-              <a:lnSpc>
-                <a:spcPct val="90000"/>
-              </a:lnSpc>
-              <a:spcBef>
-                <a:spcPts val="0"/>
-              </a:spcBef>
-              <a:spcAft>
-                <a:spcPts val="0"/>
-              </a:spcAft>
-              <a:buSzPts val="2000"/>
-              <a:buNone/>
-            </a:pPr>
-            <a:r>
-              <a:t/>
-            </a:r>
-            <a:endParaRPr/>
-          </a:p>
-        </p:txBody>
-      </p:sp>
-      <p:sp>
-        <p:nvSpPr>
-          <p:cNvPr id="216" name="Google Shape;216;p25"/>
-          <p:cNvSpPr/>
-          <p:nvPr/>
-        </p:nvSpPr>
-        <p:spPr>
-          <a:xfrm>
-            <a:off x="1536063" y="1659732"/>
-            <a:ext cx="1981200" cy="671400"/>
-          </a:xfrm>
-          <a:prstGeom prst="rect">
-            <a:avLst/>
-          </a:prstGeom>
-          <a:gradFill>
-            <a:gsLst>
-              <a:gs pos="0">
-                <a:srgbClr val="BCACCD"/>
-              </a:gs>
-              <a:gs pos="50000">
-                <a:srgbClr val="B19EC5"/>
-              </a:gs>
-              <a:gs pos="100000">
-                <a:srgbClr val="A68EBF"/>
-              </a:gs>
-            </a:gsLst>
-            <a:lin ang="5400000" scaled="0"/>
-          </a:gradFill>
-          <a:ln cap="flat" cmpd="sng" w="9525">
-            <a:solidFill>
-              <a:schemeClr val="accent6"/>
-            </a:solidFill>
-            <a:prstDash val="solid"/>
-            <a:miter lim="800000"/>
-            <a:headEnd len="sm" w="sm" type="none"/>
-            <a:tailEnd len="sm" w="sm" type="none"/>
-          </a:ln>
-        </p:spPr>
-        <p:txBody>
-          <a:bodyPr anchorCtr="0" anchor="ctr" bIns="45700" lIns="91425" spcFirstLastPara="1" rIns="91425" wrap="square" tIns="45700">
-            <a:noAutofit/>
-          </a:bodyPr>
-          <a:lstStyle/>
-          <a:p>
-            <a:pPr indent="0" lvl="0" marL="0" marR="0" rtl="0" algn="ctr">
-              <a:spcBef>
-                <a:spcPts val="0"/>
-              </a:spcBef>
-              <a:spcAft>
-                <a:spcPts val="0"/>
-              </a:spcAft>
-              <a:buNone/>
-            </a:pPr>
-            <a:r>
-              <a:rPr b="0" i="0" lang="en-US" sz="1800" u="none" cap="none" strike="noStrike">
-                <a:solidFill>
-                  <a:schemeClr val="dk1"/>
-                </a:solidFill>
-                <a:latin typeface="Cambria"/>
-                <a:ea typeface="Cambria"/>
-                <a:cs typeface="Cambria"/>
-                <a:sym typeface="Cambria"/>
-              </a:rPr>
-              <a:t>Homepage</a:t>
-            </a:r>
-            <a:endParaRPr/>
-          </a:p>
-        </p:txBody>
-      </p:sp>
-      <p:sp>
-        <p:nvSpPr>
-          <p:cNvPr id="217" name="Google Shape;217;p25"/>
-          <p:cNvSpPr/>
-          <p:nvPr/>
-        </p:nvSpPr>
-        <p:spPr>
-          <a:xfrm>
-            <a:off x="6732904" y="2554688"/>
-            <a:ext cx="1815149" cy="583801"/>
-          </a:xfrm>
-          <a:prstGeom prst="rect">
-            <a:avLst/>
-          </a:prstGeom>
-          <a:gradFill>
-            <a:gsLst>
-              <a:gs pos="0">
-                <a:srgbClr val="BCACCD"/>
-              </a:gs>
-              <a:gs pos="50000">
-                <a:srgbClr val="B19EC5"/>
-              </a:gs>
-              <a:gs pos="100000">
-                <a:srgbClr val="A68EBF"/>
-              </a:gs>
-            </a:gsLst>
-            <a:lin ang="5400000" scaled="0"/>
-          </a:gradFill>
-          <a:ln cap="flat" cmpd="sng" w="9525">
-            <a:solidFill>
-              <a:schemeClr val="accent6"/>
-            </a:solidFill>
-            <a:prstDash val="solid"/>
-            <a:miter lim="800000"/>
-            <a:headEnd len="sm" w="sm" type="none"/>
-            <a:tailEnd len="sm" w="sm" type="none"/>
-          </a:ln>
-        </p:spPr>
-        <p:txBody>
-          <a:bodyPr anchorCtr="0" anchor="ctr" bIns="45700" lIns="91425" spcFirstLastPara="1" rIns="91425" wrap="square" tIns="45700">
-            <a:noAutofit/>
-          </a:bodyPr>
-          <a:lstStyle/>
-          <a:p>
-            <a:pPr indent="0" lvl="0" marL="0" marR="0" rtl="0" algn="ctr">
-              <a:spcBef>
-                <a:spcPts val="0"/>
-              </a:spcBef>
-              <a:spcAft>
-                <a:spcPts val="0"/>
-              </a:spcAft>
-              <a:buNone/>
-            </a:pPr>
-            <a:r>
-              <a:rPr b="0" i="0" lang="en-US" sz="1800" u="none" cap="none" strike="noStrike">
-                <a:solidFill>
-                  <a:schemeClr val="dk1"/>
-                </a:solidFill>
-                <a:latin typeface="Cambria"/>
-                <a:ea typeface="Cambria"/>
-                <a:cs typeface="Cambria"/>
-                <a:sym typeface="Cambria"/>
-              </a:rPr>
-              <a:t>Myrecipe page</a:t>
-            </a:r>
-            <a:endParaRPr/>
-          </a:p>
-        </p:txBody>
-      </p:sp>
-      <p:sp>
-        <p:nvSpPr>
-          <p:cNvPr id="218" name="Google Shape;218;p25"/>
-          <p:cNvSpPr/>
-          <p:nvPr/>
-        </p:nvSpPr>
-        <p:spPr>
-          <a:xfrm>
-            <a:off x="6690359" y="1663780"/>
-            <a:ext cx="1828801" cy="671512"/>
-          </a:xfrm>
-          <a:prstGeom prst="rect">
-            <a:avLst/>
-          </a:prstGeom>
-          <a:gradFill>
-            <a:gsLst>
-              <a:gs pos="0">
-                <a:srgbClr val="BCACCD"/>
-              </a:gs>
-              <a:gs pos="50000">
-                <a:srgbClr val="B19EC5"/>
-              </a:gs>
-              <a:gs pos="100000">
-                <a:srgbClr val="A68EBF"/>
-              </a:gs>
-            </a:gsLst>
-            <a:lin ang="5400000" scaled="0"/>
-          </a:gradFill>
-          <a:ln cap="flat" cmpd="sng" w="9525">
-            <a:solidFill>
-              <a:schemeClr val="accent6"/>
-            </a:solidFill>
-            <a:prstDash val="solid"/>
-            <a:miter lim="800000"/>
-            <a:headEnd len="sm" w="sm" type="none"/>
-            <a:tailEnd len="sm" w="sm" type="none"/>
-          </a:ln>
-        </p:spPr>
-        <p:txBody>
-          <a:bodyPr anchorCtr="0" anchor="ctr" bIns="45700" lIns="91425" spcFirstLastPara="1" rIns="91425" wrap="square" tIns="45700">
-            <a:noAutofit/>
-          </a:bodyPr>
-          <a:lstStyle/>
-          <a:p>
-            <a:pPr indent="0" lvl="0" marL="0" marR="0" rtl="0" algn="ctr">
-              <a:spcBef>
-                <a:spcPts val="0"/>
-              </a:spcBef>
-              <a:spcAft>
-                <a:spcPts val="0"/>
-              </a:spcAft>
-              <a:buNone/>
-            </a:pPr>
-            <a:r>
-              <a:rPr b="0" i="0" lang="en-US" sz="1800" u="none" cap="none" strike="noStrike">
-                <a:solidFill>
-                  <a:schemeClr val="dk1"/>
-                </a:solidFill>
-                <a:latin typeface="Cambria"/>
-                <a:ea typeface="Cambria"/>
-                <a:cs typeface="Cambria"/>
-                <a:sym typeface="Cambria"/>
-              </a:rPr>
-              <a:t>Advanced search</a:t>
-            </a:r>
-            <a:endParaRPr/>
-          </a:p>
-        </p:txBody>
-      </p:sp>
-      <p:cxnSp>
-        <p:nvCxnSpPr>
-          <p:cNvPr id="219" name="Google Shape;219;p25"/>
-          <p:cNvCxnSpPr/>
-          <p:nvPr/>
-        </p:nvCxnSpPr>
-        <p:spPr>
-          <a:xfrm>
-            <a:off x="6080759" y="1964533"/>
-            <a:ext cx="609600" cy="0"/>
-          </a:xfrm>
-          <a:prstGeom prst="straightConnector1">
-            <a:avLst/>
-          </a:prstGeom>
-          <a:noFill/>
-          <a:ln cap="flat" cmpd="sng" w="9525">
-            <a:solidFill>
-              <a:schemeClr val="accent1"/>
-            </a:solidFill>
-            <a:prstDash val="solid"/>
-            <a:miter lim="800000"/>
-            <a:headEnd len="sm" w="sm" type="none"/>
-            <a:tailEnd len="med" w="med" type="triangle"/>
-          </a:ln>
-        </p:spPr>
-      </p:cxnSp>
-      <p:sp>
-        <p:nvSpPr>
-          <p:cNvPr id="220" name="Google Shape;220;p25"/>
-          <p:cNvSpPr/>
-          <p:nvPr/>
-        </p:nvSpPr>
-        <p:spPr>
-          <a:xfrm>
-            <a:off x="4099561" y="1689499"/>
-            <a:ext cx="1981200" cy="671512"/>
-          </a:xfrm>
-          <a:prstGeom prst="rect">
-            <a:avLst/>
-          </a:prstGeom>
-          <a:gradFill>
-            <a:gsLst>
-              <a:gs pos="0">
-                <a:srgbClr val="BCACCD"/>
-              </a:gs>
-              <a:gs pos="50000">
-                <a:srgbClr val="B19EC5"/>
-              </a:gs>
-              <a:gs pos="100000">
-                <a:srgbClr val="A68EBF"/>
-              </a:gs>
-            </a:gsLst>
-            <a:lin ang="5400000" scaled="0"/>
-          </a:gradFill>
-          <a:ln cap="flat" cmpd="sng" w="9525">
-            <a:solidFill>
-              <a:schemeClr val="accent6"/>
-            </a:solidFill>
-            <a:prstDash val="solid"/>
-            <a:miter lim="800000"/>
-            <a:headEnd len="sm" w="sm" type="none"/>
-            <a:tailEnd len="sm" w="sm" type="none"/>
-          </a:ln>
-        </p:spPr>
-        <p:txBody>
-          <a:bodyPr anchorCtr="0" anchor="ctr" bIns="45700" lIns="91425" spcFirstLastPara="1" rIns="91425" wrap="square" tIns="45700">
-            <a:noAutofit/>
-          </a:bodyPr>
-          <a:lstStyle/>
-          <a:p>
-            <a:pPr indent="0" lvl="0" marL="0" marR="0" rtl="0" algn="ctr">
-              <a:spcBef>
-                <a:spcPts val="0"/>
-              </a:spcBef>
-              <a:spcAft>
-                <a:spcPts val="0"/>
-              </a:spcAft>
-              <a:buNone/>
-            </a:pPr>
-            <a:r>
-              <a:rPr b="0" i="0" lang="en-US" sz="1800" u="none" cap="none" strike="noStrike">
-                <a:solidFill>
-                  <a:schemeClr val="dk1"/>
-                </a:solidFill>
-                <a:latin typeface="Cambria"/>
-                <a:ea typeface="Cambria"/>
-                <a:cs typeface="Cambria"/>
-                <a:sym typeface="Cambria"/>
-              </a:rPr>
-              <a:t>Search</a:t>
-            </a:r>
-            <a:endParaRPr/>
-          </a:p>
-        </p:txBody>
-      </p:sp>
-      <p:sp>
-        <p:nvSpPr>
-          <p:cNvPr id="221" name="Google Shape;221;p25"/>
-          <p:cNvSpPr/>
-          <p:nvPr/>
-        </p:nvSpPr>
-        <p:spPr>
-          <a:xfrm>
-            <a:off x="6744340" y="3516877"/>
-            <a:ext cx="1803713" cy="583801"/>
-          </a:xfrm>
-          <a:prstGeom prst="rect">
-            <a:avLst/>
-          </a:prstGeom>
-          <a:gradFill>
-            <a:gsLst>
-              <a:gs pos="0">
-                <a:srgbClr val="BCACCD"/>
-              </a:gs>
-              <a:gs pos="50000">
-                <a:srgbClr val="B19EC5"/>
-              </a:gs>
-              <a:gs pos="100000">
-                <a:srgbClr val="A68EBF"/>
-              </a:gs>
-            </a:gsLst>
-            <a:lin ang="5400000" scaled="0"/>
-          </a:gradFill>
-          <a:ln cap="flat" cmpd="sng" w="9525">
-            <a:solidFill>
-              <a:schemeClr val="accent6"/>
-            </a:solidFill>
-            <a:prstDash val="solid"/>
-            <a:miter lim="800000"/>
-            <a:headEnd len="sm" w="sm" type="none"/>
-            <a:tailEnd len="sm" w="sm" type="none"/>
-          </a:ln>
-        </p:spPr>
-        <p:txBody>
-          <a:bodyPr anchorCtr="0" anchor="ctr" bIns="45700" lIns="91425" spcFirstLastPara="1" rIns="91425" wrap="square" tIns="45700">
-            <a:noAutofit/>
-          </a:bodyPr>
-          <a:lstStyle/>
-          <a:p>
-            <a:pPr indent="0" lvl="0" marL="0" marR="0" rtl="0" algn="ctr">
-              <a:spcBef>
-                <a:spcPts val="0"/>
-              </a:spcBef>
-              <a:spcAft>
-                <a:spcPts val="0"/>
-              </a:spcAft>
-              <a:buNone/>
-            </a:pPr>
-            <a:r>
-              <a:rPr b="0" i="0" lang="en-US" sz="1800" u="none" cap="none" strike="noStrike">
-                <a:solidFill>
-                  <a:schemeClr val="dk1"/>
-                </a:solidFill>
-                <a:latin typeface="Cambria"/>
-                <a:ea typeface="Cambria"/>
-                <a:cs typeface="Cambria"/>
-                <a:sym typeface="Cambria"/>
-              </a:rPr>
-              <a:t>Favorites</a:t>
-            </a:r>
-            <a:endParaRPr/>
-          </a:p>
-        </p:txBody>
-      </p:sp>
-      <p:sp>
-        <p:nvSpPr>
-          <p:cNvPr id="222" name="Google Shape;222;p25"/>
-          <p:cNvSpPr/>
-          <p:nvPr/>
-        </p:nvSpPr>
-        <p:spPr>
-          <a:xfrm>
-            <a:off x="10111729" y="5951972"/>
-            <a:ext cx="841127" cy="586940"/>
-          </a:xfrm>
-          <a:prstGeom prst="rect">
-            <a:avLst/>
-          </a:prstGeom>
-          <a:gradFill>
-            <a:gsLst>
-              <a:gs pos="0">
-                <a:srgbClr val="BCACCD"/>
-              </a:gs>
-              <a:gs pos="50000">
-                <a:srgbClr val="B19EC5"/>
-              </a:gs>
-              <a:gs pos="100000">
-                <a:srgbClr val="A68EBF"/>
-              </a:gs>
-            </a:gsLst>
-            <a:lin ang="5400000" scaled="0"/>
-          </a:gradFill>
-          <a:ln cap="flat" cmpd="sng" w="9525">
-            <a:solidFill>
-              <a:schemeClr val="accent6"/>
-            </a:solidFill>
-            <a:prstDash val="solid"/>
-            <a:miter lim="800000"/>
-            <a:headEnd len="sm" w="sm" type="none"/>
-            <a:tailEnd len="sm" w="sm" type="none"/>
-          </a:ln>
-        </p:spPr>
-        <p:txBody>
-          <a:bodyPr anchorCtr="0" anchor="ctr" bIns="45700" lIns="91425" spcFirstLastPara="1" rIns="91425" wrap="square" tIns="45700">
-            <a:noAutofit/>
-          </a:bodyPr>
-          <a:lstStyle/>
-          <a:p>
-            <a:pPr indent="0" lvl="0" marL="0" marR="0" rtl="0" algn="ctr">
-              <a:spcBef>
-                <a:spcPts val="0"/>
-              </a:spcBef>
-              <a:spcAft>
-                <a:spcPts val="0"/>
-              </a:spcAft>
-              <a:buNone/>
-            </a:pPr>
-            <a:r>
-              <a:rPr b="0" i="0" lang="en-US" sz="1800" u="none" cap="none" strike="noStrike">
-                <a:solidFill>
-                  <a:schemeClr val="dk1"/>
-                </a:solidFill>
-                <a:latin typeface="Cambria"/>
-                <a:ea typeface="Cambria"/>
-                <a:cs typeface="Cambria"/>
-                <a:sym typeface="Cambria"/>
-              </a:rPr>
-              <a:t>Delete</a:t>
-            </a:r>
-            <a:endParaRPr/>
-          </a:p>
-        </p:txBody>
-      </p:sp>
-      <p:sp>
-        <p:nvSpPr>
-          <p:cNvPr id="223" name="Google Shape;223;p25"/>
-          <p:cNvSpPr/>
-          <p:nvPr/>
-        </p:nvSpPr>
-        <p:spPr>
-          <a:xfrm>
-            <a:off x="6752912" y="4433246"/>
-            <a:ext cx="1815149" cy="519752"/>
-          </a:xfrm>
-          <a:prstGeom prst="rect">
-            <a:avLst/>
-          </a:prstGeom>
-          <a:gradFill>
-            <a:gsLst>
-              <a:gs pos="0">
-                <a:srgbClr val="BCACCD"/>
-              </a:gs>
-              <a:gs pos="50000">
-                <a:srgbClr val="B19EC5"/>
-              </a:gs>
-              <a:gs pos="100000">
-                <a:srgbClr val="A68EBF"/>
-              </a:gs>
-            </a:gsLst>
-            <a:lin ang="5400000" scaled="0"/>
-          </a:gradFill>
-          <a:ln cap="flat" cmpd="sng" w="9525">
-            <a:solidFill>
-              <a:schemeClr val="accent6"/>
-            </a:solidFill>
-            <a:prstDash val="solid"/>
-            <a:miter lim="800000"/>
-            <a:headEnd len="sm" w="sm" type="none"/>
-            <a:tailEnd len="sm" w="sm" type="none"/>
-          </a:ln>
-        </p:spPr>
-        <p:txBody>
-          <a:bodyPr anchorCtr="0" anchor="ctr" bIns="45700" lIns="91425" spcFirstLastPara="1" rIns="91425" wrap="square" tIns="45700">
-            <a:noAutofit/>
-          </a:bodyPr>
-          <a:lstStyle/>
-          <a:p>
-            <a:pPr indent="0" lvl="0" marL="0" marR="0" rtl="0" algn="ctr">
-              <a:spcBef>
-                <a:spcPts val="0"/>
-              </a:spcBef>
-              <a:spcAft>
-                <a:spcPts val="0"/>
-              </a:spcAft>
-              <a:buNone/>
-            </a:pPr>
-            <a:r>
-              <a:rPr b="0" i="0" lang="en-US" sz="1800" u="none" cap="none" strike="noStrike">
-                <a:solidFill>
-                  <a:schemeClr val="dk1"/>
-                </a:solidFill>
-                <a:latin typeface="Cambria"/>
-                <a:ea typeface="Cambria"/>
-                <a:cs typeface="Cambria"/>
-                <a:sym typeface="Cambria"/>
-              </a:rPr>
-              <a:t>MyCart</a:t>
-            </a:r>
-            <a:endParaRPr b="0" i="0" sz="1800" u="none" cap="none" strike="noStrike">
-              <a:solidFill>
-                <a:schemeClr val="dk1"/>
-              </a:solidFill>
-              <a:latin typeface="Cambria"/>
-              <a:ea typeface="Cambria"/>
-              <a:cs typeface="Cambria"/>
-              <a:sym typeface="Cambria"/>
-            </a:endParaRPr>
-          </a:p>
-        </p:txBody>
-      </p:sp>
-      <p:sp>
-        <p:nvSpPr>
-          <p:cNvPr id="224" name="Google Shape;224;p25"/>
-          <p:cNvSpPr/>
-          <p:nvPr/>
-        </p:nvSpPr>
-        <p:spPr>
-          <a:xfrm>
-            <a:off x="10105802" y="5130156"/>
-            <a:ext cx="849299" cy="572876"/>
-          </a:xfrm>
-          <a:prstGeom prst="rect">
-            <a:avLst/>
-          </a:prstGeom>
-          <a:gradFill>
-            <a:gsLst>
-              <a:gs pos="0">
-                <a:srgbClr val="BCACCD"/>
-              </a:gs>
-              <a:gs pos="50000">
-                <a:srgbClr val="B19EC5"/>
-              </a:gs>
-              <a:gs pos="100000">
-                <a:srgbClr val="A68EBF"/>
-              </a:gs>
-            </a:gsLst>
-            <a:lin ang="5400000" scaled="0"/>
-          </a:gradFill>
-          <a:ln cap="flat" cmpd="sng" w="9525">
-            <a:solidFill>
-              <a:schemeClr val="accent6"/>
-            </a:solidFill>
-            <a:prstDash val="solid"/>
-            <a:miter lim="800000"/>
-            <a:headEnd len="sm" w="sm" type="none"/>
-            <a:tailEnd len="sm" w="sm" type="none"/>
-          </a:ln>
-        </p:spPr>
-        <p:txBody>
-          <a:bodyPr anchorCtr="0" anchor="ctr" bIns="45700" lIns="91425" spcFirstLastPara="1" rIns="91425" wrap="square" tIns="45700">
-            <a:noAutofit/>
-          </a:bodyPr>
-          <a:lstStyle/>
-          <a:p>
-            <a:pPr indent="0" lvl="0" marL="0" marR="0" rtl="0" algn="ctr">
-              <a:spcBef>
-                <a:spcPts val="0"/>
-              </a:spcBef>
-              <a:spcAft>
-                <a:spcPts val="0"/>
-              </a:spcAft>
-              <a:buNone/>
-            </a:pPr>
-            <a:r>
-              <a:rPr b="0" i="0" lang="en-US" sz="1800" u="none" cap="none" strike="noStrike">
-                <a:solidFill>
-                  <a:schemeClr val="dk1"/>
-                </a:solidFill>
-                <a:latin typeface="Cambria"/>
-                <a:ea typeface="Cambria"/>
-                <a:cs typeface="Cambria"/>
-                <a:sym typeface="Cambria"/>
-              </a:rPr>
-              <a:t>View</a:t>
-            </a:r>
-            <a:endParaRPr/>
-          </a:p>
-        </p:txBody>
-      </p:sp>
-      <p:sp>
-        <p:nvSpPr>
           <p:cNvPr id="225" name="Google Shape;225;p25"/>
-          <p:cNvSpPr/>
-          <p:nvPr/>
-        </p:nvSpPr>
-        <p:spPr>
-          <a:xfrm>
-            <a:off x="9127168" y="5133141"/>
-            <a:ext cx="948692" cy="583799"/>
-          </a:xfrm>
-          <a:prstGeom prst="rect">
-            <a:avLst/>
-          </a:prstGeom>
-          <a:gradFill>
-            <a:gsLst>
-              <a:gs pos="0">
-                <a:srgbClr val="BCACCD"/>
-              </a:gs>
-              <a:gs pos="50000">
-                <a:srgbClr val="B19EC5"/>
-              </a:gs>
-              <a:gs pos="100000">
-                <a:srgbClr val="A68EBF"/>
-              </a:gs>
-            </a:gsLst>
-            <a:lin ang="5400000" scaled="0"/>
-          </a:gradFill>
-          <a:ln cap="flat" cmpd="sng" w="9525">
-            <a:solidFill>
-              <a:schemeClr val="accent6"/>
-            </a:solidFill>
-            <a:prstDash val="solid"/>
-            <a:miter lim="800000"/>
-            <a:headEnd len="sm" w="sm" type="none"/>
-            <a:tailEnd len="sm" w="sm" type="none"/>
-          </a:ln>
-        </p:spPr>
-        <p:txBody>
-          <a:bodyPr anchorCtr="0" anchor="ctr" bIns="45700" lIns="91425" spcFirstLastPara="1" rIns="91425" wrap="square" tIns="45700">
-            <a:noAutofit/>
-          </a:bodyPr>
-          <a:lstStyle/>
-          <a:p>
-            <a:pPr indent="0" lvl="0" marL="0" marR="0" rtl="0" algn="ctr">
-              <a:spcBef>
-                <a:spcPts val="0"/>
-              </a:spcBef>
-              <a:spcAft>
-                <a:spcPts val="0"/>
-              </a:spcAft>
-              <a:buNone/>
-            </a:pPr>
-            <a:r>
-              <a:rPr b="0" i="0" lang="en-US" sz="1800" u="none" cap="none" strike="noStrike">
-                <a:solidFill>
-                  <a:schemeClr val="dk1"/>
-                </a:solidFill>
-                <a:latin typeface="Cambria"/>
-                <a:ea typeface="Cambria"/>
-                <a:cs typeface="Cambria"/>
-                <a:sym typeface="Cambria"/>
-              </a:rPr>
-              <a:t>Create</a:t>
-            </a:r>
-            <a:endParaRPr/>
-          </a:p>
-        </p:txBody>
-      </p:sp>
-      <p:sp>
-        <p:nvSpPr>
-          <p:cNvPr id="226" name="Google Shape;226;p25"/>
-          <p:cNvSpPr/>
-          <p:nvPr/>
-        </p:nvSpPr>
-        <p:spPr>
-          <a:xfrm>
-            <a:off x="9108119" y="4433246"/>
-            <a:ext cx="1828801" cy="519752"/>
-          </a:xfrm>
-          <a:prstGeom prst="rect">
-            <a:avLst/>
-          </a:prstGeom>
-          <a:gradFill>
-            <a:gsLst>
-              <a:gs pos="0">
-                <a:srgbClr val="BCACCD"/>
-              </a:gs>
-              <a:gs pos="50000">
-                <a:srgbClr val="B19EC5"/>
-              </a:gs>
-              <a:gs pos="100000">
-                <a:srgbClr val="A68EBF"/>
-              </a:gs>
-            </a:gsLst>
-            <a:lin ang="5400000" scaled="0"/>
-          </a:gradFill>
-          <a:ln cap="flat" cmpd="sng" w="9525">
-            <a:solidFill>
-              <a:schemeClr val="accent6"/>
-            </a:solidFill>
-            <a:prstDash val="solid"/>
-            <a:miter lim="800000"/>
-            <a:headEnd len="sm" w="sm" type="none"/>
-            <a:tailEnd len="sm" w="sm" type="none"/>
-          </a:ln>
-        </p:spPr>
-        <p:txBody>
-          <a:bodyPr anchorCtr="0" anchor="ctr" bIns="45700" lIns="91425" spcFirstLastPara="1" rIns="91425" wrap="square" tIns="45700">
-            <a:noAutofit/>
-          </a:bodyPr>
-          <a:lstStyle/>
-          <a:p>
-            <a:pPr indent="0" lvl="0" marL="0" marR="0" rtl="0" algn="ctr">
-              <a:spcBef>
-                <a:spcPts val="0"/>
-              </a:spcBef>
-              <a:spcAft>
-                <a:spcPts val="0"/>
-              </a:spcAft>
-              <a:buNone/>
-            </a:pPr>
-            <a:r>
-              <a:rPr b="0" i="0" lang="en-US" sz="1800" u="none" cap="none" strike="noStrike">
-                <a:solidFill>
-                  <a:schemeClr val="dk1"/>
-                </a:solidFill>
-                <a:latin typeface="Cambria"/>
-                <a:ea typeface="Cambria"/>
-                <a:cs typeface="Cambria"/>
-                <a:sym typeface="Cambria"/>
-              </a:rPr>
-              <a:t>Shopping Cart</a:t>
-            </a:r>
-            <a:endParaRPr/>
-          </a:p>
-        </p:txBody>
-      </p:sp>
-      <p:sp>
-        <p:nvSpPr>
-          <p:cNvPr id="227" name="Google Shape;227;p25"/>
-          <p:cNvSpPr/>
-          <p:nvPr/>
-        </p:nvSpPr>
-        <p:spPr>
-          <a:xfrm>
-            <a:off x="4099561" y="3550564"/>
-            <a:ext cx="1981200" cy="671512"/>
-          </a:xfrm>
-          <a:prstGeom prst="rect">
-            <a:avLst/>
-          </a:prstGeom>
-          <a:gradFill>
-            <a:gsLst>
-              <a:gs pos="0">
-                <a:srgbClr val="BCACCD"/>
-              </a:gs>
-              <a:gs pos="50000">
-                <a:srgbClr val="B19EC5"/>
-              </a:gs>
-              <a:gs pos="100000">
-                <a:srgbClr val="A68EBF"/>
-              </a:gs>
-            </a:gsLst>
-            <a:lin ang="5400000" scaled="0"/>
-          </a:gradFill>
-          <a:ln cap="flat" cmpd="sng" w="9525">
-            <a:solidFill>
-              <a:schemeClr val="accent6"/>
-            </a:solidFill>
-            <a:prstDash val="solid"/>
-            <a:miter lim="800000"/>
-            <a:headEnd len="sm" w="sm" type="none"/>
-            <a:tailEnd len="sm" w="sm" type="none"/>
-          </a:ln>
-        </p:spPr>
-        <p:txBody>
-          <a:bodyPr anchorCtr="0" anchor="ctr" bIns="45700" lIns="91425" spcFirstLastPara="1" rIns="91425" wrap="square" tIns="45700">
-            <a:noAutofit/>
-          </a:bodyPr>
-          <a:lstStyle/>
-          <a:p>
-            <a:pPr indent="0" lvl="0" marL="0" marR="0" rtl="0" algn="ctr">
-              <a:spcBef>
-                <a:spcPts val="0"/>
-              </a:spcBef>
-              <a:spcAft>
-                <a:spcPts val="0"/>
-              </a:spcAft>
-              <a:buNone/>
-            </a:pPr>
-            <a:r>
-              <a:rPr b="0" i="0" lang="en-US" sz="1800" u="none" cap="none" strike="noStrike">
-                <a:solidFill>
-                  <a:schemeClr val="dk1"/>
-                </a:solidFill>
-                <a:latin typeface="Cambria"/>
-                <a:ea typeface="Cambria"/>
-                <a:cs typeface="Cambria"/>
-                <a:sym typeface="Cambria"/>
-              </a:rPr>
-              <a:t>Sign-In</a:t>
-            </a:r>
-            <a:endParaRPr/>
-          </a:p>
-        </p:txBody>
-      </p:sp>
-      <p:sp>
-        <p:nvSpPr>
-          <p:cNvPr id="228" name="Google Shape;228;p25"/>
-          <p:cNvSpPr/>
-          <p:nvPr/>
-        </p:nvSpPr>
-        <p:spPr>
-          <a:xfrm>
-            <a:off x="9120938" y="5966037"/>
-            <a:ext cx="948692" cy="572875"/>
-          </a:xfrm>
-          <a:prstGeom prst="rect">
-            <a:avLst/>
-          </a:prstGeom>
-          <a:gradFill>
-            <a:gsLst>
-              <a:gs pos="0">
-                <a:srgbClr val="BCACCD"/>
-              </a:gs>
-              <a:gs pos="50000">
-                <a:srgbClr val="B19EC5"/>
-              </a:gs>
-              <a:gs pos="100000">
-                <a:srgbClr val="A68EBF"/>
-              </a:gs>
-            </a:gsLst>
-            <a:lin ang="5400000" scaled="0"/>
-          </a:gradFill>
-          <a:ln cap="flat" cmpd="sng" w="9525">
-            <a:solidFill>
-              <a:schemeClr val="accent6"/>
-            </a:solidFill>
-            <a:prstDash val="solid"/>
-            <a:miter lim="800000"/>
-            <a:headEnd len="sm" w="sm" type="none"/>
-            <a:tailEnd len="sm" w="sm" type="none"/>
-          </a:ln>
-        </p:spPr>
-        <p:txBody>
-          <a:bodyPr anchorCtr="0" anchor="ctr" bIns="45700" lIns="91425" spcFirstLastPara="1" rIns="91425" wrap="square" tIns="45700">
-            <a:noAutofit/>
-          </a:bodyPr>
-          <a:lstStyle/>
-          <a:p>
-            <a:pPr indent="0" lvl="0" marL="0" marR="0" rtl="0" algn="ctr">
-              <a:spcBef>
-                <a:spcPts val="0"/>
-              </a:spcBef>
-              <a:spcAft>
-                <a:spcPts val="0"/>
-              </a:spcAft>
-              <a:buNone/>
-            </a:pPr>
-            <a:r>
-              <a:rPr b="0" i="0" lang="en-US" sz="1800" u="none" cap="none" strike="noStrike">
-                <a:solidFill>
-                  <a:schemeClr val="dk1"/>
-                </a:solidFill>
-                <a:latin typeface="Cambria"/>
-                <a:ea typeface="Cambria"/>
-                <a:cs typeface="Cambria"/>
-                <a:sym typeface="Cambria"/>
-              </a:rPr>
-              <a:t>Update</a:t>
-            </a:r>
-            <a:endParaRPr/>
-          </a:p>
-        </p:txBody>
-      </p:sp>
-      <p:sp>
-        <p:nvSpPr>
-          <p:cNvPr id="229" name="Google Shape;229;p25"/>
-          <p:cNvSpPr/>
-          <p:nvPr/>
-        </p:nvSpPr>
-        <p:spPr>
-          <a:xfrm>
-            <a:off x="4106387" y="2604433"/>
-            <a:ext cx="1981200" cy="671512"/>
-          </a:xfrm>
-          <a:prstGeom prst="rect">
-            <a:avLst/>
-          </a:prstGeom>
-          <a:gradFill>
-            <a:gsLst>
-              <a:gs pos="0">
-                <a:srgbClr val="BCACCD"/>
-              </a:gs>
-              <a:gs pos="50000">
-                <a:srgbClr val="B19EC5"/>
-              </a:gs>
-              <a:gs pos="100000">
-                <a:srgbClr val="A68EBF"/>
-              </a:gs>
-            </a:gsLst>
-            <a:lin ang="5400000" scaled="0"/>
-          </a:gradFill>
-          <a:ln cap="flat" cmpd="sng" w="9525">
-            <a:solidFill>
-              <a:schemeClr val="accent6"/>
-            </a:solidFill>
-            <a:prstDash val="solid"/>
-            <a:miter lim="800000"/>
-            <a:headEnd len="sm" w="sm" type="none"/>
-            <a:tailEnd len="sm" w="sm" type="none"/>
-          </a:ln>
-        </p:spPr>
-        <p:txBody>
-          <a:bodyPr anchorCtr="0" anchor="ctr" bIns="45700" lIns="91425" spcFirstLastPara="1" rIns="91425" wrap="square" tIns="45700">
-            <a:noAutofit/>
-          </a:bodyPr>
-          <a:lstStyle/>
-          <a:p>
-            <a:pPr indent="0" lvl="0" marL="0" marR="0" rtl="0" algn="ctr">
-              <a:spcBef>
-                <a:spcPts val="0"/>
-              </a:spcBef>
-              <a:spcAft>
-                <a:spcPts val="0"/>
-              </a:spcAft>
-              <a:buNone/>
-            </a:pPr>
-            <a:r>
-              <a:rPr b="0" i="0" lang="en-US" sz="1800" u="none" cap="none" strike="noStrike">
-                <a:solidFill>
-                  <a:schemeClr val="dk1"/>
-                </a:solidFill>
-                <a:latin typeface="Cambria"/>
-                <a:ea typeface="Cambria"/>
-                <a:cs typeface="Cambria"/>
-                <a:sym typeface="Cambria"/>
-              </a:rPr>
-              <a:t>Sign up</a:t>
-            </a:r>
-            <a:endParaRPr/>
-          </a:p>
-        </p:txBody>
-      </p:sp>
-      <p:sp>
-        <p:nvSpPr>
-          <p:cNvPr id="230" name="Google Shape;230;p25"/>
-          <p:cNvSpPr/>
-          <p:nvPr/>
-        </p:nvSpPr>
-        <p:spPr>
-          <a:xfrm>
-            <a:off x="6776724" y="6076471"/>
-            <a:ext cx="1771329" cy="519752"/>
-          </a:xfrm>
-          <a:prstGeom prst="rect">
-            <a:avLst/>
-          </a:prstGeom>
-          <a:gradFill>
-            <a:gsLst>
-              <a:gs pos="0">
-                <a:srgbClr val="BCACCD"/>
-              </a:gs>
-              <a:gs pos="50000">
-                <a:srgbClr val="B19EC5"/>
-              </a:gs>
-              <a:gs pos="100000">
-                <a:srgbClr val="A68EBF"/>
-              </a:gs>
-            </a:gsLst>
-            <a:lin ang="5400000" scaled="0"/>
-          </a:gradFill>
-          <a:ln cap="flat" cmpd="sng" w="9525">
-            <a:solidFill>
-              <a:schemeClr val="accent6"/>
-            </a:solidFill>
-            <a:prstDash val="solid"/>
-            <a:miter lim="800000"/>
-            <a:headEnd len="sm" w="sm" type="none"/>
-            <a:tailEnd len="sm" w="sm" type="none"/>
-          </a:ln>
-        </p:spPr>
-        <p:txBody>
-          <a:bodyPr anchorCtr="0" anchor="ctr" bIns="45700" lIns="91425" spcFirstLastPara="1" rIns="91425" wrap="square" tIns="45700">
-            <a:noAutofit/>
-          </a:bodyPr>
-          <a:lstStyle/>
-          <a:p>
-            <a:pPr indent="0" lvl="0" marL="0" marR="0" rtl="0" algn="ctr">
-              <a:spcBef>
-                <a:spcPts val="0"/>
-              </a:spcBef>
-              <a:spcAft>
-                <a:spcPts val="0"/>
-              </a:spcAft>
-              <a:buNone/>
-            </a:pPr>
-            <a:r>
-              <a:rPr b="0" i="0" lang="en-US" sz="1800" u="none" cap="none" strike="noStrike">
-                <a:solidFill>
-                  <a:schemeClr val="dk1"/>
-                </a:solidFill>
-                <a:latin typeface="Cambria"/>
-                <a:ea typeface="Cambria"/>
-                <a:cs typeface="Cambria"/>
-                <a:sym typeface="Cambria"/>
-              </a:rPr>
-              <a:t>Sign-Out</a:t>
-            </a:r>
-            <a:endParaRPr/>
-          </a:p>
-        </p:txBody>
-      </p:sp>
-      <p:sp>
-        <p:nvSpPr>
-          <p:cNvPr id="231" name="Google Shape;231;p25"/>
-          <p:cNvSpPr/>
-          <p:nvPr/>
-        </p:nvSpPr>
-        <p:spPr>
-          <a:xfrm>
-            <a:off x="6732904" y="5252243"/>
-            <a:ext cx="1803713" cy="583800"/>
-          </a:xfrm>
-          <a:prstGeom prst="rect">
-            <a:avLst/>
-          </a:prstGeom>
-          <a:gradFill>
-            <a:gsLst>
-              <a:gs pos="0">
-                <a:srgbClr val="BCACCD"/>
-              </a:gs>
-              <a:gs pos="50000">
-                <a:srgbClr val="B19EC5"/>
-              </a:gs>
-              <a:gs pos="100000">
-                <a:srgbClr val="A68EBF"/>
-              </a:gs>
-            </a:gsLst>
-            <a:lin ang="5400000" scaled="0"/>
-          </a:gradFill>
-          <a:ln cap="flat" cmpd="sng" w="9525">
-            <a:solidFill>
-              <a:schemeClr val="accent6"/>
-            </a:solidFill>
-            <a:prstDash val="solid"/>
-            <a:miter lim="800000"/>
-            <a:headEnd len="sm" w="sm" type="none"/>
-            <a:tailEnd len="sm" w="sm" type="none"/>
-          </a:ln>
-        </p:spPr>
-        <p:txBody>
-          <a:bodyPr anchorCtr="0" anchor="ctr" bIns="45700" lIns="91425" spcFirstLastPara="1" rIns="91425" wrap="square" tIns="45700">
-            <a:noAutofit/>
-          </a:bodyPr>
-          <a:lstStyle/>
-          <a:p>
-            <a:pPr indent="0" lvl="0" marL="0" marR="0" rtl="0" algn="ctr">
-              <a:spcBef>
-                <a:spcPts val="0"/>
-              </a:spcBef>
-              <a:spcAft>
-                <a:spcPts val="0"/>
-              </a:spcAft>
-              <a:buNone/>
-            </a:pPr>
-            <a:r>
-              <a:rPr b="0" i="0" lang="en-US" sz="1800" u="none" cap="none" strike="noStrike">
-                <a:solidFill>
-                  <a:schemeClr val="dk1"/>
-                </a:solidFill>
-                <a:latin typeface="Cambria"/>
-                <a:ea typeface="Cambria"/>
-                <a:cs typeface="Cambria"/>
-                <a:sym typeface="Cambria"/>
-              </a:rPr>
-              <a:t>MyAccount</a:t>
-            </a:r>
-            <a:endParaRPr/>
-          </a:p>
-        </p:txBody>
-      </p:sp>
-      <p:cxnSp>
-        <p:nvCxnSpPr>
-          <p:cNvPr id="232" name="Google Shape;232;p25"/>
-          <p:cNvCxnSpPr/>
-          <p:nvPr/>
-        </p:nvCxnSpPr>
-        <p:spPr>
-          <a:xfrm>
-            <a:off x="6087586" y="3768080"/>
-            <a:ext cx="656754" cy="41920"/>
-          </a:xfrm>
-          <a:prstGeom prst="straightConnector1">
-            <a:avLst/>
-          </a:prstGeom>
-          <a:noFill/>
-          <a:ln cap="flat" cmpd="sng" w="9525">
-            <a:solidFill>
-              <a:schemeClr val="accent1"/>
-            </a:solidFill>
-            <a:prstDash val="solid"/>
-            <a:miter lim="800000"/>
-            <a:headEnd len="sm" w="sm" type="none"/>
-            <a:tailEnd len="med" w="med" type="triangle"/>
-          </a:ln>
-        </p:spPr>
-      </p:cxnSp>
-      <p:cxnSp>
-        <p:nvCxnSpPr>
-          <p:cNvPr id="233" name="Google Shape;233;p25"/>
-          <p:cNvCxnSpPr/>
-          <p:nvPr/>
-        </p:nvCxnSpPr>
-        <p:spPr>
-          <a:xfrm>
-            <a:off x="3503612" y="1964533"/>
-            <a:ext cx="609600" cy="0"/>
-          </a:xfrm>
-          <a:prstGeom prst="straightConnector1">
-            <a:avLst/>
-          </a:prstGeom>
-          <a:noFill/>
-          <a:ln cap="flat" cmpd="sng" w="9525">
-            <a:solidFill>
-              <a:schemeClr val="accent1"/>
-            </a:solidFill>
-            <a:prstDash val="solid"/>
-            <a:miter lim="800000"/>
-            <a:headEnd len="sm" w="sm" type="none"/>
-            <a:tailEnd len="med" w="med" type="triangle"/>
-          </a:ln>
-        </p:spPr>
-      </p:cxnSp>
-      <p:cxnSp>
-        <p:nvCxnSpPr>
-          <p:cNvPr id="234" name="Google Shape;234;p25"/>
-          <p:cNvCxnSpPr>
-            <a:endCxn id="217" idx="1"/>
-          </p:cNvCxnSpPr>
-          <p:nvPr/>
-        </p:nvCxnSpPr>
-        <p:spPr>
-          <a:xfrm flipH="1" rot="10800000">
-            <a:off x="6094504" y="2846589"/>
-            <a:ext cx="638400" cy="873000"/>
-          </a:xfrm>
-          <a:prstGeom prst="straightConnector1">
-            <a:avLst/>
-          </a:prstGeom>
-          <a:noFill/>
-          <a:ln cap="flat" cmpd="sng" w="9525">
-            <a:solidFill>
-              <a:schemeClr val="accent1"/>
-            </a:solidFill>
-            <a:prstDash val="solid"/>
-            <a:miter lim="800000"/>
-            <a:headEnd len="sm" w="sm" type="none"/>
-            <a:tailEnd len="med" w="med" type="triangle"/>
-          </a:ln>
-        </p:spPr>
-      </p:cxnSp>
-      <p:cxnSp>
-        <p:nvCxnSpPr>
-          <p:cNvPr id="235" name="Google Shape;235;p25"/>
-          <p:cNvCxnSpPr>
-            <a:stCxn id="227" idx="3"/>
-            <a:endCxn id="223" idx="1"/>
-          </p:cNvCxnSpPr>
-          <p:nvPr/>
-        </p:nvCxnSpPr>
-        <p:spPr>
-          <a:xfrm>
-            <a:off x="6080761" y="3886320"/>
-            <a:ext cx="672300" cy="806700"/>
-          </a:xfrm>
-          <a:prstGeom prst="straightConnector1">
-            <a:avLst/>
-          </a:prstGeom>
-          <a:noFill/>
-          <a:ln cap="flat" cmpd="sng" w="9525">
-            <a:solidFill>
-              <a:schemeClr val="accent1"/>
-            </a:solidFill>
-            <a:prstDash val="solid"/>
-            <a:miter lim="800000"/>
-            <a:headEnd len="sm" w="sm" type="none"/>
-            <a:tailEnd len="med" w="med" type="triangle"/>
-          </a:ln>
-        </p:spPr>
-      </p:cxnSp>
-      <p:cxnSp>
-        <p:nvCxnSpPr>
-          <p:cNvPr id="236" name="Google Shape;236;p25"/>
-          <p:cNvCxnSpPr>
-            <a:stCxn id="227" idx="3"/>
-            <a:endCxn id="231" idx="1"/>
-          </p:cNvCxnSpPr>
-          <p:nvPr/>
-        </p:nvCxnSpPr>
-        <p:spPr>
-          <a:xfrm>
-            <a:off x="6080761" y="3886320"/>
-            <a:ext cx="652200" cy="1657800"/>
-          </a:xfrm>
-          <a:prstGeom prst="straightConnector1">
-            <a:avLst/>
-          </a:prstGeom>
-          <a:noFill/>
-          <a:ln cap="flat" cmpd="sng" w="9525">
-            <a:solidFill>
-              <a:schemeClr val="accent1"/>
-            </a:solidFill>
-            <a:prstDash val="solid"/>
-            <a:miter lim="800000"/>
-            <a:headEnd len="sm" w="sm" type="none"/>
-            <a:tailEnd len="med" w="med" type="triangle"/>
-          </a:ln>
-        </p:spPr>
-      </p:cxnSp>
-      <p:cxnSp>
-        <p:nvCxnSpPr>
-          <p:cNvPr id="237" name="Google Shape;237;p25"/>
-          <p:cNvCxnSpPr>
-            <a:stCxn id="227" idx="3"/>
-            <a:endCxn id="230" idx="1"/>
-          </p:cNvCxnSpPr>
-          <p:nvPr/>
-        </p:nvCxnSpPr>
-        <p:spPr>
-          <a:xfrm>
-            <a:off x="6080761" y="3886320"/>
-            <a:ext cx="696000" cy="2450100"/>
-          </a:xfrm>
-          <a:prstGeom prst="straightConnector1">
-            <a:avLst/>
-          </a:prstGeom>
-          <a:noFill/>
-          <a:ln cap="flat" cmpd="sng" w="9525">
-            <a:solidFill>
-              <a:schemeClr val="accent1"/>
-            </a:solidFill>
-            <a:prstDash val="solid"/>
-            <a:miter lim="800000"/>
-            <a:headEnd len="sm" w="sm" type="none"/>
-            <a:tailEnd len="med" w="med" type="triangle"/>
-          </a:ln>
-        </p:spPr>
-      </p:cxnSp>
-      <p:cxnSp>
-        <p:nvCxnSpPr>
-          <p:cNvPr id="238" name="Google Shape;238;p25"/>
-          <p:cNvCxnSpPr>
-            <a:stCxn id="223" idx="3"/>
-          </p:cNvCxnSpPr>
-          <p:nvPr/>
-        </p:nvCxnSpPr>
-        <p:spPr>
-          <a:xfrm>
-            <a:off x="8568061" y="4693122"/>
-            <a:ext cx="540000" cy="10200"/>
-          </a:xfrm>
-          <a:prstGeom prst="straightConnector1">
-            <a:avLst/>
-          </a:prstGeom>
-          <a:noFill/>
-          <a:ln cap="flat" cmpd="sng" w="9525">
-            <a:solidFill>
-              <a:schemeClr val="accent1"/>
-            </a:solidFill>
-            <a:prstDash val="solid"/>
-            <a:miter lim="800000"/>
-            <a:headEnd len="sm" w="sm" type="none"/>
-            <a:tailEnd len="med" w="med" type="triangle"/>
-          </a:ln>
-        </p:spPr>
-      </p:cxnSp>
-      <p:cxnSp>
-        <p:nvCxnSpPr>
-          <p:cNvPr id="239" name="Google Shape;239;p25"/>
-          <p:cNvCxnSpPr/>
-          <p:nvPr/>
-        </p:nvCxnSpPr>
-        <p:spPr>
-          <a:xfrm>
-            <a:off x="8536617" y="5544143"/>
-            <a:ext cx="609600" cy="0"/>
-          </a:xfrm>
-          <a:prstGeom prst="straightConnector1">
-            <a:avLst/>
-          </a:prstGeom>
-          <a:noFill/>
-          <a:ln cap="flat" cmpd="sng" w="9525">
-            <a:solidFill>
-              <a:schemeClr val="accent1"/>
-            </a:solidFill>
-            <a:prstDash val="solid"/>
-            <a:miter lim="800000"/>
-            <a:headEnd len="sm" w="sm" type="none"/>
-            <a:tailEnd len="med" w="med" type="triangle"/>
-          </a:ln>
-        </p:spPr>
-      </p:cxnSp>
-      <p:cxnSp>
-        <p:nvCxnSpPr>
-          <p:cNvPr id="240" name="Google Shape;240;p25"/>
-          <p:cNvCxnSpPr/>
-          <p:nvPr/>
-        </p:nvCxnSpPr>
-        <p:spPr>
-          <a:xfrm>
-            <a:off x="8498519" y="5678781"/>
-            <a:ext cx="1607283" cy="40708"/>
-          </a:xfrm>
-          <a:prstGeom prst="straightConnector1">
-            <a:avLst/>
-          </a:prstGeom>
-          <a:noFill/>
-          <a:ln cap="flat" cmpd="sng" w="9525">
-            <a:solidFill>
-              <a:schemeClr val="accent1"/>
-            </a:solidFill>
-            <a:prstDash val="solid"/>
-            <a:miter lim="800000"/>
-            <a:headEnd len="sm" w="sm" type="none"/>
-            <a:tailEnd len="med" w="med" type="triangle"/>
-          </a:ln>
-        </p:spPr>
-      </p:cxnSp>
-      <p:cxnSp>
-        <p:nvCxnSpPr>
-          <p:cNvPr id="241" name="Google Shape;241;p25"/>
-          <p:cNvCxnSpPr/>
-          <p:nvPr/>
-        </p:nvCxnSpPr>
-        <p:spPr>
-          <a:xfrm>
-            <a:off x="8517568" y="5703203"/>
-            <a:ext cx="590551" cy="572875"/>
-          </a:xfrm>
-          <a:prstGeom prst="straightConnector1">
-            <a:avLst/>
-          </a:prstGeom>
-          <a:noFill/>
-          <a:ln cap="flat" cmpd="sng" w="9525">
-            <a:solidFill>
-              <a:schemeClr val="accent1"/>
-            </a:solidFill>
-            <a:prstDash val="solid"/>
-            <a:miter lim="800000"/>
-            <a:headEnd len="sm" w="sm" type="none"/>
-            <a:tailEnd len="med" w="med" type="triangle"/>
-          </a:ln>
-        </p:spPr>
-      </p:cxnSp>
-      <p:cxnSp>
-        <p:nvCxnSpPr>
-          <p:cNvPr id="242" name="Google Shape;242;p25"/>
-          <p:cNvCxnSpPr/>
-          <p:nvPr/>
-        </p:nvCxnSpPr>
-        <p:spPr>
-          <a:xfrm>
-            <a:off x="8567986" y="5678781"/>
-            <a:ext cx="1569906" cy="273191"/>
-          </a:xfrm>
-          <a:prstGeom prst="straightConnector1">
-            <a:avLst/>
-          </a:prstGeom>
-          <a:noFill/>
-          <a:ln cap="flat" cmpd="sng" w="9525">
-            <a:solidFill>
-              <a:schemeClr val="accent1"/>
-            </a:solidFill>
-            <a:prstDash val="solid"/>
-            <a:miter lim="800000"/>
-            <a:headEnd len="sm" w="sm" type="none"/>
-            <a:tailEnd len="med" w="med" type="triangle"/>
-          </a:ln>
-        </p:spPr>
-      </p:cxnSp>
-      <p:cxnSp>
-        <p:nvCxnSpPr>
-          <p:cNvPr id="243" name="Google Shape;243;p25"/>
-          <p:cNvCxnSpPr>
-            <a:endCxn id="227" idx="1"/>
-          </p:cNvCxnSpPr>
-          <p:nvPr/>
-        </p:nvCxnSpPr>
-        <p:spPr>
-          <a:xfrm>
-            <a:off x="2728261" y="2353920"/>
-            <a:ext cx="1371300" cy="1532400"/>
-          </a:xfrm>
-          <a:prstGeom prst="straightConnector1">
-            <a:avLst/>
-          </a:prstGeom>
-          <a:noFill/>
-          <a:ln cap="flat" cmpd="sng" w="9525">
-            <a:solidFill>
-              <a:schemeClr val="accent1"/>
-            </a:solidFill>
-            <a:prstDash val="solid"/>
-            <a:miter lim="800000"/>
-            <a:headEnd len="sm" w="sm" type="none"/>
-            <a:tailEnd len="med" w="med" type="triangle"/>
-          </a:ln>
-        </p:spPr>
-      </p:cxnSp>
-      <p:cxnSp>
-        <p:nvCxnSpPr>
-          <p:cNvPr id="244" name="Google Shape;244;p25"/>
-          <p:cNvCxnSpPr>
-            <a:endCxn id="229" idx="1"/>
-          </p:cNvCxnSpPr>
-          <p:nvPr/>
-        </p:nvCxnSpPr>
-        <p:spPr>
-          <a:xfrm>
-            <a:off x="3198887" y="2329689"/>
-            <a:ext cx="907500" cy="610500"/>
-          </a:xfrm>
-          <a:prstGeom prst="straightConnector1">
-            <a:avLst/>
-          </a:prstGeom>
-          <a:noFill/>
-          <a:ln cap="flat" cmpd="sng" w="9525">
-            <a:solidFill>
-              <a:schemeClr val="accent1"/>
-            </a:solidFill>
-            <a:prstDash val="solid"/>
-            <a:miter lim="800000"/>
-            <a:headEnd len="sm" w="sm" type="none"/>
-            <a:tailEnd len="med" w="med" type="triangle"/>
-          </a:ln>
-        </p:spPr>
-      </p:cxnSp>
-      <p:cxnSp>
-        <p:nvCxnSpPr>
-          <p:cNvPr id="245" name="Google Shape;245;p25"/>
-          <p:cNvCxnSpPr/>
-          <p:nvPr/>
-        </p:nvCxnSpPr>
-        <p:spPr>
-          <a:xfrm>
-            <a:off x="5027612" y="3283050"/>
-            <a:ext cx="0" cy="298350"/>
-          </a:xfrm>
-          <a:prstGeom prst="straightConnector1">
-            <a:avLst/>
-          </a:prstGeom>
-          <a:noFill/>
-          <a:ln cap="flat" cmpd="sng" w="9525">
-            <a:solidFill>
-              <a:schemeClr val="accent1"/>
-            </a:solidFill>
-            <a:prstDash val="solid"/>
-            <a:miter lim="800000"/>
-            <a:headEnd len="sm" w="sm" type="none"/>
-            <a:tailEnd len="med" w="med" type="triangle"/>
-          </a:ln>
-        </p:spPr>
-      </p:cxnSp>
-      <p:pic>
-        <p:nvPicPr>
-          <p:cNvPr id="246" name="Google Shape;246;p25"/>
-          <p:cNvPicPr preferRelativeResize="0"/>
-          <p:nvPr/>
-        </p:nvPicPr>
-        <p:blipFill>
-          <a:blip r:embed="rId3">
-            <a:alphaModFix/>
-          </a:blip>
-          <a:stretch>
-            <a:fillRect/>
-          </a:stretch>
-        </p:blipFill>
-        <p:spPr>
-          <a:xfrm>
-            <a:off x="1522425" y="1089275"/>
-            <a:ext cx="9677376" cy="5607475"/>
-          </a:xfrm>
-          <a:prstGeom prst="rect">
-            <a:avLst/>
-          </a:prstGeom>
-          <a:noFill/>
-          <a:ln>
-            <a:noFill/>
-          </a:ln>
-        </p:spPr>
-      </p:pic>
-    </p:spTree>
-  </p:cSld>
-  <p:clrMapOvr>
-    <a:masterClrMapping/>
-  </p:clrMapOvr>
-  <mc:AlternateContent>
-    <mc:Choice Requires="p14">
-      <p:transition spd="slow" p14:dur="700">
-        <p:fade/>
-      </p:transition>
-    </mc:Choice>
-    <mc:Fallback>
-      <p:transition spd="slow">
-        <p:fade/>
-      </p:transition>
-    </mc:Fallback>
-  </mc:AlternateContent>
-</p:sld>
-</file>
-
-<file path=ppt/slides/slide11.xml><?xml version="1.0" encoding="utf-8"?>
-<p:sld xmlns:a="http://schemas.openxmlformats.org/drawingml/2006/main" xmlns:r="http://schemas.openxmlformats.org/officeDocument/2006/relationships" xmlns:mc="http://schemas.openxmlformats.org/markup-compatibility/2006" xmlns:mv="urn:schemas-microsoft-com:mac:vml" xmlns:p="http://schemas.openxmlformats.org/presentationml/2006/main" xmlns:c="http://schemas.openxmlformats.org/drawingml/2006/chart" xmlns:dgm="http://schemas.openxmlformats.org/drawingml/2006/diagram" xmlns:o="urn:schemas-microsoft-com:office:office" xmlns:v="urn:schemas-microsoft-com:vml" xmlns:pvml="urn:schemas-microsoft-com:office:powerpoint" xmlns:com="http://schemas.openxmlformats.org/drawingml/2006/compatibility" xmlns:p14="http://schemas.microsoft.com/office/powerpoint/2010/main" xmlns:p15="http://schemas.microsoft.com/office/powerpoint/2012/main" xmlns:ahyp="http://schemas.microsoft.com/office/drawing/2018/hyperlinkcolor">
-  <p:cSld>
-    <p:spTree>
-      <p:nvGrpSpPr>
-        <p:cNvPr id="251" name="Shape 251"/>
-        <p:cNvGrpSpPr/>
-        <p:nvPr/>
-      </p:nvGrpSpPr>
-      <p:grpSpPr>
-        <a:xfrm>
-          <a:off x="0" y="0"/>
-          <a:ext cx="0" cy="0"/>
-          <a:chOff x="0" y="0"/>
-          <a:chExt cx="0" cy="0"/>
-        </a:xfrm>
-      </p:grpSpPr>
-      <p:sp>
-        <p:nvSpPr>
-          <p:cNvPr id="252" name="Google Shape;252;p26"/>
           <p:cNvSpPr txBox="1"/>
           <p:nvPr>
             <p:ph type="title"/>
@@ -20661,7 +18943,7 @@
       </p:sp>
       <p:sp>
         <p:nvSpPr>
-          <p:cNvPr id="253" name="Google Shape;253;p26"/>
+          <p:cNvPr id="226" name="Google Shape;226;p25"/>
           <p:cNvSpPr txBox="1"/>
           <p:nvPr>
             <p:ph idx="1" type="body"/>
@@ -20886,12 +19168,12 @@
 </p:sld>
 </file>
 
-<file path=ppt/slides/slide12.xml><?xml version="1.0" encoding="utf-8"?>
+<file path=ppt/slides/slide11.xml><?xml version="1.0" encoding="utf-8"?>
 <p:sld xmlns:a="http://schemas.openxmlformats.org/drawingml/2006/main" xmlns:r="http://schemas.openxmlformats.org/officeDocument/2006/relationships" xmlns:mc="http://schemas.openxmlformats.org/markup-compatibility/2006" xmlns:mv="urn:schemas-microsoft-com:mac:vml" xmlns:p="http://schemas.openxmlformats.org/presentationml/2006/main" xmlns:c="http://schemas.openxmlformats.org/drawingml/2006/chart" xmlns:dgm="http://schemas.openxmlformats.org/drawingml/2006/diagram" xmlns:o="urn:schemas-microsoft-com:office:office" xmlns:v="urn:schemas-microsoft-com:vml" xmlns:pvml="urn:schemas-microsoft-com:office:powerpoint" xmlns:com="http://schemas.openxmlformats.org/drawingml/2006/compatibility" xmlns:p14="http://schemas.microsoft.com/office/powerpoint/2010/main" xmlns:p15="http://schemas.microsoft.com/office/powerpoint/2012/main" xmlns:ahyp="http://schemas.microsoft.com/office/drawing/2018/hyperlinkcolor">
   <p:cSld>
     <p:spTree>
       <p:nvGrpSpPr>
-        <p:cNvPr id="258" name="Shape 258"/>
+        <p:cNvPr id="231" name="Shape 231"/>
         <p:cNvGrpSpPr/>
         <p:nvPr/>
       </p:nvGrpSpPr>
@@ -20905,7 +19187,7 @@
       </p:grpSpPr>
       <p:sp>
         <p:nvSpPr>
-          <p:cNvPr id="259" name="Google Shape;259;p27"/>
+          <p:cNvPr id="232" name="Google Shape;232;p26"/>
           <p:cNvSpPr txBox="1"/>
           <p:nvPr>
             <p:ph type="title"/>
@@ -20957,7 +19239,7 @@
       </p:sp>
       <p:sp>
         <p:nvSpPr>
-          <p:cNvPr id="260" name="Google Shape;260;p27"/>
+          <p:cNvPr id="233" name="Google Shape;233;p26"/>
           <p:cNvSpPr txBox="1"/>
           <p:nvPr>
             <p:ph idx="1" type="body"/>
@@ -20978,7 +19260,7 @@
         </p:spPr>
         <p:txBody>
           <a:bodyPr anchorCtr="0" anchor="t" bIns="45700" lIns="91425" spcFirstLastPara="1" rIns="91425" wrap="square" tIns="45700">
-            <a:normAutofit fontScale="92500"/>
+            <a:normAutofit fontScale="55000" lnSpcReduction="20000"/>
           </a:bodyPr>
           <a:lstStyle/>
           <a:p>
@@ -20992,17 +19274,17 @@
               <a:spcAft>
                 <a:spcPts val="0"/>
               </a:spcAft>
-              <a:buSzPct val="100000"/>
+              <a:buSzPct val="67737"/>
               <a:buNone/>
             </a:pPr>
             <a:r>
-              <a:rPr lang="en-US" sz="2400"/>
+              <a:rPr lang="en-US" sz="3543"/>
               <a:t>For future advancement and an outstanding performance of  ‘Reciplease App’, we would like to make the following recommendations:</a:t>
             </a:r>
-            <a:endParaRPr/>
+            <a:endParaRPr sz="3143"/>
           </a:p>
           <a:p>
-            <a:pPr indent="-228600" lvl="0" marL="274320" rtl="0" algn="l">
+            <a:pPr indent="-183839" lvl="0" marL="274320" rtl="0" algn="l">
               <a:lnSpc>
                 <a:spcPct val="90000"/>
               </a:lnSpc>
@@ -21016,13 +19298,13 @@
               <a:buChar char="•"/>
             </a:pPr>
             <a:r>
-              <a:rPr lang="en-US" sz="2400"/>
+              <a:rPr lang="en-US" sz="2754"/>
               <a:t>Ability to share recipes with friends on social media.</a:t>
             </a:r>
-            <a:endParaRPr/>
+            <a:endParaRPr sz="2354"/>
           </a:p>
           <a:p>
-            <a:pPr indent="-228600" lvl="0" marL="274320" rtl="0" algn="l">
+            <a:pPr indent="-183839" lvl="0" marL="274320" rtl="0" algn="l">
               <a:lnSpc>
                 <a:spcPct val="90000"/>
               </a:lnSpc>
@@ -21036,13 +19318,13 @@
               <a:buChar char="•"/>
             </a:pPr>
             <a:r>
-              <a:rPr lang="en-US" sz="2400"/>
+              <a:rPr lang="en-US" sz="2754"/>
               <a:t>Ability to save and transfer multiple recipes to Kroger cart at once.</a:t>
             </a:r>
-            <a:endParaRPr/>
+            <a:endParaRPr sz="2354"/>
           </a:p>
           <a:p>
-            <a:pPr indent="-228600" lvl="0" marL="274320" rtl="0" algn="l">
+            <a:pPr indent="-183839" lvl="0" marL="274320" rtl="0" algn="l">
               <a:lnSpc>
                 <a:spcPct val="90000"/>
               </a:lnSpc>
@@ -21056,13 +19338,13 @@
               <a:buChar char="•"/>
             </a:pPr>
             <a:r>
-              <a:rPr lang="en-US" sz="2400"/>
+              <a:rPr lang="en-US" sz="2754"/>
               <a:t>Adding other groceries stores instead of just Kroger.</a:t>
             </a:r>
-            <a:endParaRPr/>
+            <a:endParaRPr sz="2354"/>
           </a:p>
           <a:p>
-            <a:pPr indent="-228600" lvl="0" marL="274320" rtl="0" algn="l">
+            <a:pPr indent="-183839" lvl="0" marL="274320" rtl="0" algn="l">
               <a:lnSpc>
                 <a:spcPct val="90000"/>
               </a:lnSpc>
@@ -21076,13 +19358,13 @@
               <a:buChar char="•"/>
             </a:pPr>
             <a:r>
-              <a:rPr lang="en-US" sz="2400"/>
+              <a:rPr lang="en-US" sz="2754"/>
               <a:t>Ability to remove ingredients from shopping list before sending it to Kroger. </a:t>
             </a:r>
-            <a:endParaRPr/>
+            <a:endParaRPr sz="2354"/>
           </a:p>
           <a:p>
-            <a:pPr indent="-228600" lvl="0" marL="274320" rtl="0" algn="l">
+            <a:pPr indent="-183839" lvl="0" marL="274320" rtl="0" algn="l">
               <a:lnSpc>
                 <a:spcPct val="90000"/>
               </a:lnSpc>
@@ -21096,13 +19378,13 @@
               <a:buChar char="•"/>
             </a:pPr>
             <a:r>
-              <a:rPr lang="en-US" sz="2400"/>
+              <a:rPr lang="en-US" sz="2754"/>
               <a:t>Ability to change serving size.</a:t>
             </a:r>
-            <a:endParaRPr/>
+            <a:endParaRPr sz="2354"/>
           </a:p>
           <a:p>
-            <a:pPr indent="-228600" lvl="0" marL="274320" rtl="0" algn="l">
+            <a:pPr indent="-183839" lvl="0" marL="274320" rtl="0" algn="l">
               <a:lnSpc>
                 <a:spcPct val="90000"/>
               </a:lnSpc>
@@ -21116,13 +19398,13 @@
               <a:buChar char="•"/>
             </a:pPr>
             <a:r>
-              <a:rPr lang="en-US" sz="2400"/>
+              <a:rPr lang="en-US" sz="2754"/>
               <a:t>A more efficient way of choosing ingredients.</a:t>
             </a:r>
-            <a:endParaRPr/>
+            <a:endParaRPr sz="2354"/>
           </a:p>
           <a:p>
-            <a:pPr indent="-228600" lvl="0" marL="274320" rtl="0" algn="l">
+            <a:pPr indent="-183839" lvl="0" marL="274320" rtl="0" algn="l">
               <a:lnSpc>
                 <a:spcPct val="90000"/>
               </a:lnSpc>
@@ -21136,10 +19418,30 @@
               <a:buChar char="•"/>
             </a:pPr>
             <a:r>
-              <a:rPr lang="en-US" sz="2400"/>
+              <a:rPr lang="en-US" sz="2754"/>
               <a:t>Recording your location on our app before sending to Kroger.</a:t>
             </a:r>
-            <a:endParaRPr/>
+            <a:endParaRPr sz="2754"/>
+          </a:p>
+          <a:p>
+            <a:pPr indent="-183839" lvl="0" marL="274320" rtl="0" algn="l">
+              <a:lnSpc>
+                <a:spcPct val="90000"/>
+              </a:lnSpc>
+              <a:spcBef>
+                <a:spcPts val="1800"/>
+              </a:spcBef>
+              <a:spcAft>
+                <a:spcPts val="0"/>
+              </a:spcAft>
+              <a:buSzPct val="100000"/>
+              <a:buChar char="•"/>
+            </a:pPr>
+            <a:r>
+              <a:rPr lang="en-US" sz="2754"/>
+              <a:t>Ability to ignore ‘items’ Kroger is out of stock with.</a:t>
+            </a:r>
+            <a:endParaRPr sz="2754"/>
           </a:p>
           <a:p>
             <a:pPr indent="0" lvl="0" marL="45720" rtl="0" algn="l">
@@ -21176,6 +19478,221 @@
             </a:pPr>
             <a:r>
               <a:t/>
+            </a:r>
+            <a:endParaRPr/>
+          </a:p>
+        </p:txBody>
+      </p:sp>
+    </p:spTree>
+  </p:cSld>
+  <p:clrMapOvr>
+    <a:masterClrMapping/>
+  </p:clrMapOvr>
+  <mc:AlternateContent>
+    <mc:Choice Requires="p14">
+      <p:transition spd="slow" p14:dur="700">
+        <p:fade/>
+      </p:transition>
+    </mc:Choice>
+    <mc:Fallback>
+      <p:transition spd="slow">
+        <p:fade/>
+      </p:transition>
+    </mc:Fallback>
+  </mc:AlternateContent>
+</p:sld>
+</file>
+
+<file path=ppt/slides/slide12.xml><?xml version="1.0" encoding="utf-8"?>
+<p:sld xmlns:a="http://schemas.openxmlformats.org/drawingml/2006/main" xmlns:r="http://schemas.openxmlformats.org/officeDocument/2006/relationships" xmlns:mc="http://schemas.openxmlformats.org/markup-compatibility/2006" xmlns:mv="urn:schemas-microsoft-com:mac:vml" xmlns:p="http://schemas.openxmlformats.org/presentationml/2006/main" xmlns:c="http://schemas.openxmlformats.org/drawingml/2006/chart" xmlns:dgm="http://schemas.openxmlformats.org/drawingml/2006/diagram" xmlns:o="urn:schemas-microsoft-com:office:office" xmlns:v="urn:schemas-microsoft-com:vml" xmlns:pvml="urn:schemas-microsoft-com:office:powerpoint" xmlns:com="http://schemas.openxmlformats.org/drawingml/2006/compatibility" xmlns:p14="http://schemas.microsoft.com/office/powerpoint/2010/main" xmlns:p15="http://schemas.microsoft.com/office/powerpoint/2012/main" xmlns:ahyp="http://schemas.microsoft.com/office/drawing/2018/hyperlinkcolor">
+  <p:cSld>
+    <p:spTree>
+      <p:nvGrpSpPr>
+        <p:cNvPr id="238" name="Shape 238"/>
+        <p:cNvGrpSpPr/>
+        <p:nvPr/>
+      </p:nvGrpSpPr>
+      <p:grpSpPr>
+        <a:xfrm>
+          <a:off x="0" y="0"/>
+          <a:ext cx="0" cy="0"/>
+          <a:chOff x="0" y="0"/>
+          <a:chExt cx="0" cy="0"/>
+        </a:xfrm>
+      </p:grpSpPr>
+      <p:sp>
+        <p:nvSpPr>
+          <p:cNvPr id="239" name="Google Shape;239;p27"/>
+          <p:cNvSpPr txBox="1"/>
+          <p:nvPr>
+            <p:ph type="title"/>
+          </p:nvPr>
+        </p:nvSpPr>
+        <p:spPr>
+          <a:xfrm>
+            <a:off x="1522414" y="319088"/>
+            <a:ext cx="9144000" cy="1143000"/>
+          </a:xfrm>
+          <a:prstGeom prst="rect">
+            <a:avLst/>
+          </a:prstGeom>
+          <a:noFill/>
+          <a:ln>
+            <a:noFill/>
+          </a:ln>
+        </p:spPr>
+        <p:txBody>
+          <a:bodyPr anchorCtr="0" anchor="b" bIns="45700" lIns="91425" spcFirstLastPara="1" rIns="91425" wrap="square" tIns="45700">
+            <a:normAutofit/>
+          </a:bodyPr>
+          <a:lstStyle/>
+          <a:p>
+            <a:pPr indent="0" lvl="0" marL="0" rtl="0" algn="l">
+              <a:lnSpc>
+                <a:spcPct val="85000"/>
+              </a:lnSpc>
+              <a:spcBef>
+                <a:spcPts val="0"/>
+              </a:spcBef>
+              <a:spcAft>
+                <a:spcPts val="0"/>
+              </a:spcAft>
+              <a:buClr>
+                <a:srgbClr val="B20925"/>
+              </a:buClr>
+              <a:buSzPts val="3600"/>
+              <a:buFont typeface="Cambria"/>
+              <a:buNone/>
+            </a:pPr>
+            <a:r>
+              <a:rPr lang="en-US"/>
+              <a:t>Conclusion</a:t>
+            </a:r>
+            <a:endParaRPr/>
+          </a:p>
+        </p:txBody>
+      </p:sp>
+      <p:sp>
+        <p:nvSpPr>
+          <p:cNvPr id="240" name="Google Shape;240;p27"/>
+          <p:cNvSpPr txBox="1"/>
+          <p:nvPr>
+            <p:ph idx="1" type="body"/>
+          </p:nvPr>
+        </p:nvSpPr>
+        <p:spPr>
+          <a:xfrm>
+            <a:off x="1522414" y="1643063"/>
+            <a:ext cx="9144000" cy="4529137"/>
+          </a:xfrm>
+          <a:prstGeom prst="rect">
+            <a:avLst/>
+          </a:prstGeom>
+          <a:noFill/>
+          <a:ln>
+            <a:noFill/>
+          </a:ln>
+        </p:spPr>
+        <p:txBody>
+          <a:bodyPr anchorCtr="0" anchor="t" bIns="45700" lIns="91425" spcFirstLastPara="1" rIns="91425" wrap="square" tIns="45700">
+            <a:normAutofit lnSpcReduction="10000"/>
+          </a:bodyPr>
+          <a:lstStyle/>
+          <a:p>
+            <a:pPr indent="0" lvl="0" marL="45720" rtl="0" algn="l">
+              <a:lnSpc>
+                <a:spcPct val="90000"/>
+              </a:lnSpc>
+              <a:spcBef>
+                <a:spcPts val="0"/>
+              </a:spcBef>
+              <a:spcAft>
+                <a:spcPts val="0"/>
+              </a:spcAft>
+              <a:buSzPts val="2400"/>
+              <a:buNone/>
+            </a:pPr>
+            <a:r>
+              <a:t/>
+            </a:r>
+            <a:endParaRPr sz="2400"/>
+          </a:p>
+          <a:p>
+            <a:pPr indent="0" lvl="0" marL="45720" rtl="0" algn="ctr">
+              <a:lnSpc>
+                <a:spcPct val="90000"/>
+              </a:lnSpc>
+              <a:spcBef>
+                <a:spcPts val="1800"/>
+              </a:spcBef>
+              <a:spcAft>
+                <a:spcPts val="0"/>
+              </a:spcAft>
+              <a:buSzPts val="2400"/>
+              <a:buNone/>
+            </a:pPr>
+            <a:r>
+              <a:rPr lang="en-US" sz="2400"/>
+              <a:t>Reciplease app is a quick response to users requirements for a cooking app. Its search engine is detailed enough to enable users find the exact recipe they desire. Users are able to create, update, and manage their accounts as well as their own recipes in a form of an organized cookbook. </a:t>
+            </a:r>
+            <a:endParaRPr/>
+          </a:p>
+          <a:p>
+            <a:pPr indent="0" lvl="0" marL="45720" rtl="0" algn="ctr">
+              <a:lnSpc>
+                <a:spcPct val="90000"/>
+              </a:lnSpc>
+              <a:spcBef>
+                <a:spcPts val="1800"/>
+              </a:spcBef>
+              <a:spcAft>
+                <a:spcPts val="0"/>
+              </a:spcAft>
+              <a:buSzPts val="2400"/>
+              <a:buNone/>
+            </a:pPr>
+            <a:r>
+              <a:rPr lang="en-US" sz="2400"/>
+              <a:t>An interactive platform that also allows for rating, feedback and more uniquely provide users the ability to transfer shopping list to a Kroger cart for an onward Kroger pickup or doorstep delivery if required. </a:t>
+            </a:r>
+            <a:endParaRPr/>
+          </a:p>
+          <a:p>
+            <a:pPr indent="0" lvl="0" marL="45720" rtl="0" algn="ctr">
+              <a:lnSpc>
+                <a:spcPct val="90000"/>
+              </a:lnSpc>
+              <a:spcBef>
+                <a:spcPts val="1800"/>
+              </a:spcBef>
+              <a:spcAft>
+                <a:spcPts val="0"/>
+              </a:spcAft>
+              <a:buSzPts val="2400"/>
+              <a:buNone/>
+            </a:pPr>
+            <a:r>
+              <a:t/>
+            </a:r>
+            <a:endParaRPr sz="2400"/>
+          </a:p>
+          <a:p>
+            <a:pPr indent="0" lvl="0" marL="45720" rtl="0" algn="ctr">
+              <a:lnSpc>
+                <a:spcPct val="90000"/>
+              </a:lnSpc>
+              <a:spcBef>
+                <a:spcPts val="1800"/>
+              </a:spcBef>
+              <a:spcAft>
+                <a:spcPts val="0"/>
+              </a:spcAft>
+              <a:buSzPts val="2400"/>
+              <a:buNone/>
+            </a:pPr>
+            <a:r>
+              <a:rPr lang="en-US" sz="2400"/>
+              <a:t>Reciplease is indeed a fast and convenient way to enjoy cooking!</a:t>
             </a:r>
             <a:endParaRPr/>
           </a:p>
@@ -21206,7 +19723,7 @@
   <p:cSld>
     <p:spTree>
       <p:nvGrpSpPr>
-        <p:cNvPr id="265" name="Shape 265"/>
+        <p:cNvPr id="244" name="Shape 244"/>
         <p:cNvGrpSpPr/>
         <p:nvPr/>
       </p:nvGrpSpPr>
@@ -21220,222 +19737,7 @@
       </p:grpSpPr>
       <p:sp>
         <p:nvSpPr>
-          <p:cNvPr id="266" name="Google Shape;266;p28"/>
-          <p:cNvSpPr txBox="1"/>
-          <p:nvPr>
-            <p:ph type="title"/>
-          </p:nvPr>
-        </p:nvSpPr>
-        <p:spPr>
-          <a:xfrm>
-            <a:off x="1522414" y="319088"/>
-            <a:ext cx="9144000" cy="1143000"/>
-          </a:xfrm>
-          <a:prstGeom prst="rect">
-            <a:avLst/>
-          </a:prstGeom>
-          <a:noFill/>
-          <a:ln>
-            <a:noFill/>
-          </a:ln>
-        </p:spPr>
-        <p:txBody>
-          <a:bodyPr anchorCtr="0" anchor="b" bIns="45700" lIns="91425" spcFirstLastPara="1" rIns="91425" wrap="square" tIns="45700">
-            <a:normAutofit/>
-          </a:bodyPr>
-          <a:lstStyle/>
-          <a:p>
-            <a:pPr indent="0" lvl="0" marL="0" rtl="0" algn="l">
-              <a:lnSpc>
-                <a:spcPct val="85000"/>
-              </a:lnSpc>
-              <a:spcBef>
-                <a:spcPts val="0"/>
-              </a:spcBef>
-              <a:spcAft>
-                <a:spcPts val="0"/>
-              </a:spcAft>
-              <a:buClr>
-                <a:srgbClr val="B20925"/>
-              </a:buClr>
-              <a:buSzPts val="3600"/>
-              <a:buFont typeface="Cambria"/>
-              <a:buNone/>
-            </a:pPr>
-            <a:r>
-              <a:rPr lang="en-US"/>
-              <a:t>Conclusion</a:t>
-            </a:r>
-            <a:endParaRPr/>
-          </a:p>
-        </p:txBody>
-      </p:sp>
-      <p:sp>
-        <p:nvSpPr>
-          <p:cNvPr id="267" name="Google Shape;267;p28"/>
-          <p:cNvSpPr txBox="1"/>
-          <p:nvPr>
-            <p:ph idx="1" type="body"/>
-          </p:nvPr>
-        </p:nvSpPr>
-        <p:spPr>
-          <a:xfrm>
-            <a:off x="1522414" y="1643063"/>
-            <a:ext cx="9144000" cy="4529137"/>
-          </a:xfrm>
-          <a:prstGeom prst="rect">
-            <a:avLst/>
-          </a:prstGeom>
-          <a:noFill/>
-          <a:ln>
-            <a:noFill/>
-          </a:ln>
-        </p:spPr>
-        <p:txBody>
-          <a:bodyPr anchorCtr="0" anchor="t" bIns="45700" lIns="91425" spcFirstLastPara="1" rIns="91425" wrap="square" tIns="45700">
-            <a:normAutofit lnSpcReduction="10000"/>
-          </a:bodyPr>
-          <a:lstStyle/>
-          <a:p>
-            <a:pPr indent="0" lvl="0" marL="45720" rtl="0" algn="l">
-              <a:lnSpc>
-                <a:spcPct val="90000"/>
-              </a:lnSpc>
-              <a:spcBef>
-                <a:spcPts val="0"/>
-              </a:spcBef>
-              <a:spcAft>
-                <a:spcPts val="0"/>
-              </a:spcAft>
-              <a:buSzPts val="2400"/>
-              <a:buNone/>
-            </a:pPr>
-            <a:r>
-              <a:t/>
-            </a:r>
-            <a:endParaRPr sz="2400"/>
-          </a:p>
-          <a:p>
-            <a:pPr indent="0" lvl="0" marL="45720" rtl="0" algn="ctr">
-              <a:lnSpc>
-                <a:spcPct val="90000"/>
-              </a:lnSpc>
-              <a:spcBef>
-                <a:spcPts val="1800"/>
-              </a:spcBef>
-              <a:spcAft>
-                <a:spcPts val="0"/>
-              </a:spcAft>
-              <a:buSzPts val="2400"/>
-              <a:buNone/>
-            </a:pPr>
-            <a:r>
-              <a:rPr lang="en-US" sz="2400"/>
-              <a:t>Reciplease app is a quick response to users requirements for a cooking app. Its search engine is detailed enough to enable users find the exact recipe they desire. Users are able to create, update, and manage their accounts as well as their own recipes in a form of an organized cookbook. </a:t>
-            </a:r>
-            <a:endParaRPr/>
-          </a:p>
-          <a:p>
-            <a:pPr indent="0" lvl="0" marL="45720" rtl="0" algn="ctr">
-              <a:lnSpc>
-                <a:spcPct val="90000"/>
-              </a:lnSpc>
-              <a:spcBef>
-                <a:spcPts val="1800"/>
-              </a:spcBef>
-              <a:spcAft>
-                <a:spcPts val="0"/>
-              </a:spcAft>
-              <a:buSzPts val="2400"/>
-              <a:buNone/>
-            </a:pPr>
-            <a:r>
-              <a:rPr lang="en-US" sz="2400"/>
-              <a:t>An interactive platform that also allows for rating, feedback and more uniquely provide users the ability to transfer shopping list to a Kroger cart for an onward Kroger pickup or doorstep delivery if required. </a:t>
-            </a:r>
-            <a:endParaRPr/>
-          </a:p>
-          <a:p>
-            <a:pPr indent="0" lvl="0" marL="45720" rtl="0" algn="ctr">
-              <a:lnSpc>
-                <a:spcPct val="90000"/>
-              </a:lnSpc>
-              <a:spcBef>
-                <a:spcPts val="1800"/>
-              </a:spcBef>
-              <a:spcAft>
-                <a:spcPts val="0"/>
-              </a:spcAft>
-              <a:buSzPts val="2400"/>
-              <a:buNone/>
-            </a:pPr>
-            <a:r>
-              <a:t/>
-            </a:r>
-            <a:endParaRPr sz="2400"/>
-          </a:p>
-          <a:p>
-            <a:pPr indent="0" lvl="0" marL="45720" rtl="0" algn="ctr">
-              <a:lnSpc>
-                <a:spcPct val="90000"/>
-              </a:lnSpc>
-              <a:spcBef>
-                <a:spcPts val="1800"/>
-              </a:spcBef>
-              <a:spcAft>
-                <a:spcPts val="0"/>
-              </a:spcAft>
-              <a:buSzPts val="2400"/>
-              <a:buNone/>
-            </a:pPr>
-            <a:r>
-              <a:rPr lang="en-US" sz="2400"/>
-              <a:t>Reciplease is indeed a fast and convenient way to enjoy cooking!</a:t>
-            </a:r>
-            <a:endParaRPr/>
-          </a:p>
-        </p:txBody>
-      </p:sp>
-    </p:spTree>
-  </p:cSld>
-  <p:clrMapOvr>
-    <a:masterClrMapping/>
-  </p:clrMapOvr>
-  <mc:AlternateContent>
-    <mc:Choice Requires="p14">
-      <p:transition spd="slow" p14:dur="700">
-        <p:fade/>
-      </p:transition>
-    </mc:Choice>
-    <mc:Fallback>
-      <p:transition spd="slow">
-        <p:fade/>
-      </p:transition>
-    </mc:Fallback>
-  </mc:AlternateContent>
-</p:sld>
-</file>
-
-<file path=ppt/slides/slide14.xml><?xml version="1.0" encoding="utf-8"?>
-<p:sld xmlns:a="http://schemas.openxmlformats.org/drawingml/2006/main" xmlns:r="http://schemas.openxmlformats.org/officeDocument/2006/relationships" xmlns:mc="http://schemas.openxmlformats.org/markup-compatibility/2006" xmlns:mv="urn:schemas-microsoft-com:mac:vml" xmlns:p="http://schemas.openxmlformats.org/presentationml/2006/main" xmlns:c="http://schemas.openxmlformats.org/drawingml/2006/chart" xmlns:dgm="http://schemas.openxmlformats.org/drawingml/2006/diagram" xmlns:o="urn:schemas-microsoft-com:office:office" xmlns:v="urn:schemas-microsoft-com:vml" xmlns:pvml="urn:schemas-microsoft-com:office:powerpoint" xmlns:com="http://schemas.openxmlformats.org/drawingml/2006/compatibility" xmlns:p14="http://schemas.microsoft.com/office/powerpoint/2010/main" xmlns:p15="http://schemas.microsoft.com/office/powerpoint/2012/main" xmlns:ahyp="http://schemas.microsoft.com/office/drawing/2018/hyperlinkcolor">
-  <p:cSld>
-    <p:spTree>
-      <p:nvGrpSpPr>
-        <p:cNvPr id="271" name="Shape 271"/>
-        <p:cNvGrpSpPr/>
-        <p:nvPr/>
-      </p:nvGrpSpPr>
-      <p:grpSpPr>
-        <a:xfrm>
-          <a:off x="0" y="0"/>
-          <a:ext cx="0" cy="0"/>
-          <a:chOff x="0" y="0"/>
-          <a:chExt cx="0" cy="0"/>
-        </a:xfrm>
-      </p:grpSpPr>
-      <p:sp>
-        <p:nvSpPr>
-          <p:cNvPr id="272" name="Google Shape;272;p29"/>
+          <p:cNvPr id="245" name="Google Shape;245;p28"/>
           <p:cNvSpPr txBox="1"/>
           <p:nvPr>
             <p:ph type="title"/>
@@ -21505,7 +19807,7 @@
       </p:sp>
       <p:pic>
         <p:nvPicPr>
-          <p:cNvPr descr="Slice of apple pie on plate" id="273" name="Google Shape;273;p29"/>
+          <p:cNvPr descr="Slice of apple pie on plate" id="246" name="Google Shape;246;p28"/>
           <p:cNvPicPr preferRelativeResize="0"/>
           <p:nvPr>
             <p:ph idx="2" type="pic"/>
@@ -21549,7 +19851,7 @@
       </p:pic>
       <p:sp>
         <p:nvSpPr>
-          <p:cNvPr id="274" name="Google Shape;274;p29"/>
+          <p:cNvPr id="247" name="Google Shape;247;p28"/>
           <p:cNvSpPr txBox="1"/>
           <p:nvPr>
             <p:ph idx="1" type="body"/>
@@ -22182,7 +20484,7 @@
   <p:cSld>
     <p:spTree>
       <p:nvGrpSpPr>
-        <p:cNvPr id="150" name="Shape 150"/>
+        <p:cNvPr id="151" name="Shape 151"/>
         <p:cNvGrpSpPr/>
         <p:nvPr/>
       </p:nvGrpSpPr>
@@ -22196,7 +20498,7 @@
       </p:grpSpPr>
       <p:sp>
         <p:nvSpPr>
-          <p:cNvPr id="151" name="Google Shape;151;p19"/>
+          <p:cNvPr id="152" name="Google Shape;152;p19"/>
           <p:cNvSpPr txBox="1"/>
           <p:nvPr>
             <p:ph type="title"/>
@@ -22240,7 +20542,7 @@
             </a:pPr>
             <a:r>
               <a:rPr lang="en-US"/>
-              <a:t>Contents</a:t>
+              <a:t>Overall Need</a:t>
             </a:r>
             <a:endParaRPr/>
           </a:p>
@@ -22248,7 +20550,7 @@
       </p:sp>
       <p:sp>
         <p:nvSpPr>
-          <p:cNvPr id="152" name="Google Shape;152;p19"/>
+          <p:cNvPr id="153" name="Google Shape;153;p19"/>
           <p:cNvSpPr txBox="1"/>
           <p:nvPr>
             <p:ph idx="1" type="body"/>
@@ -22256,8 +20558,8 @@
         </p:nvSpPr>
         <p:spPr>
           <a:xfrm>
-            <a:off x="1751012" y="1752600"/>
-            <a:ext cx="1600200" cy="4419600"/>
+            <a:off x="1370012" y="1371600"/>
+            <a:ext cx="9144000" cy="4800600"/>
           </a:xfrm>
           <a:prstGeom prst="rect">
             <a:avLst/>
@@ -22287,8 +20589,127 @@
               <a:buNone/>
             </a:pPr>
             <a:r>
-              <a:rPr lang="en-US"/>
-              <a:t>CPDM Project</a:t>
+              <a:t/>
+            </a:r>
+            <a:endParaRPr/>
+          </a:p>
+          <a:p>
+            <a:pPr indent="0" lvl="0" marL="45720" rtl="0" algn="l">
+              <a:lnSpc>
+                <a:spcPct val="90000"/>
+              </a:lnSpc>
+              <a:spcBef>
+                <a:spcPts val="1800"/>
+              </a:spcBef>
+              <a:spcAft>
+                <a:spcPts val="0"/>
+              </a:spcAft>
+              <a:buSzPts val="2600"/>
+              <a:buNone/>
+            </a:pPr>
+            <a:r>
+              <a:rPr lang="en-US" sz="2600"/>
+              <a:t>Reciplease has been carefully designed following extensive users requirements, created to meet the needs of different categories of users. </a:t>
+            </a:r>
+            <a:endParaRPr/>
+          </a:p>
+          <a:p>
+            <a:pPr indent="-228600" lvl="0" marL="274320" rtl="0" algn="l">
+              <a:lnSpc>
+                <a:spcPct val="90000"/>
+              </a:lnSpc>
+              <a:spcBef>
+                <a:spcPts val="1800"/>
+              </a:spcBef>
+              <a:spcAft>
+                <a:spcPts val="0"/>
+              </a:spcAft>
+              <a:buSzPts val="2600"/>
+              <a:buChar char="•"/>
+            </a:pPr>
+            <a:r>
+              <a:rPr lang="en-US" sz="2600"/>
+              <a:t>Easy pick up of ingredients for a great meal.</a:t>
+            </a:r>
+            <a:endParaRPr/>
+          </a:p>
+          <a:p>
+            <a:pPr indent="-228600" lvl="0" marL="274320" rtl="0" algn="l">
+              <a:lnSpc>
+                <a:spcPct val="90000"/>
+              </a:lnSpc>
+              <a:spcBef>
+                <a:spcPts val="1800"/>
+              </a:spcBef>
+              <a:spcAft>
+                <a:spcPts val="0"/>
+              </a:spcAft>
+              <a:buSzPts val="2600"/>
+              <a:buChar char="•"/>
+            </a:pPr>
+            <a:r>
+              <a:rPr lang="en-US" sz="2600"/>
+              <a:t>Help people try new recipes.</a:t>
+            </a:r>
+            <a:endParaRPr/>
+          </a:p>
+          <a:p>
+            <a:pPr indent="-228600" lvl="0" marL="274320" rtl="0" algn="l">
+              <a:lnSpc>
+                <a:spcPct val="90000"/>
+              </a:lnSpc>
+              <a:spcBef>
+                <a:spcPts val="1800"/>
+              </a:spcBef>
+              <a:spcAft>
+                <a:spcPts val="0"/>
+              </a:spcAft>
+              <a:buSzPts val="2600"/>
+              <a:buChar char="•"/>
+            </a:pPr>
+            <a:r>
+              <a:rPr lang="en-US" sz="2600"/>
+              <a:t>Stress free meal preparations.</a:t>
+            </a:r>
+            <a:endParaRPr/>
+          </a:p>
+          <a:p>
+            <a:pPr indent="-228600" lvl="0" marL="274320" rtl="0" algn="l">
+              <a:lnSpc>
+                <a:spcPct val="90000"/>
+              </a:lnSpc>
+              <a:spcBef>
+                <a:spcPts val="1800"/>
+              </a:spcBef>
+              <a:spcAft>
+                <a:spcPts val="0"/>
+              </a:spcAft>
+              <a:buSzPts val="2600"/>
+              <a:buChar char="•"/>
+            </a:pPr>
+            <a:r>
+              <a:rPr lang="en-US" sz="2600"/>
+              <a:t>Ability to share favorites recipes with friends and family.</a:t>
+            </a:r>
+            <a:endParaRPr/>
+          </a:p>
+          <a:p>
+            <a:pPr indent="-228600" lvl="0" marL="274320" rtl="0" algn="l">
+              <a:lnSpc>
+                <a:spcPct val="90000"/>
+              </a:lnSpc>
+              <a:spcBef>
+                <a:spcPts val="1800"/>
+              </a:spcBef>
+              <a:spcAft>
+                <a:spcPts val="0"/>
+              </a:spcAft>
+              <a:buSzPts val="2600"/>
+              <a:buChar char="•"/>
+            </a:pPr>
+            <a:r>
+              <a:rPr lang="en-US" sz="2600"/>
+              <a:t>Having a digital recipe book.</a:t>
             </a:r>
             <a:endParaRPr/>
           </a:p>
@@ -22313,1095 +20734,6 @@
           </a:p>
         </p:txBody>
       </p:sp>
-      <p:grpSp>
-        <p:nvGrpSpPr>
-          <p:cNvPr id="153" name="Google Shape;153;p19"/>
-          <p:cNvGrpSpPr/>
-          <p:nvPr/>
-        </p:nvGrpSpPr>
-        <p:grpSpPr>
-          <a:xfrm>
-            <a:off x="2900310" y="1295400"/>
-            <a:ext cx="7409554" cy="4829324"/>
-            <a:chOff x="387298" y="0"/>
-            <a:chExt cx="7409554" cy="4829324"/>
-          </a:xfrm>
-        </p:grpSpPr>
-        <p:sp>
-          <p:nvSpPr>
-            <p:cNvPr id="154" name="Google Shape;154;p19"/>
-            <p:cNvSpPr/>
-            <p:nvPr/>
-          </p:nvSpPr>
-          <p:spPr>
-            <a:xfrm>
-              <a:off x="1447801" y="0"/>
-              <a:ext cx="2727879" cy="1364529"/>
-            </a:xfrm>
-            <a:prstGeom prst="ellipse">
-              <a:avLst/>
-            </a:prstGeom>
-            <a:solidFill>
-              <a:srgbClr val="C9281C"/>
-            </a:solidFill>
-            <a:ln cap="flat" cmpd="sng" w="12700">
-              <a:solidFill>
-                <a:schemeClr val="lt1"/>
-              </a:solidFill>
-              <a:prstDash val="solid"/>
-              <a:miter lim="800000"/>
-              <a:headEnd len="sm" w="sm" type="none"/>
-              <a:tailEnd len="sm" w="sm" type="none"/>
-            </a:ln>
-          </p:spPr>
-          <p:txBody>
-            <a:bodyPr anchorCtr="0" anchor="ctr" bIns="91425" lIns="91425" spcFirstLastPara="1" rIns="91425" wrap="square" tIns="91425">
-              <a:noAutofit/>
-            </a:bodyPr>
-            <a:lstStyle/>
-            <a:p>
-              <a:pPr indent="0" lvl="0" marL="0" rtl="0" algn="l">
-                <a:spcBef>
-                  <a:spcPts val="0"/>
-                </a:spcBef>
-                <a:spcAft>
-                  <a:spcPts val="0"/>
-                </a:spcAft>
-                <a:buNone/>
-              </a:pPr>
-              <a:r>
-                <a:t/>
-              </a:r>
-              <a:endParaRPr/>
-            </a:p>
-          </p:txBody>
-        </p:sp>
-        <p:sp>
-          <p:nvSpPr>
-            <p:cNvPr id="155" name="Google Shape;155;p19"/>
-            <p:cNvSpPr txBox="1"/>
-            <p:nvPr/>
-          </p:nvSpPr>
-          <p:spPr>
-            <a:xfrm>
-              <a:off x="1847290" y="199831"/>
-              <a:ext cx="1928901" cy="964867"/>
-            </a:xfrm>
-            <a:prstGeom prst="rect">
-              <a:avLst/>
-            </a:prstGeom>
-            <a:noFill/>
-            <a:ln>
-              <a:noFill/>
-            </a:ln>
-          </p:spPr>
-          <p:txBody>
-            <a:bodyPr anchorCtr="0" anchor="ctr" bIns="17775" lIns="17775" spcFirstLastPara="1" rIns="17775" wrap="square" tIns="17775">
-              <a:noAutofit/>
-            </a:bodyPr>
-            <a:lstStyle/>
-            <a:p>
-              <a:pPr indent="0" lvl="0" marL="0" marR="0" rtl="0" algn="ctr">
-                <a:lnSpc>
-                  <a:spcPct val="90000"/>
-                </a:lnSpc>
-                <a:spcBef>
-                  <a:spcPts val="0"/>
-                </a:spcBef>
-                <a:spcAft>
-                  <a:spcPts val="0"/>
-                </a:spcAft>
-                <a:buClr>
-                  <a:schemeClr val="lt1"/>
-                </a:buClr>
-                <a:buSzPts val="1400"/>
-                <a:buFont typeface="Cambria"/>
-                <a:buNone/>
-              </a:pPr>
-              <a:r>
-                <a:rPr b="0" i="0" lang="en-US" sz="1400" u="none" cap="none" strike="noStrike">
-                  <a:solidFill>
-                    <a:schemeClr val="lt1"/>
-                  </a:solidFill>
-                  <a:latin typeface="Cambria"/>
-                  <a:ea typeface="Cambria"/>
-                  <a:cs typeface="Cambria"/>
-                  <a:sym typeface="Cambria"/>
-                </a:rPr>
-                <a:t>Application need</a:t>
-              </a:r>
-              <a:endParaRPr/>
-            </a:p>
-          </p:txBody>
-        </p:sp>
-        <p:sp>
-          <p:nvSpPr>
-            <p:cNvPr id="156" name="Google Shape;156;p19"/>
-            <p:cNvSpPr/>
-            <p:nvPr/>
-          </p:nvSpPr>
-          <p:spPr>
-            <a:xfrm flipH="1" rot="-10025127">
-              <a:off x="4152649" y="545696"/>
-              <a:ext cx="581994" cy="404565"/>
-            </a:xfrm>
-            <a:prstGeom prst="rightArrow">
-              <a:avLst>
-                <a:gd fmla="val 60000" name="adj1"/>
-                <a:gd fmla="val 50000" name="adj2"/>
-              </a:avLst>
-            </a:prstGeom>
-            <a:solidFill>
-              <a:srgbClr val="E1AAA9"/>
-            </a:solidFill>
-            <a:ln>
-              <a:noFill/>
-            </a:ln>
-          </p:spPr>
-          <p:txBody>
-            <a:bodyPr anchorCtr="0" anchor="ctr" bIns="91425" lIns="91425" spcFirstLastPara="1" rIns="91425" wrap="square" tIns="91425">
-              <a:noAutofit/>
-            </a:bodyPr>
-            <a:lstStyle/>
-            <a:p>
-              <a:pPr indent="0" lvl="0" marL="0" rtl="0" algn="l">
-                <a:spcBef>
-                  <a:spcPts val="0"/>
-                </a:spcBef>
-                <a:spcAft>
-                  <a:spcPts val="0"/>
-                </a:spcAft>
-                <a:buNone/>
-              </a:pPr>
-              <a:r>
-                <a:t/>
-              </a:r>
-              <a:endParaRPr/>
-            </a:p>
-          </p:txBody>
-        </p:sp>
-        <p:sp>
-          <p:nvSpPr>
-            <p:cNvPr id="157" name="Google Shape;157;p19"/>
-            <p:cNvSpPr txBox="1"/>
-            <p:nvPr/>
-          </p:nvSpPr>
-          <p:spPr>
-            <a:xfrm rot="-10025127">
-              <a:off x="4154184" y="613046"/>
-              <a:ext cx="460625" cy="242739"/>
-            </a:xfrm>
-            <a:prstGeom prst="rect">
-              <a:avLst/>
-            </a:prstGeom>
-            <a:noFill/>
-            <a:ln>
-              <a:noFill/>
-            </a:ln>
-          </p:spPr>
-          <p:txBody>
-            <a:bodyPr anchorCtr="0" anchor="ctr" bIns="0" lIns="0" spcFirstLastPara="1" rIns="0" wrap="square" tIns="0">
-              <a:noAutofit/>
-            </a:bodyPr>
-            <a:lstStyle/>
-            <a:p>
-              <a:pPr indent="0" lvl="0" marL="0" marR="0" rtl="0" algn="ctr">
-                <a:lnSpc>
-                  <a:spcPct val="90000"/>
-                </a:lnSpc>
-                <a:spcBef>
-                  <a:spcPts val="0"/>
-                </a:spcBef>
-                <a:spcAft>
-                  <a:spcPts val="0"/>
-                </a:spcAft>
-                <a:buClr>
-                  <a:schemeClr val="dk1"/>
-                </a:buClr>
-                <a:buSzPts val="1800"/>
-                <a:buFont typeface="Cambria"/>
-                <a:buNone/>
-              </a:pPr>
-              <a:r>
-                <a:t/>
-              </a:r>
-              <a:endParaRPr b="0" i="0" sz="1800" u="none" cap="none" strike="noStrike">
-                <a:solidFill>
-                  <a:schemeClr val="lt1"/>
-                </a:solidFill>
-                <a:latin typeface="Cambria"/>
-                <a:ea typeface="Cambria"/>
-                <a:cs typeface="Cambria"/>
-                <a:sym typeface="Cambria"/>
-              </a:endParaRPr>
-            </a:p>
-          </p:txBody>
-        </p:sp>
-        <p:sp>
-          <p:nvSpPr>
-            <p:cNvPr id="158" name="Google Shape;158;p19"/>
-            <p:cNvSpPr/>
-            <p:nvPr/>
-          </p:nvSpPr>
-          <p:spPr>
-            <a:xfrm rot="899822">
-              <a:off x="4641065" y="421744"/>
-              <a:ext cx="2381262" cy="1436165"/>
-            </a:xfrm>
-            <a:prstGeom prst="ellipse">
-              <a:avLst/>
-            </a:prstGeom>
-            <a:solidFill>
-              <a:srgbClr val="C9281C"/>
-            </a:solidFill>
-            <a:ln cap="flat" cmpd="sng" w="12700">
-              <a:solidFill>
-                <a:schemeClr val="lt1"/>
-              </a:solidFill>
-              <a:prstDash val="solid"/>
-              <a:miter lim="800000"/>
-              <a:headEnd len="sm" w="sm" type="none"/>
-              <a:tailEnd len="sm" w="sm" type="none"/>
-            </a:ln>
-          </p:spPr>
-          <p:txBody>
-            <a:bodyPr anchorCtr="0" anchor="ctr" bIns="91425" lIns="91425" spcFirstLastPara="1" rIns="91425" wrap="square" tIns="91425">
-              <a:noAutofit/>
-            </a:bodyPr>
-            <a:lstStyle/>
-            <a:p>
-              <a:pPr indent="0" lvl="0" marL="0" rtl="0" algn="l">
-                <a:spcBef>
-                  <a:spcPts val="0"/>
-                </a:spcBef>
-                <a:spcAft>
-                  <a:spcPts val="0"/>
-                </a:spcAft>
-                <a:buNone/>
-              </a:pPr>
-              <a:r>
-                <a:t/>
-              </a:r>
-              <a:endParaRPr/>
-            </a:p>
-          </p:txBody>
-        </p:sp>
-        <p:sp>
-          <p:nvSpPr>
-            <p:cNvPr id="159" name="Google Shape;159;p19"/>
-            <p:cNvSpPr txBox="1"/>
-            <p:nvPr/>
-          </p:nvSpPr>
-          <p:spPr>
-            <a:xfrm rot="899822">
-              <a:off x="4989793" y="632065"/>
-              <a:ext cx="1683806" cy="1015523"/>
-            </a:xfrm>
-            <a:prstGeom prst="rect">
-              <a:avLst/>
-            </a:prstGeom>
-            <a:noFill/>
-            <a:ln>
-              <a:noFill/>
-            </a:ln>
-          </p:spPr>
-          <p:txBody>
-            <a:bodyPr anchorCtr="0" anchor="ctr" bIns="17775" lIns="17775" spcFirstLastPara="1" rIns="17775" wrap="square" tIns="17775">
-              <a:noAutofit/>
-            </a:bodyPr>
-            <a:lstStyle/>
-            <a:p>
-              <a:pPr indent="0" lvl="0" marL="0" marR="0" rtl="0" algn="ctr">
-                <a:lnSpc>
-                  <a:spcPct val="90000"/>
-                </a:lnSpc>
-                <a:spcBef>
-                  <a:spcPts val="0"/>
-                </a:spcBef>
-                <a:spcAft>
-                  <a:spcPts val="0"/>
-                </a:spcAft>
-                <a:buClr>
-                  <a:schemeClr val="lt1"/>
-                </a:buClr>
-                <a:buSzPts val="1400"/>
-                <a:buFont typeface="Cambria"/>
-                <a:buNone/>
-              </a:pPr>
-              <a:r>
-                <a:rPr b="0" i="0" lang="en-US" sz="1400" u="none" cap="none" strike="noStrike">
-                  <a:solidFill>
-                    <a:schemeClr val="lt1"/>
-                  </a:solidFill>
-                  <a:latin typeface="Cambria"/>
-                  <a:ea typeface="Cambria"/>
-                  <a:cs typeface="Cambria"/>
-                  <a:sym typeface="Cambria"/>
-                </a:rPr>
-                <a:t>Requirement process</a:t>
-              </a:r>
-              <a:endParaRPr/>
-            </a:p>
-          </p:txBody>
-        </p:sp>
-        <p:sp>
-          <p:nvSpPr>
-            <p:cNvPr id="160" name="Google Shape;160;p19"/>
-            <p:cNvSpPr/>
-            <p:nvPr/>
-          </p:nvSpPr>
-          <p:spPr>
-            <a:xfrm rot="4090140">
-              <a:off x="6028645" y="1974527"/>
-              <a:ext cx="591910" cy="410766"/>
-            </a:xfrm>
-            <a:prstGeom prst="rightArrow">
-              <a:avLst>
-                <a:gd fmla="val 60000" name="adj1"/>
-                <a:gd fmla="val 50000" name="adj2"/>
-              </a:avLst>
-            </a:prstGeom>
-            <a:solidFill>
-              <a:srgbClr val="E1AAA9"/>
-            </a:solidFill>
-            <a:ln>
-              <a:noFill/>
-            </a:ln>
-          </p:spPr>
-          <p:txBody>
-            <a:bodyPr anchorCtr="0" anchor="ctr" bIns="91425" lIns="91425" spcFirstLastPara="1" rIns="91425" wrap="square" tIns="91425">
-              <a:noAutofit/>
-            </a:bodyPr>
-            <a:lstStyle/>
-            <a:p>
-              <a:pPr indent="0" lvl="0" marL="0" rtl="0" algn="l">
-                <a:spcBef>
-                  <a:spcPts val="0"/>
-                </a:spcBef>
-                <a:spcAft>
-                  <a:spcPts val="0"/>
-                </a:spcAft>
-                <a:buNone/>
-              </a:pPr>
-              <a:r>
-                <a:t/>
-              </a:r>
-              <a:endParaRPr/>
-            </a:p>
-          </p:txBody>
-        </p:sp>
-        <p:sp>
-          <p:nvSpPr>
-            <p:cNvPr id="161" name="Google Shape;161;p19"/>
-            <p:cNvSpPr txBox="1"/>
-            <p:nvPr/>
-          </p:nvSpPr>
-          <p:spPr>
-            <a:xfrm rot="4090140">
-              <a:off x="6067347" y="1999484"/>
-              <a:ext cx="468680" cy="246460"/>
-            </a:xfrm>
-            <a:prstGeom prst="rect">
-              <a:avLst/>
-            </a:prstGeom>
-            <a:noFill/>
-            <a:ln>
-              <a:noFill/>
-            </a:ln>
-          </p:spPr>
-          <p:txBody>
-            <a:bodyPr anchorCtr="0" anchor="ctr" bIns="0" lIns="0" spcFirstLastPara="1" rIns="0" wrap="square" tIns="0">
-              <a:noAutofit/>
-            </a:bodyPr>
-            <a:lstStyle/>
-            <a:p>
-              <a:pPr indent="0" lvl="0" marL="0" marR="0" rtl="0" algn="ctr">
-                <a:lnSpc>
-                  <a:spcPct val="90000"/>
-                </a:lnSpc>
-                <a:spcBef>
-                  <a:spcPts val="0"/>
-                </a:spcBef>
-                <a:spcAft>
-                  <a:spcPts val="0"/>
-                </a:spcAft>
-                <a:buClr>
-                  <a:schemeClr val="dk1"/>
-                </a:buClr>
-                <a:buSzPts val="1800"/>
-                <a:buFont typeface="Cambria"/>
-                <a:buNone/>
-              </a:pPr>
-              <a:r>
-                <a:t/>
-              </a:r>
-              <a:endParaRPr b="0" i="0" sz="1800" u="none" cap="none" strike="noStrike">
-                <a:solidFill>
-                  <a:schemeClr val="lt1"/>
-                </a:solidFill>
-                <a:latin typeface="Cambria"/>
-                <a:ea typeface="Cambria"/>
-                <a:cs typeface="Cambria"/>
-                <a:sym typeface="Cambria"/>
-              </a:endParaRPr>
-            </a:p>
-          </p:txBody>
-        </p:sp>
-        <p:sp>
-          <p:nvSpPr>
-            <p:cNvPr id="162" name="Google Shape;162;p19"/>
-            <p:cNvSpPr/>
-            <p:nvPr/>
-          </p:nvSpPr>
-          <p:spPr>
-            <a:xfrm rot="-1068739">
-              <a:off x="5124704" y="2407180"/>
-              <a:ext cx="2510788" cy="1448439"/>
-            </a:xfrm>
-            <a:prstGeom prst="ellipse">
-              <a:avLst/>
-            </a:prstGeom>
-            <a:solidFill>
-              <a:srgbClr val="C9281C"/>
-            </a:solidFill>
-            <a:ln cap="flat" cmpd="sng" w="12700">
-              <a:solidFill>
-                <a:schemeClr val="lt1"/>
-              </a:solidFill>
-              <a:prstDash val="solid"/>
-              <a:miter lim="800000"/>
-              <a:headEnd len="sm" w="sm" type="none"/>
-              <a:tailEnd len="sm" w="sm" type="none"/>
-            </a:ln>
-          </p:spPr>
-          <p:txBody>
-            <a:bodyPr anchorCtr="0" anchor="ctr" bIns="91425" lIns="91425" spcFirstLastPara="1" rIns="91425" wrap="square" tIns="91425">
-              <a:noAutofit/>
-            </a:bodyPr>
-            <a:lstStyle/>
-            <a:p>
-              <a:pPr indent="0" lvl="0" marL="0" rtl="0" algn="l">
-                <a:spcBef>
-                  <a:spcPts val="0"/>
-                </a:spcBef>
-                <a:spcAft>
-                  <a:spcPts val="0"/>
-                </a:spcAft>
-                <a:buNone/>
-              </a:pPr>
-              <a:r>
-                <a:t/>
-              </a:r>
-              <a:endParaRPr/>
-            </a:p>
-          </p:txBody>
-        </p:sp>
-        <p:sp>
-          <p:nvSpPr>
-            <p:cNvPr id="163" name="Google Shape;163;p19"/>
-            <p:cNvSpPr txBox="1"/>
-            <p:nvPr/>
-          </p:nvSpPr>
-          <p:spPr>
-            <a:xfrm rot="-1068739">
-              <a:off x="5492400" y="2619299"/>
-              <a:ext cx="1775396" cy="1024201"/>
-            </a:xfrm>
-            <a:prstGeom prst="rect">
-              <a:avLst/>
-            </a:prstGeom>
-            <a:noFill/>
-            <a:ln>
-              <a:noFill/>
-            </a:ln>
-          </p:spPr>
-          <p:txBody>
-            <a:bodyPr anchorCtr="0" anchor="ctr" bIns="17775" lIns="17775" spcFirstLastPara="1" rIns="17775" wrap="square" tIns="17775">
-              <a:noAutofit/>
-            </a:bodyPr>
-            <a:lstStyle/>
-            <a:p>
-              <a:pPr indent="0" lvl="0" marL="0" marR="0" rtl="0" algn="ctr">
-                <a:lnSpc>
-                  <a:spcPct val="90000"/>
-                </a:lnSpc>
-                <a:spcBef>
-                  <a:spcPts val="0"/>
-                </a:spcBef>
-                <a:spcAft>
-                  <a:spcPts val="0"/>
-                </a:spcAft>
-                <a:buClr>
-                  <a:schemeClr val="lt1"/>
-                </a:buClr>
-                <a:buSzPts val="1400"/>
-                <a:buFont typeface="Cambria"/>
-                <a:buNone/>
-              </a:pPr>
-              <a:r>
-                <a:rPr b="0" i="0" lang="en-US" sz="1400" u="none" cap="none" strike="noStrike">
-                  <a:solidFill>
-                    <a:schemeClr val="lt1"/>
-                  </a:solidFill>
-                  <a:latin typeface="Cambria"/>
-                  <a:ea typeface="Cambria"/>
-                  <a:cs typeface="Cambria"/>
-                  <a:sym typeface="Cambria"/>
-                </a:rPr>
-                <a:t>Finished</a:t>
-              </a:r>
-              <a:r>
-                <a:rPr b="0" i="0" lang="en-US" sz="900" u="none" cap="none" strike="noStrike">
-                  <a:solidFill>
-                    <a:schemeClr val="lt1"/>
-                  </a:solidFill>
-                  <a:latin typeface="Cambria"/>
-                  <a:ea typeface="Cambria"/>
-                  <a:cs typeface="Cambria"/>
-                  <a:sym typeface="Cambria"/>
-                </a:rPr>
-                <a:t> </a:t>
-              </a:r>
-              <a:r>
-                <a:rPr b="0" i="0" lang="en-US" sz="1400" u="none" cap="none" strike="noStrike">
-                  <a:solidFill>
-                    <a:schemeClr val="lt1"/>
-                  </a:solidFill>
-                  <a:latin typeface="Cambria"/>
-                  <a:ea typeface="Cambria"/>
-                  <a:cs typeface="Cambria"/>
-                  <a:sym typeface="Cambria"/>
-                </a:rPr>
-                <a:t>Application</a:t>
-              </a:r>
-              <a:endParaRPr/>
-            </a:p>
-          </p:txBody>
-        </p:sp>
-        <p:sp>
-          <p:nvSpPr>
-            <p:cNvPr id="164" name="Google Shape;164;p19"/>
-            <p:cNvSpPr/>
-            <p:nvPr/>
-          </p:nvSpPr>
-          <p:spPr>
-            <a:xfrm rot="9729481">
-              <a:off x="4557884" y="3278416"/>
-              <a:ext cx="587327" cy="497455"/>
-            </a:xfrm>
-            <a:prstGeom prst="rightArrow">
-              <a:avLst>
-                <a:gd fmla="val 60000" name="adj1"/>
-                <a:gd fmla="val 50000" name="adj2"/>
-              </a:avLst>
-            </a:prstGeom>
-            <a:solidFill>
-              <a:srgbClr val="E1AAA9"/>
-            </a:solidFill>
-            <a:ln>
-              <a:noFill/>
-            </a:ln>
-          </p:spPr>
-          <p:txBody>
-            <a:bodyPr anchorCtr="0" anchor="ctr" bIns="91425" lIns="91425" spcFirstLastPara="1" rIns="91425" wrap="square" tIns="91425">
-              <a:noAutofit/>
-            </a:bodyPr>
-            <a:lstStyle/>
-            <a:p>
-              <a:pPr indent="0" lvl="0" marL="0" rtl="0" algn="l">
-                <a:spcBef>
-                  <a:spcPts val="0"/>
-                </a:spcBef>
-                <a:spcAft>
-                  <a:spcPts val="0"/>
-                </a:spcAft>
-                <a:buNone/>
-              </a:pPr>
-              <a:r>
-                <a:t/>
-              </a:r>
-              <a:endParaRPr/>
-            </a:p>
-          </p:txBody>
-        </p:sp>
-        <p:sp>
-          <p:nvSpPr>
-            <p:cNvPr id="165" name="Google Shape;165;p19"/>
-            <p:cNvSpPr txBox="1"/>
-            <p:nvPr/>
-          </p:nvSpPr>
-          <p:spPr>
-            <a:xfrm rot="-1070519">
-              <a:off x="4703531" y="3355045"/>
-              <a:ext cx="438091" cy="298473"/>
-            </a:xfrm>
-            <a:prstGeom prst="rect">
-              <a:avLst/>
-            </a:prstGeom>
-            <a:noFill/>
-            <a:ln>
-              <a:noFill/>
-            </a:ln>
-          </p:spPr>
-          <p:txBody>
-            <a:bodyPr anchorCtr="0" anchor="ctr" bIns="0" lIns="0" spcFirstLastPara="1" rIns="0" wrap="square" tIns="0">
-              <a:noAutofit/>
-            </a:bodyPr>
-            <a:lstStyle/>
-            <a:p>
-              <a:pPr indent="0" lvl="0" marL="0" marR="0" rtl="0" algn="ctr">
-                <a:lnSpc>
-                  <a:spcPct val="90000"/>
-                </a:lnSpc>
-                <a:spcBef>
-                  <a:spcPts val="0"/>
-                </a:spcBef>
-                <a:spcAft>
-                  <a:spcPts val="0"/>
-                </a:spcAft>
-                <a:buClr>
-                  <a:schemeClr val="dk1"/>
-                </a:buClr>
-                <a:buSzPts val="2200"/>
-                <a:buFont typeface="Cambria"/>
-                <a:buNone/>
-              </a:pPr>
-              <a:r>
-                <a:t/>
-              </a:r>
-              <a:endParaRPr b="0" i="0" sz="2200" u="none" cap="none" strike="noStrike">
-                <a:solidFill>
-                  <a:schemeClr val="lt1"/>
-                </a:solidFill>
-                <a:latin typeface="Cambria"/>
-                <a:ea typeface="Cambria"/>
-                <a:cs typeface="Cambria"/>
-                <a:sym typeface="Cambria"/>
-              </a:endParaRPr>
-            </a:p>
-          </p:txBody>
-        </p:sp>
-        <p:sp>
-          <p:nvSpPr>
-            <p:cNvPr id="166" name="Google Shape;166;p19"/>
-            <p:cNvSpPr/>
-            <p:nvPr/>
-          </p:nvSpPr>
-          <p:spPr>
-            <a:xfrm rot="291987">
-              <a:off x="2392533" y="3280219"/>
-              <a:ext cx="2567971" cy="1442781"/>
-            </a:xfrm>
-            <a:prstGeom prst="ellipse">
-              <a:avLst/>
-            </a:prstGeom>
-            <a:solidFill>
-              <a:srgbClr val="C9281C"/>
-            </a:solidFill>
-            <a:ln cap="flat" cmpd="sng" w="12700">
-              <a:solidFill>
-                <a:schemeClr val="lt1"/>
-              </a:solidFill>
-              <a:prstDash val="solid"/>
-              <a:miter lim="800000"/>
-              <a:headEnd len="sm" w="sm" type="none"/>
-              <a:tailEnd len="sm" w="sm" type="none"/>
-            </a:ln>
-          </p:spPr>
-          <p:txBody>
-            <a:bodyPr anchorCtr="0" anchor="ctr" bIns="91425" lIns="91425" spcFirstLastPara="1" rIns="91425" wrap="square" tIns="91425">
-              <a:noAutofit/>
-            </a:bodyPr>
-            <a:lstStyle/>
-            <a:p>
-              <a:pPr indent="0" lvl="0" marL="0" rtl="0" algn="l">
-                <a:spcBef>
-                  <a:spcPts val="0"/>
-                </a:spcBef>
-                <a:spcAft>
-                  <a:spcPts val="0"/>
-                </a:spcAft>
-                <a:buNone/>
-              </a:pPr>
-              <a:r>
-                <a:t/>
-              </a:r>
-              <a:endParaRPr/>
-            </a:p>
-          </p:txBody>
-        </p:sp>
-        <p:sp>
-          <p:nvSpPr>
-            <p:cNvPr id="167" name="Google Shape;167;p19"/>
-            <p:cNvSpPr txBox="1"/>
-            <p:nvPr/>
-          </p:nvSpPr>
-          <p:spPr>
-            <a:xfrm rot="291987">
-              <a:off x="2768604" y="3491509"/>
-              <a:ext cx="1815829" cy="1020201"/>
-            </a:xfrm>
-            <a:prstGeom prst="rect">
-              <a:avLst/>
-            </a:prstGeom>
-            <a:noFill/>
-            <a:ln>
-              <a:noFill/>
-            </a:ln>
-          </p:spPr>
-          <p:txBody>
-            <a:bodyPr anchorCtr="0" anchor="ctr" bIns="17775" lIns="17775" spcFirstLastPara="1" rIns="17775" wrap="square" tIns="17775">
-              <a:noAutofit/>
-            </a:bodyPr>
-            <a:lstStyle/>
-            <a:p>
-              <a:pPr indent="0" lvl="0" marL="0" marR="0" rtl="0" algn="ctr">
-                <a:lnSpc>
-                  <a:spcPct val="90000"/>
-                </a:lnSpc>
-                <a:spcBef>
-                  <a:spcPts val="0"/>
-                </a:spcBef>
-                <a:spcAft>
-                  <a:spcPts val="0"/>
-                </a:spcAft>
-                <a:buClr>
-                  <a:schemeClr val="lt1"/>
-                </a:buClr>
-                <a:buSzPts val="1400"/>
-                <a:buFont typeface="Cambria"/>
-                <a:buNone/>
-              </a:pPr>
-              <a:r>
-                <a:rPr b="0" i="0" lang="en-US" sz="1400" u="none" cap="none" strike="noStrike">
-                  <a:solidFill>
-                    <a:schemeClr val="lt1"/>
-                  </a:solidFill>
-                  <a:latin typeface="Cambria"/>
-                  <a:ea typeface="Cambria"/>
-                  <a:cs typeface="Cambria"/>
-                  <a:sym typeface="Cambria"/>
-                </a:rPr>
-                <a:t>Successes &amp; Challenges</a:t>
-              </a:r>
-              <a:endParaRPr/>
-            </a:p>
-          </p:txBody>
-        </p:sp>
-        <p:sp>
-          <p:nvSpPr>
-            <p:cNvPr id="168" name="Google Shape;168;p19"/>
-            <p:cNvSpPr/>
-            <p:nvPr/>
-          </p:nvSpPr>
-          <p:spPr>
-            <a:xfrm rot="-8602387">
-              <a:off x="2213212" y="3110287"/>
-              <a:ext cx="457104" cy="497271"/>
-            </a:xfrm>
-            <a:prstGeom prst="rightArrow">
-              <a:avLst>
-                <a:gd fmla="val 60000" name="adj1"/>
-                <a:gd fmla="val 50000" name="adj2"/>
-              </a:avLst>
-            </a:prstGeom>
-            <a:solidFill>
-              <a:srgbClr val="E1AAA9"/>
-            </a:solidFill>
-            <a:ln>
-              <a:noFill/>
-            </a:ln>
-          </p:spPr>
-          <p:txBody>
-            <a:bodyPr anchorCtr="0" anchor="ctr" bIns="91425" lIns="91425" spcFirstLastPara="1" rIns="91425" wrap="square" tIns="91425">
-              <a:noAutofit/>
-            </a:bodyPr>
-            <a:lstStyle/>
-            <a:p>
-              <a:pPr indent="0" lvl="0" marL="0" rtl="0" algn="l">
-                <a:spcBef>
-                  <a:spcPts val="0"/>
-                </a:spcBef>
-                <a:spcAft>
-                  <a:spcPts val="0"/>
-                </a:spcAft>
-                <a:buNone/>
-              </a:pPr>
-              <a:r>
-                <a:t/>
-              </a:r>
-              <a:endParaRPr/>
-            </a:p>
-          </p:txBody>
-        </p:sp>
-        <p:sp>
-          <p:nvSpPr>
-            <p:cNvPr id="169" name="Google Shape;169;p19"/>
-            <p:cNvSpPr txBox="1"/>
-            <p:nvPr/>
-          </p:nvSpPr>
-          <p:spPr>
-            <a:xfrm rot="2197613">
-              <a:off x="2336804" y="3250647"/>
-              <a:ext cx="319973" cy="298363"/>
-            </a:xfrm>
-            <a:prstGeom prst="rect">
-              <a:avLst/>
-            </a:prstGeom>
-            <a:noFill/>
-            <a:ln>
-              <a:noFill/>
-            </a:ln>
-          </p:spPr>
-          <p:txBody>
-            <a:bodyPr anchorCtr="0" anchor="ctr" bIns="0" lIns="0" spcFirstLastPara="1" rIns="0" wrap="square" tIns="0">
-              <a:noAutofit/>
-            </a:bodyPr>
-            <a:lstStyle/>
-            <a:p>
-              <a:pPr indent="0" lvl="0" marL="0" marR="0" rtl="0" algn="ctr">
-                <a:lnSpc>
-                  <a:spcPct val="90000"/>
-                </a:lnSpc>
-                <a:spcBef>
-                  <a:spcPts val="0"/>
-                </a:spcBef>
-                <a:spcAft>
-                  <a:spcPts val="0"/>
-                </a:spcAft>
-                <a:buClr>
-                  <a:schemeClr val="dk1"/>
-                </a:buClr>
-                <a:buSzPts val="2200"/>
-                <a:buFont typeface="Cambria"/>
-                <a:buNone/>
-              </a:pPr>
-              <a:r>
-                <a:t/>
-              </a:r>
-              <a:endParaRPr b="0" i="0" sz="2200" u="none" cap="none" strike="noStrike">
-                <a:solidFill>
-                  <a:schemeClr val="lt1"/>
-                </a:solidFill>
-                <a:latin typeface="Cambria"/>
-                <a:ea typeface="Cambria"/>
-                <a:cs typeface="Cambria"/>
-                <a:sym typeface="Cambria"/>
-              </a:endParaRPr>
-            </a:p>
-          </p:txBody>
-        </p:sp>
-        <p:sp>
-          <p:nvSpPr>
-            <p:cNvPr id="170" name="Google Shape;170;p19"/>
-            <p:cNvSpPr/>
-            <p:nvPr/>
-          </p:nvSpPr>
-          <p:spPr>
-            <a:xfrm rot="458669">
-              <a:off x="466932" y="1845029"/>
-              <a:ext cx="2447712" cy="1360801"/>
-            </a:xfrm>
-            <a:prstGeom prst="ellipse">
-              <a:avLst/>
-            </a:prstGeom>
-            <a:solidFill>
-              <a:srgbClr val="C9281C"/>
-            </a:solidFill>
-            <a:ln cap="flat" cmpd="sng" w="12700">
-              <a:solidFill>
-                <a:schemeClr val="lt1"/>
-              </a:solidFill>
-              <a:prstDash val="solid"/>
-              <a:miter lim="800000"/>
-              <a:headEnd len="sm" w="sm" type="none"/>
-              <a:tailEnd len="sm" w="sm" type="none"/>
-            </a:ln>
-          </p:spPr>
-          <p:txBody>
-            <a:bodyPr anchorCtr="0" anchor="ctr" bIns="91425" lIns="91425" spcFirstLastPara="1" rIns="91425" wrap="square" tIns="91425">
-              <a:noAutofit/>
-            </a:bodyPr>
-            <a:lstStyle/>
-            <a:p>
-              <a:pPr indent="0" lvl="0" marL="0" rtl="0" algn="l">
-                <a:spcBef>
-                  <a:spcPts val="0"/>
-                </a:spcBef>
-                <a:spcAft>
-                  <a:spcPts val="0"/>
-                </a:spcAft>
-                <a:buNone/>
-              </a:pPr>
-              <a:r>
-                <a:t/>
-              </a:r>
-              <a:endParaRPr/>
-            </a:p>
-          </p:txBody>
-        </p:sp>
-        <p:sp>
-          <p:nvSpPr>
-            <p:cNvPr id="171" name="Google Shape;171;p19"/>
-            <p:cNvSpPr txBox="1"/>
-            <p:nvPr/>
-          </p:nvSpPr>
-          <p:spPr>
-            <a:xfrm rot="458669">
-              <a:off x="825391" y="2044314"/>
-              <a:ext cx="1730794" cy="962231"/>
-            </a:xfrm>
-            <a:prstGeom prst="rect">
-              <a:avLst/>
-            </a:prstGeom>
-            <a:noFill/>
-            <a:ln>
-              <a:noFill/>
-            </a:ln>
-          </p:spPr>
-          <p:txBody>
-            <a:bodyPr anchorCtr="0" anchor="ctr" bIns="17775" lIns="17775" spcFirstLastPara="1" rIns="17775" wrap="square" tIns="17775">
-              <a:noAutofit/>
-            </a:bodyPr>
-            <a:lstStyle/>
-            <a:p>
-              <a:pPr indent="0" lvl="0" marL="0" marR="0" rtl="0" algn="ctr">
-                <a:lnSpc>
-                  <a:spcPct val="90000"/>
-                </a:lnSpc>
-                <a:spcBef>
-                  <a:spcPts val="0"/>
-                </a:spcBef>
-                <a:spcAft>
-                  <a:spcPts val="0"/>
-                </a:spcAft>
-                <a:buClr>
-                  <a:schemeClr val="lt1"/>
-                </a:buClr>
-                <a:buSzPts val="1400"/>
-                <a:buFont typeface="Cambria"/>
-                <a:buNone/>
-              </a:pPr>
-              <a:r>
-                <a:rPr b="0" i="0" lang="en-US" sz="1400" u="none" cap="none" strike="noStrike">
-                  <a:solidFill>
-                    <a:schemeClr val="lt1"/>
-                  </a:solidFill>
-                  <a:latin typeface="Cambria"/>
-                  <a:ea typeface="Cambria"/>
-                  <a:cs typeface="Cambria"/>
-                  <a:sym typeface="Cambria"/>
-                </a:rPr>
-                <a:t>Recommendations</a:t>
-              </a:r>
-              <a:endParaRPr/>
-            </a:p>
-          </p:txBody>
-        </p:sp>
-        <p:sp>
-          <p:nvSpPr>
-            <p:cNvPr id="172" name="Google Shape;172;p19"/>
-            <p:cNvSpPr/>
-            <p:nvPr/>
-          </p:nvSpPr>
-          <p:spPr>
-            <a:xfrm rot="-3521605">
-              <a:off x="1541667" y="1342048"/>
-              <a:ext cx="715313" cy="443531"/>
-            </a:xfrm>
-            <a:prstGeom prst="rightArrow">
-              <a:avLst>
-                <a:gd fmla="val 60000" name="adj1"/>
-                <a:gd fmla="val 50000" name="adj2"/>
-              </a:avLst>
-            </a:prstGeom>
-            <a:solidFill>
-              <a:srgbClr val="E1AAA9"/>
-            </a:solidFill>
-            <a:ln>
-              <a:noFill/>
-            </a:ln>
-          </p:spPr>
-          <p:txBody>
-            <a:bodyPr anchorCtr="0" anchor="ctr" bIns="91425" lIns="91425" spcFirstLastPara="1" rIns="91425" wrap="square" tIns="91425">
-              <a:noAutofit/>
-            </a:bodyPr>
-            <a:lstStyle/>
-            <a:p>
-              <a:pPr indent="0" lvl="0" marL="0" rtl="0" algn="l">
-                <a:spcBef>
-                  <a:spcPts val="0"/>
-                </a:spcBef>
-                <a:spcAft>
-                  <a:spcPts val="0"/>
-                </a:spcAft>
-                <a:buNone/>
-              </a:pPr>
-              <a:r>
-                <a:t/>
-              </a:r>
-              <a:endParaRPr/>
-            </a:p>
-          </p:txBody>
-        </p:sp>
-        <p:sp>
-          <p:nvSpPr>
-            <p:cNvPr id="173" name="Google Shape;173;p19"/>
-            <p:cNvSpPr txBox="1"/>
-            <p:nvPr/>
-          </p:nvSpPr>
-          <p:spPr>
-            <a:xfrm rot="-3521605">
-              <a:off x="1573627" y="1487597"/>
-              <a:ext cx="582254" cy="266119"/>
-            </a:xfrm>
-            <a:prstGeom prst="rect">
-              <a:avLst/>
-            </a:prstGeom>
-            <a:noFill/>
-            <a:ln>
-              <a:noFill/>
-            </a:ln>
-          </p:spPr>
-          <p:txBody>
-            <a:bodyPr anchorCtr="0" anchor="ctr" bIns="0" lIns="0" spcFirstLastPara="1" rIns="0" wrap="square" tIns="0">
-              <a:noAutofit/>
-            </a:bodyPr>
-            <a:lstStyle/>
-            <a:p>
-              <a:pPr indent="0" lvl="0" marL="0" marR="0" rtl="0" algn="ctr">
-                <a:lnSpc>
-                  <a:spcPct val="90000"/>
-                </a:lnSpc>
-                <a:spcBef>
-                  <a:spcPts val="0"/>
-                </a:spcBef>
-                <a:spcAft>
-                  <a:spcPts val="0"/>
-                </a:spcAft>
-                <a:buClr>
-                  <a:schemeClr val="dk1"/>
-                </a:buClr>
-                <a:buSzPts val="1900"/>
-                <a:buFont typeface="Cambria"/>
-                <a:buNone/>
-              </a:pPr>
-              <a:r>
-                <a:t/>
-              </a:r>
-              <a:endParaRPr b="0" i="0" sz="1900" u="none" cap="none" strike="noStrike">
-                <a:solidFill>
-                  <a:schemeClr val="lt1"/>
-                </a:solidFill>
-                <a:latin typeface="Cambria"/>
-                <a:ea typeface="Cambria"/>
-                <a:cs typeface="Cambria"/>
-                <a:sym typeface="Cambria"/>
-              </a:endParaRPr>
-            </a:p>
-          </p:txBody>
-        </p:sp>
-      </p:grpSp>
     </p:spTree>
   </p:cSld>
   <p:clrMapOvr>
@@ -23427,7 +20759,7 @@
   <p:cSld>
     <p:spTree>
       <p:nvGrpSpPr>
-        <p:cNvPr id="178" name="Shape 178"/>
+        <p:cNvPr id="158" name="Shape 158"/>
         <p:cNvGrpSpPr/>
         <p:nvPr/>
       </p:nvGrpSpPr>
@@ -23441,7 +20773,7 @@
       </p:grpSpPr>
       <p:sp>
         <p:nvSpPr>
-          <p:cNvPr id="179" name="Google Shape;179;p20"/>
+          <p:cNvPr id="159" name="Google Shape;159;p20"/>
           <p:cNvSpPr txBox="1"/>
           <p:nvPr>
             <p:ph type="title"/>
@@ -23485,7 +20817,7 @@
             </a:pPr>
             <a:r>
               <a:rPr lang="en-US"/>
-              <a:t>Overall Need</a:t>
+              <a:t>Our research process </a:t>
             </a:r>
             <a:endParaRPr/>
           </a:p>
@@ -23493,7 +20825,7 @@
       </p:sp>
       <p:sp>
         <p:nvSpPr>
-          <p:cNvPr id="180" name="Google Shape;180;p20"/>
+          <p:cNvPr id="160" name="Google Shape;160;p20"/>
           <p:cNvSpPr txBox="1"/>
           <p:nvPr>
             <p:ph idx="1" type="body"/>
@@ -23501,8 +20833,8 @@
         </p:nvSpPr>
         <p:spPr>
           <a:xfrm>
-            <a:off x="1370012" y="1371600"/>
-            <a:ext cx="9144000" cy="4800600"/>
+            <a:off x="1522414" y="1143001"/>
+            <a:ext cx="9144000" cy="4876800"/>
           </a:xfrm>
           <a:prstGeom prst="rect">
             <a:avLst/>
@@ -23547,17 +20879,16 @@
               <a:spcAft>
                 <a:spcPts val="0"/>
               </a:spcAft>
-              <a:buSzPts val="2600"/>
+              <a:buSzPts val="2000"/>
               <a:buNone/>
             </a:pPr>
             <a:r>
-              <a:rPr lang="en-US" sz="2600"/>
-              <a:t>Reciplease has been carefully designed following extensive users requirements, created to meet the needs of different categories of users. </a:t>
+              <a:t/>
             </a:r>
             <a:endParaRPr/>
           </a:p>
           <a:p>
-            <a:pPr indent="-228600" lvl="0" marL="274320" rtl="0" algn="l">
+            <a:pPr indent="0" lvl="0" marL="45720" rtl="0" algn="ctr">
               <a:lnSpc>
                 <a:spcPct val="90000"/>
               </a:lnSpc>
@@ -23567,92 +20898,12 @@
               <a:spcAft>
                 <a:spcPts val="0"/>
               </a:spcAft>
-              <a:buSzPts val="2600"/>
-              <a:buChar char="•"/>
+              <a:buSzPts val="2800"/>
+              <a:buNone/>
             </a:pPr>
             <a:r>
-              <a:rPr lang="en-US" sz="2600"/>
-              <a:t>Easy pick up of ingredients for a great meal.</a:t>
-            </a:r>
-            <a:endParaRPr/>
-          </a:p>
-          <a:p>
-            <a:pPr indent="-228600" lvl="0" marL="274320" rtl="0" algn="l">
-              <a:lnSpc>
-                <a:spcPct val="90000"/>
-              </a:lnSpc>
-              <a:spcBef>
-                <a:spcPts val="1800"/>
-              </a:spcBef>
-              <a:spcAft>
-                <a:spcPts val="0"/>
-              </a:spcAft>
-              <a:buSzPts val="2600"/>
-              <a:buChar char="•"/>
-            </a:pPr>
-            <a:r>
-              <a:rPr lang="en-US" sz="2600"/>
-              <a:t>Help people try new recipes.</a:t>
-            </a:r>
-            <a:endParaRPr/>
-          </a:p>
-          <a:p>
-            <a:pPr indent="-228600" lvl="0" marL="274320" rtl="0" algn="l">
-              <a:lnSpc>
-                <a:spcPct val="90000"/>
-              </a:lnSpc>
-              <a:spcBef>
-                <a:spcPts val="1800"/>
-              </a:spcBef>
-              <a:spcAft>
-                <a:spcPts val="0"/>
-              </a:spcAft>
-              <a:buSzPts val="2600"/>
-              <a:buChar char="•"/>
-            </a:pPr>
-            <a:r>
-              <a:rPr lang="en-US" sz="2600"/>
-              <a:t>Stress free meal preparations.</a:t>
-            </a:r>
-            <a:endParaRPr/>
-          </a:p>
-          <a:p>
-            <a:pPr indent="-228600" lvl="0" marL="274320" rtl="0" algn="l">
-              <a:lnSpc>
-                <a:spcPct val="90000"/>
-              </a:lnSpc>
-              <a:spcBef>
-                <a:spcPts val="1800"/>
-              </a:spcBef>
-              <a:spcAft>
-                <a:spcPts val="0"/>
-              </a:spcAft>
-              <a:buSzPts val="2600"/>
-              <a:buChar char="•"/>
-            </a:pPr>
-            <a:r>
-              <a:rPr lang="en-US" sz="2600"/>
-              <a:t>Ability to share favorites recipes with friends and family.</a:t>
-            </a:r>
-            <a:endParaRPr/>
-          </a:p>
-          <a:p>
-            <a:pPr indent="-228600" lvl="0" marL="274320" rtl="0" algn="l">
-              <a:lnSpc>
-                <a:spcPct val="90000"/>
-              </a:lnSpc>
-              <a:spcBef>
-                <a:spcPts val="1800"/>
-              </a:spcBef>
-              <a:spcAft>
-                <a:spcPts val="0"/>
-              </a:spcAft>
-              <a:buSzPts val="2600"/>
-              <a:buChar char="•"/>
-            </a:pPr>
-            <a:r>
-              <a:rPr lang="en-US" sz="2600"/>
-              <a:t>Having a digital recipe book.</a:t>
+              <a:rPr lang="en-US" sz="2800"/>
+              <a:t>After the decision on our project topic, we realized that we had chosen a path for the masses and everyone in the ‘A’ team went on to gather information via different methods which include one-on-one interviews, group interviews, online research, and focus group expectations and feedback sessions with several participants of all ages; cooks and non-cooks, professionals and non professionals of different fields including the young.</a:t>
             </a:r>
             <a:endParaRPr/>
           </a:p>
@@ -23702,7 +20953,7 @@
   <p:cSld>
     <p:spTree>
       <p:nvGrpSpPr>
-        <p:cNvPr id="185" name="Shape 185"/>
+        <p:cNvPr id="165" name="Shape 165"/>
         <p:cNvGrpSpPr/>
         <p:nvPr/>
       </p:nvGrpSpPr>
@@ -23716,7 +20967,7 @@
       </p:grpSpPr>
       <p:sp>
         <p:nvSpPr>
-          <p:cNvPr id="186" name="Google Shape;186;p21"/>
+          <p:cNvPr id="166" name="Google Shape;166;p21"/>
           <p:cNvSpPr txBox="1"/>
           <p:nvPr>
             <p:ph type="title"/>
@@ -23760,7 +21011,7 @@
             </a:pPr>
             <a:r>
               <a:rPr lang="en-US"/>
-              <a:t>Our research process </a:t>
+              <a:t>Research feedback </a:t>
             </a:r>
             <a:endParaRPr/>
           </a:p>
@@ -23768,7 +21019,7 @@
       </p:sp>
       <p:sp>
         <p:nvSpPr>
-          <p:cNvPr id="187" name="Google Shape;187;p21"/>
+          <p:cNvPr id="167" name="Google Shape;167;p21"/>
           <p:cNvSpPr txBox="1"/>
           <p:nvPr>
             <p:ph idx="1" type="body"/>
@@ -23776,8 +21027,8 @@
         </p:nvSpPr>
         <p:spPr>
           <a:xfrm>
-            <a:off x="1522414" y="1143001"/>
-            <a:ext cx="9144000" cy="4876800"/>
+            <a:off x="1522414" y="1905000"/>
+            <a:ext cx="9144000" cy="4529137"/>
           </a:xfrm>
           <a:prstGeom prst="rect">
             <a:avLst/>
@@ -23793,62 +21044,143 @@
           </a:bodyPr>
           <a:lstStyle/>
           <a:p>
-            <a:pPr indent="0" lvl="0" marL="45720" rtl="0" algn="l">
-              <a:lnSpc>
-                <a:spcPct val="90000"/>
-              </a:lnSpc>
-              <a:spcBef>
-                <a:spcPts val="0"/>
-              </a:spcBef>
-              <a:spcAft>
-                <a:spcPts val="0"/>
-              </a:spcAft>
-              <a:buSzPts val="2000"/>
+            <a:pPr indent="-228600" lvl="0" marL="274320" rtl="0" algn="l">
+              <a:lnSpc>
+                <a:spcPct val="90000"/>
+              </a:lnSpc>
+              <a:spcBef>
+                <a:spcPts val="0"/>
+              </a:spcBef>
+              <a:spcAft>
+                <a:spcPts val="0"/>
+              </a:spcAft>
+              <a:buSzPts val="2400"/>
+              <a:buChar char="•"/>
+            </a:pPr>
+            <a:r>
+              <a:rPr lang="en-US" sz="2400"/>
+              <a:t>An app that has all the cookbooks in one location.</a:t>
+            </a:r>
+            <a:endParaRPr/>
+          </a:p>
+          <a:p>
+            <a:pPr indent="-228600" lvl="0" marL="274320" rtl="0" algn="l">
+              <a:lnSpc>
+                <a:spcPct val="90000"/>
+              </a:lnSpc>
+              <a:spcBef>
+                <a:spcPts val="1800"/>
+              </a:spcBef>
+              <a:spcAft>
+                <a:spcPts val="0"/>
+              </a:spcAft>
+              <a:buSzPts val="2400"/>
+              <a:buChar char="•"/>
+            </a:pPr>
+            <a:r>
+              <a:rPr lang="en-US" sz="2400"/>
+              <a:t>Ability to pick recipes related to diets and health needs.</a:t>
+            </a:r>
+            <a:endParaRPr/>
+          </a:p>
+          <a:p>
+            <a:pPr indent="-228600" lvl="0" marL="274320" rtl="0" algn="l">
+              <a:lnSpc>
+                <a:spcPct val="90000"/>
+              </a:lnSpc>
+              <a:spcBef>
+                <a:spcPts val="1800"/>
+              </a:spcBef>
+              <a:spcAft>
+                <a:spcPts val="0"/>
+              </a:spcAft>
+              <a:buSzPts val="2400"/>
+              <a:buChar char="•"/>
+            </a:pPr>
+            <a:r>
+              <a:rPr lang="en-US" sz="2400"/>
+              <a:t>Easy and advanced search engine for recipes. </a:t>
+            </a:r>
+            <a:endParaRPr/>
+          </a:p>
+          <a:p>
+            <a:pPr indent="-228600" lvl="0" marL="274320" rtl="0" algn="l">
+              <a:lnSpc>
+                <a:spcPct val="90000"/>
+              </a:lnSpc>
+              <a:spcBef>
+                <a:spcPts val="1800"/>
+              </a:spcBef>
+              <a:spcAft>
+                <a:spcPts val="0"/>
+              </a:spcAft>
+              <a:buSzPts val="2400"/>
+              <a:buChar char="•"/>
+            </a:pPr>
+            <a:r>
+              <a:rPr lang="en-US" sz="2400"/>
+              <a:t>Clear instructions on meal preparation including images.</a:t>
+            </a:r>
+            <a:endParaRPr/>
+          </a:p>
+          <a:p>
+            <a:pPr indent="-228600" lvl="0" marL="274320" rtl="0" algn="l">
+              <a:lnSpc>
+                <a:spcPct val="90000"/>
+              </a:lnSpc>
+              <a:spcBef>
+                <a:spcPts val="1800"/>
+              </a:spcBef>
+              <a:spcAft>
+                <a:spcPts val="0"/>
+              </a:spcAft>
+              <a:buSzPts val="2400"/>
+              <a:buChar char="•"/>
+            </a:pPr>
+            <a:r>
+              <a:rPr lang="en-US" sz="2400"/>
+              <a:t>Recipe Information  at a glance for example, difficulty level, time etc. </a:t>
+            </a:r>
+            <a:endParaRPr/>
+          </a:p>
+          <a:p>
+            <a:pPr indent="-228600" lvl="0" marL="274320" rtl="0" algn="l">
+              <a:lnSpc>
+                <a:spcPct val="90000"/>
+              </a:lnSpc>
+              <a:spcBef>
+                <a:spcPts val="1800"/>
+              </a:spcBef>
+              <a:spcAft>
+                <a:spcPts val="0"/>
+              </a:spcAft>
+              <a:buSzPts val="2400"/>
+              <a:buChar char="•"/>
+            </a:pPr>
+            <a:r>
+              <a:rPr lang="en-US" sz="2400"/>
+              <a:t>Complete nutritional information of most meals.</a:t>
+            </a:r>
+            <a:endParaRPr/>
+          </a:p>
+          <a:p>
+            <a:pPr indent="-76200" lvl="0" marL="274320" rtl="0" algn="l">
+              <a:lnSpc>
+                <a:spcPct val="90000"/>
+              </a:lnSpc>
+              <a:spcBef>
+                <a:spcPts val="1800"/>
+              </a:spcBef>
+              <a:spcAft>
+                <a:spcPts val="0"/>
+              </a:spcAft>
+              <a:buSzPts val="2400"/>
               <a:buNone/>
             </a:pPr>
             <a:r>
               <a:t/>
             </a:r>
-            <a:endParaRPr/>
-          </a:p>
-          <a:p>
-            <a:pPr indent="0" lvl="0" marL="45720" rtl="0" algn="l">
-              <a:lnSpc>
-                <a:spcPct val="90000"/>
-              </a:lnSpc>
-              <a:spcBef>
-                <a:spcPts val="1800"/>
-              </a:spcBef>
-              <a:spcAft>
-                <a:spcPts val="0"/>
-              </a:spcAft>
-              <a:buSzPts val="2000"/>
-              <a:buNone/>
-            </a:pPr>
-            <a:r>
-              <a:t/>
-            </a:r>
-            <a:endParaRPr/>
-          </a:p>
-          <a:p>
-            <a:pPr indent="0" lvl="0" marL="45720" rtl="0" algn="ctr">
-              <a:lnSpc>
-                <a:spcPct val="90000"/>
-              </a:lnSpc>
-              <a:spcBef>
-                <a:spcPts val="1800"/>
-              </a:spcBef>
-              <a:spcAft>
-                <a:spcPts val="0"/>
-              </a:spcAft>
-              <a:buSzPts val="2800"/>
-              <a:buNone/>
-            </a:pPr>
-            <a:r>
-              <a:rPr lang="en-US" sz="2800"/>
-              <a:t>After the decision on our project topic, we realized that we had chosen a path for the masses and everyone in the ‘A’ team went on to gather information via different methods which include one-on-one interviews, group interviews, online research, and focus group expectations and feedback sessions with several participants of all ages; cooks and non-cooks, professionals and non professionals of different fields including the young.</a:t>
-            </a:r>
-            <a:endParaRPr/>
+            <a:endParaRPr sz="2400"/>
           </a:p>
           <a:p>
             <a:pPr indent="0" lvl="0" marL="45720" rtl="0" algn="l">
@@ -23896,7 +21228,7 @@
   <p:cSld>
     <p:spTree>
       <p:nvGrpSpPr>
-        <p:cNvPr id="192" name="Shape 192"/>
+        <p:cNvPr id="172" name="Shape 172"/>
         <p:cNvGrpSpPr/>
         <p:nvPr/>
       </p:nvGrpSpPr>
@@ -23910,7 +21242,7 @@
       </p:grpSpPr>
       <p:sp>
         <p:nvSpPr>
-          <p:cNvPr id="193" name="Google Shape;193;p22"/>
+          <p:cNvPr id="173" name="Google Shape;173;p22"/>
           <p:cNvSpPr txBox="1"/>
           <p:nvPr>
             <p:ph type="title"/>
@@ -23919,7 +21251,7 @@
         <p:spPr>
           <a:xfrm>
             <a:off x="1522414" y="319088"/>
-            <a:ext cx="9144000" cy="1143000"/>
+            <a:ext cx="9144000" cy="823912"/>
           </a:xfrm>
           <a:prstGeom prst="rect">
             <a:avLst/>
@@ -23962,7 +21294,7 @@
       </p:sp>
       <p:sp>
         <p:nvSpPr>
-          <p:cNvPr id="194" name="Google Shape;194;p22"/>
+          <p:cNvPr id="174" name="Google Shape;174;p22"/>
           <p:cNvSpPr txBox="1"/>
           <p:nvPr>
             <p:ph idx="1" type="body"/>
@@ -23970,8 +21302,8 @@
         </p:nvSpPr>
         <p:spPr>
           <a:xfrm>
-            <a:off x="1522414" y="1905000"/>
-            <a:ext cx="9144000" cy="4529137"/>
+            <a:off x="1522414" y="1066800"/>
+            <a:ext cx="9144000" cy="5105400"/>
           </a:xfrm>
           <a:prstGeom prst="rect">
             <a:avLst/>
@@ -23987,12 +21319,31 @@
           </a:bodyPr>
           <a:lstStyle/>
           <a:p>
+            <a:pPr indent="0" lvl="0" marL="45720" rtl="0" algn="l">
+              <a:lnSpc>
+                <a:spcPct val="90000"/>
+              </a:lnSpc>
+              <a:spcBef>
+                <a:spcPts val="0"/>
+              </a:spcBef>
+              <a:spcAft>
+                <a:spcPts val="0"/>
+              </a:spcAft>
+              <a:buSzPts val="2400"/>
+              <a:buNone/>
+            </a:pPr>
+            <a:r>
+              <a:t/>
+            </a:r>
+            <a:endParaRPr sz="2400"/>
+          </a:p>
+          <a:p>
             <a:pPr indent="-228600" lvl="0" marL="274320" rtl="0" algn="l">
               <a:lnSpc>
                 <a:spcPct val="90000"/>
               </a:lnSpc>
               <a:spcBef>
-                <a:spcPts val="0"/>
+                <a:spcPts val="1800"/>
               </a:spcBef>
               <a:spcAft>
                 <a:spcPts val="0"/>
@@ -24002,9 +21353,28 @@
             </a:pPr>
             <a:r>
               <a:rPr lang="en-US" sz="2400"/>
-              <a:t>An app that has all the cookbooks in one location.</a:t>
+              <a:t>A platform to develop or organize a self cookbook. </a:t>
             </a:r>
             <a:endParaRPr/>
+          </a:p>
+          <a:p>
+            <a:pPr indent="0" lvl="0" marL="45720" rtl="0" algn="l">
+              <a:lnSpc>
+                <a:spcPct val="90000"/>
+              </a:lnSpc>
+              <a:spcBef>
+                <a:spcPts val="1800"/>
+              </a:spcBef>
+              <a:spcAft>
+                <a:spcPts val="0"/>
+              </a:spcAft>
+              <a:buSzPts val="2400"/>
+              <a:buNone/>
+            </a:pPr>
+            <a:r>
+              <a:t/>
+            </a:r>
+            <a:endParaRPr sz="2400"/>
           </a:p>
           <a:p>
             <a:pPr indent="-228600" lvl="0" marL="274320" rtl="0" algn="l">
@@ -24022,9 +21392,28 @@
             </a:pPr>
             <a:r>
               <a:rPr lang="en-US" sz="2400"/>
-              <a:t>Ability to pick recipes related to diets and health needs.</a:t>
+              <a:t>Ability to favorite or save recipes.</a:t>
             </a:r>
             <a:endParaRPr/>
+          </a:p>
+          <a:p>
+            <a:pPr indent="-76200" lvl="0" marL="274320" rtl="0" algn="l">
+              <a:lnSpc>
+                <a:spcPct val="90000"/>
+              </a:lnSpc>
+              <a:spcBef>
+                <a:spcPts val="1800"/>
+              </a:spcBef>
+              <a:spcAft>
+                <a:spcPts val="0"/>
+              </a:spcAft>
+              <a:buSzPts val="2400"/>
+              <a:buNone/>
+            </a:pPr>
+            <a:r>
+              <a:t/>
+            </a:r>
+            <a:endParaRPr sz="2400"/>
           </a:p>
           <a:p>
             <a:pPr indent="-228600" lvl="0" marL="274320" rtl="0" algn="l">
@@ -24042,9 +21431,28 @@
             </a:pPr>
             <a:r>
               <a:rPr lang="en-US" sz="2400"/>
-              <a:t>Easy and advanced search engine for recipes. </a:t>
+              <a:t>Ability to create, edit, and delete recipes.</a:t>
             </a:r>
             <a:endParaRPr/>
+          </a:p>
+          <a:p>
+            <a:pPr indent="-76200" lvl="0" marL="274320" rtl="0" algn="l">
+              <a:lnSpc>
+                <a:spcPct val="90000"/>
+              </a:lnSpc>
+              <a:spcBef>
+                <a:spcPts val="1800"/>
+              </a:spcBef>
+              <a:spcAft>
+                <a:spcPts val="0"/>
+              </a:spcAft>
+              <a:buSzPts val="2400"/>
+              <a:buNone/>
+            </a:pPr>
+            <a:r>
+              <a:t/>
+            </a:r>
+            <a:endParaRPr sz="2400"/>
           </a:p>
           <a:p>
             <a:pPr indent="-228600" lvl="0" marL="274320" rtl="0" algn="l">
@@ -24062,47 +21470,7 @@
             </a:pPr>
             <a:r>
               <a:rPr lang="en-US" sz="2400"/>
-              <a:t>Clear instructions on meal preparation including images.</a:t>
-            </a:r>
-            <a:endParaRPr/>
-          </a:p>
-          <a:p>
-            <a:pPr indent="-228600" lvl="0" marL="274320" rtl="0" algn="l">
-              <a:lnSpc>
-                <a:spcPct val="90000"/>
-              </a:lnSpc>
-              <a:spcBef>
-                <a:spcPts val="1800"/>
-              </a:spcBef>
-              <a:spcAft>
-                <a:spcPts val="0"/>
-              </a:spcAft>
-              <a:buSzPts val="2400"/>
-              <a:buChar char="•"/>
-            </a:pPr>
-            <a:r>
-              <a:rPr lang="en-US" sz="2400"/>
-              <a:t>Recipe Information  at a glance for example, difficulty level, time etc. </a:t>
-            </a:r>
-            <a:endParaRPr/>
-          </a:p>
-          <a:p>
-            <a:pPr indent="-228600" lvl="0" marL="274320" rtl="0" algn="l">
-              <a:lnSpc>
-                <a:spcPct val="90000"/>
-              </a:lnSpc>
-              <a:spcBef>
-                <a:spcPts val="1800"/>
-              </a:spcBef>
-              <a:spcAft>
-                <a:spcPts val="0"/>
-              </a:spcAft>
-              <a:buSzPts val="2400"/>
-              <a:buChar char="•"/>
-            </a:pPr>
-            <a:r>
-              <a:rPr lang="en-US" sz="2400"/>
-              <a:t>Complete nutritional information of most meals.</a:t>
+              <a:t>The convenience of making and transferring a shopping list to a grocery store that has the option for home delivery. </a:t>
             </a:r>
             <a:endParaRPr/>
           </a:p>
@@ -24171,7 +21539,7 @@
   <p:cSld>
     <p:spTree>
       <p:nvGrpSpPr>
-        <p:cNvPr id="199" name="Shape 199"/>
+        <p:cNvPr id="179" name="Shape 179"/>
         <p:cNvGrpSpPr/>
         <p:nvPr/>
       </p:nvGrpSpPr>
@@ -24185,7 +21553,7 @@
       </p:grpSpPr>
       <p:sp>
         <p:nvSpPr>
-          <p:cNvPr id="200" name="Google Shape;200;p23"/>
+          <p:cNvPr id="180" name="Google Shape;180;p23"/>
           <p:cNvSpPr txBox="1"/>
           <p:nvPr>
             <p:ph type="title"/>
@@ -24194,7 +21562,7 @@
         <p:spPr>
           <a:xfrm>
             <a:off x="1522414" y="319088"/>
-            <a:ext cx="9144000" cy="823912"/>
+            <a:ext cx="9144000" cy="1143000"/>
           </a:xfrm>
           <a:prstGeom prst="rect">
             <a:avLst/>
@@ -24229,7 +21597,7 @@
             </a:pPr>
             <a:r>
               <a:rPr lang="en-US"/>
-              <a:t>Research feedback </a:t>
+              <a:t>Our Final Product</a:t>
             </a:r>
             <a:endParaRPr/>
           </a:p>
@@ -24237,7 +21605,7 @@
       </p:sp>
       <p:sp>
         <p:nvSpPr>
-          <p:cNvPr id="201" name="Google Shape;201;p23"/>
+          <p:cNvPr id="181" name="Google Shape;181;p23"/>
           <p:cNvSpPr txBox="1"/>
           <p:nvPr>
             <p:ph idx="1" type="body"/>
@@ -24245,8 +21613,8 @@
         </p:nvSpPr>
         <p:spPr>
           <a:xfrm>
-            <a:off x="1522414" y="1066800"/>
-            <a:ext cx="9144000" cy="5105400"/>
+            <a:off x="1522414" y="1600201"/>
+            <a:ext cx="9144000" cy="4572000"/>
           </a:xfrm>
           <a:prstGeom prst="rect">
             <a:avLst/>
@@ -24262,26 +21630,26 @@
           </a:bodyPr>
           <a:lstStyle/>
           <a:p>
-            <a:pPr indent="0" lvl="0" marL="45720" rtl="0" algn="l">
-              <a:lnSpc>
-                <a:spcPct val="90000"/>
-              </a:lnSpc>
-              <a:spcBef>
-                <a:spcPts val="0"/>
-              </a:spcBef>
-              <a:spcAft>
-                <a:spcPts val="0"/>
-              </a:spcAft>
-              <a:buSzPts val="2400"/>
+            <a:pPr indent="0" lvl="0" marL="45720" rtl="0" algn="ctr">
+              <a:lnSpc>
+                <a:spcPct val="90000"/>
+              </a:lnSpc>
+              <a:spcBef>
+                <a:spcPts val="0"/>
+              </a:spcBef>
+              <a:spcAft>
+                <a:spcPts val="0"/>
+              </a:spcAft>
+              <a:buSzPts val="2800"/>
               <a:buNone/>
             </a:pPr>
             <a:r>
               <a:t/>
             </a:r>
-            <a:endParaRPr sz="2400"/>
+            <a:endParaRPr sz="2800"/>
           </a:p>
           <a:p>
-            <a:pPr indent="-228600" lvl="0" marL="274320" rtl="0" algn="l">
+            <a:pPr indent="0" lvl="0" marL="45720" rtl="0" algn="ctr">
               <a:lnSpc>
                 <a:spcPct val="90000"/>
               </a:lnSpc>
@@ -24291,17 +21659,17 @@
               <a:spcAft>
                 <a:spcPts val="0"/>
               </a:spcAft>
-              <a:buSzPts val="2400"/>
-              <a:buChar char="•"/>
+              <a:buSzPts val="2800"/>
+              <a:buNone/>
             </a:pPr>
             <a:r>
-              <a:rPr lang="en-US" sz="2400"/>
-              <a:t>A platform to develop or organize a self cookbook. </a:t>
+              <a:rPr lang="en-US" sz="2800"/>
+              <a:t>A review of our initial idea and the requirements obtained, has delivered to us a product which we believe incorporates the solution to the cooking needs of people of all ages and different classes. Reciplease can be accessed through different devices and operating systems, for an interactive and seamless cooking experience.</a:t>
             </a:r>
             <a:endParaRPr/>
           </a:p>
           <a:p>
-            <a:pPr indent="0" lvl="0" marL="45720" rtl="0" algn="l">
+            <a:pPr indent="0" lvl="0" marL="45720" rtl="0" algn="ctr">
               <a:lnSpc>
                 <a:spcPct val="90000"/>
               </a:lnSpc>
@@ -24311,16 +21679,36 @@
               <a:spcAft>
                 <a:spcPts val="0"/>
               </a:spcAft>
-              <a:buSzPts val="2400"/>
+              <a:buSzPts val="2800"/>
+              <a:buNone/>
+            </a:pPr>
+            <a:r>
+              <a:rPr lang="en-US" sz="2800"/>
+              <a:t> Our feedback can be expressed in two words “fast and convenient”.</a:t>
+            </a:r>
+            <a:endParaRPr/>
+          </a:p>
+          <a:p>
+            <a:pPr indent="0" lvl="0" marL="45720" rtl="0" algn="ctr">
+              <a:lnSpc>
+                <a:spcPct val="90000"/>
+              </a:lnSpc>
+              <a:spcBef>
+                <a:spcPts val="1800"/>
+              </a:spcBef>
+              <a:spcAft>
+                <a:spcPts val="0"/>
+              </a:spcAft>
+              <a:buSzPts val="2800"/>
               <a:buNone/>
             </a:pPr>
             <a:r>
               <a:t/>
             </a:r>
-            <a:endParaRPr sz="2400"/>
+            <a:endParaRPr sz="2800"/>
           </a:p>
           <a:p>
-            <a:pPr indent="-228600" lvl="0" marL="274320" rtl="0" algn="l">
+            <a:pPr indent="0" lvl="0" marL="45720" rtl="0" algn="l">
               <a:lnSpc>
                 <a:spcPct val="90000"/>
               </a:lnSpc>
@@ -24330,111 +21718,13 @@
               <a:spcAft>
                 <a:spcPts val="0"/>
               </a:spcAft>
-              <a:buSzPts val="2400"/>
-              <a:buChar char="•"/>
-            </a:pPr>
-            <a:r>
-              <a:rPr lang="en-US" sz="2400"/>
-              <a:t>Ability to favorite or save recipes.</a:t>
-            </a:r>
-            <a:endParaRPr/>
-          </a:p>
-          <a:p>
-            <a:pPr indent="-76200" lvl="0" marL="274320" rtl="0" algn="l">
-              <a:lnSpc>
-                <a:spcPct val="90000"/>
-              </a:lnSpc>
-              <a:spcBef>
-                <a:spcPts val="1800"/>
-              </a:spcBef>
-              <a:spcAft>
-                <a:spcPts val="0"/>
-              </a:spcAft>
-              <a:buSzPts val="2400"/>
+              <a:buSzPts val="2000"/>
               <a:buNone/>
             </a:pPr>
             <a:r>
               <a:t/>
             </a:r>
-            <a:endParaRPr sz="2400"/>
-          </a:p>
-          <a:p>
-            <a:pPr indent="-228600" lvl="0" marL="274320" rtl="0" algn="l">
-              <a:lnSpc>
-                <a:spcPct val="90000"/>
-              </a:lnSpc>
-              <a:spcBef>
-                <a:spcPts val="1800"/>
-              </a:spcBef>
-              <a:spcAft>
-                <a:spcPts val="0"/>
-              </a:spcAft>
-              <a:buSzPts val="2400"/>
-              <a:buChar char="•"/>
-            </a:pPr>
-            <a:r>
-              <a:rPr lang="en-US" sz="2400"/>
-              <a:t>Ability to create, edit, and delete recipes.</a:t>
-            </a:r>
             <a:endParaRPr/>
-          </a:p>
-          <a:p>
-            <a:pPr indent="-76200" lvl="0" marL="274320" rtl="0" algn="l">
-              <a:lnSpc>
-                <a:spcPct val="90000"/>
-              </a:lnSpc>
-              <a:spcBef>
-                <a:spcPts val="1800"/>
-              </a:spcBef>
-              <a:spcAft>
-                <a:spcPts val="0"/>
-              </a:spcAft>
-              <a:buSzPts val="2400"/>
-              <a:buNone/>
-            </a:pPr>
-            <a:r>
-              <a:t/>
-            </a:r>
-            <a:endParaRPr sz="2400"/>
-          </a:p>
-          <a:p>
-            <a:pPr indent="-228600" lvl="0" marL="274320" rtl="0" algn="l">
-              <a:lnSpc>
-                <a:spcPct val="90000"/>
-              </a:lnSpc>
-              <a:spcBef>
-                <a:spcPts val="1800"/>
-              </a:spcBef>
-              <a:spcAft>
-                <a:spcPts val="0"/>
-              </a:spcAft>
-              <a:buSzPts val="2400"/>
-              <a:buChar char="•"/>
-            </a:pPr>
-            <a:r>
-              <a:rPr lang="en-US" sz="2400"/>
-              <a:t>The convenience of making and transferring a shopping list to a grocery store that has the option for home delivery. </a:t>
-            </a:r>
-            <a:endParaRPr/>
-          </a:p>
-          <a:p>
-            <a:pPr indent="-76200" lvl="0" marL="274320" rtl="0" algn="l">
-              <a:lnSpc>
-                <a:spcPct val="90000"/>
-              </a:lnSpc>
-              <a:spcBef>
-                <a:spcPts val="1800"/>
-              </a:spcBef>
-              <a:spcAft>
-                <a:spcPts val="0"/>
-              </a:spcAft>
-              <a:buSzPts val="2400"/>
-              <a:buNone/>
-            </a:pPr>
-            <a:r>
-              <a:t/>
-            </a:r>
-            <a:endParaRPr sz="2400"/>
           </a:p>
           <a:p>
             <a:pPr indent="0" lvl="0" marL="45720" rtl="0" algn="l">
@@ -24482,7 +21772,7 @@
   <p:cSld>
     <p:spTree>
       <p:nvGrpSpPr>
-        <p:cNvPr id="206" name="Shape 206"/>
+        <p:cNvPr id="186" name="Shape 186"/>
         <p:cNvGrpSpPr/>
         <p:nvPr/>
       </p:nvGrpSpPr>
@@ -24496,7 +21786,7 @@
       </p:grpSpPr>
       <p:sp>
         <p:nvSpPr>
-          <p:cNvPr id="207" name="Google Shape;207;p24"/>
+          <p:cNvPr id="187" name="Google Shape;187;p24"/>
           <p:cNvSpPr txBox="1"/>
           <p:nvPr>
             <p:ph type="title"/>
@@ -24505,7 +21795,7 @@
         <p:spPr>
           <a:xfrm>
             <a:off x="1522414" y="319088"/>
-            <a:ext cx="9144000" cy="1143000"/>
+            <a:ext cx="9144000" cy="581023"/>
           </a:xfrm>
           <a:prstGeom prst="rect">
             <a:avLst/>
@@ -24540,7 +21830,11 @@
             </a:pPr>
             <a:r>
               <a:rPr lang="en-US"/>
-              <a:t>Our Final Product</a:t>
+              <a:t>Reciplease </a:t>
+            </a:r>
+            <a:r>
+              <a:rPr lang="en-US" sz="3600"/>
+              <a:t>Flowchart</a:t>
             </a:r>
             <a:endParaRPr/>
           </a:p>
@@ -24548,7 +21842,7 @@
       </p:sp>
       <p:sp>
         <p:nvSpPr>
-          <p:cNvPr id="208" name="Google Shape;208;p24"/>
+          <p:cNvPr id="188" name="Google Shape;188;p24"/>
           <p:cNvSpPr txBox="1"/>
           <p:nvPr>
             <p:ph idx="1" type="body"/>
@@ -24556,8 +21850,8 @@
         </p:nvSpPr>
         <p:spPr>
           <a:xfrm>
-            <a:off x="1522414" y="1600201"/>
-            <a:ext cx="9144000" cy="4572000"/>
+            <a:off x="1522414" y="1075456"/>
+            <a:ext cx="9677398" cy="5607464"/>
           </a:xfrm>
           <a:prstGeom prst="rect">
             <a:avLst/>
@@ -24573,109 +21867,12 @@
           </a:bodyPr>
           <a:lstStyle/>
           <a:p>
-            <a:pPr indent="0" lvl="0" marL="45720" rtl="0" algn="ctr">
-              <a:lnSpc>
-                <a:spcPct val="90000"/>
-              </a:lnSpc>
-              <a:spcBef>
-                <a:spcPts val="0"/>
-              </a:spcBef>
-              <a:spcAft>
-                <a:spcPts val="0"/>
-              </a:spcAft>
-              <a:buSzPts val="2800"/>
-              <a:buNone/>
-            </a:pPr>
-            <a:r>
-              <a:t/>
-            </a:r>
-            <a:endParaRPr sz="2800"/>
-          </a:p>
-          <a:p>
-            <a:pPr indent="0" lvl="0" marL="45720" rtl="0" algn="ctr">
-              <a:lnSpc>
-                <a:spcPct val="90000"/>
-              </a:lnSpc>
-              <a:spcBef>
-                <a:spcPts val="1800"/>
-              </a:spcBef>
-              <a:spcAft>
-                <a:spcPts val="0"/>
-              </a:spcAft>
-              <a:buSzPts val="2800"/>
-              <a:buNone/>
-            </a:pPr>
-            <a:r>
-              <a:rPr lang="en-US" sz="2800"/>
-              <a:t>A review of our initial idea and the requirements obtained, has delivered to us a product which we believe incorporates the solution to the cooking needs of people of all ages and different classes. Reciplease can be accessed through different devices and operating systems, for an interactive and seamless cooking experience.</a:t>
-            </a:r>
-            <a:endParaRPr/>
-          </a:p>
-          <a:p>
-            <a:pPr indent="0" lvl="0" marL="45720" rtl="0" algn="ctr">
-              <a:lnSpc>
-                <a:spcPct val="90000"/>
-              </a:lnSpc>
-              <a:spcBef>
-                <a:spcPts val="1800"/>
-              </a:spcBef>
-              <a:spcAft>
-                <a:spcPts val="0"/>
-              </a:spcAft>
-              <a:buSzPts val="2800"/>
-              <a:buNone/>
-            </a:pPr>
-            <a:r>
-              <a:rPr lang="en-US" sz="2800"/>
-              <a:t> Our feedback can be expressed in two words “fast and convenient”.</a:t>
-            </a:r>
-            <a:endParaRPr/>
-          </a:p>
-          <a:p>
-            <a:pPr indent="0" lvl="0" marL="45720" rtl="0" algn="ctr">
-              <a:lnSpc>
-                <a:spcPct val="90000"/>
-              </a:lnSpc>
-              <a:spcBef>
-                <a:spcPts val="1800"/>
-              </a:spcBef>
-              <a:spcAft>
-                <a:spcPts val="0"/>
-              </a:spcAft>
-              <a:buSzPts val="2800"/>
-              <a:buNone/>
-            </a:pPr>
-            <a:r>
-              <a:t/>
-            </a:r>
-            <a:endParaRPr sz="2800"/>
-          </a:p>
-          <a:p>
             <a:pPr indent="0" lvl="0" marL="45720" rtl="0" algn="l">
               <a:lnSpc>
                 <a:spcPct val="90000"/>
               </a:lnSpc>
               <a:spcBef>
-                <a:spcPts val="1800"/>
-              </a:spcBef>
-              <a:spcAft>
-                <a:spcPts val="0"/>
-              </a:spcAft>
-              <a:buSzPts val="2000"/>
-              <a:buNone/>
-            </a:pPr>
-            <a:r>
-              <a:t/>
-            </a:r>
-            <a:endParaRPr/>
-          </a:p>
-          <a:p>
-            <a:pPr indent="0" lvl="0" marL="45720" rtl="0" algn="l">
-              <a:lnSpc>
-                <a:spcPct val="90000"/>
-              </a:lnSpc>
-              <a:spcBef>
-                <a:spcPts val="1800"/>
+                <a:spcPts val="0"/>
               </a:spcBef>
               <a:spcAft>
                 <a:spcPts val="0"/>
@@ -24690,6 +21887,1484 @@
           </a:p>
         </p:txBody>
       </p:sp>
+      <p:sp>
+        <p:nvSpPr>
+          <p:cNvPr id="189" name="Google Shape;189;p24"/>
+          <p:cNvSpPr/>
+          <p:nvPr/>
+        </p:nvSpPr>
+        <p:spPr>
+          <a:xfrm>
+            <a:off x="1536063" y="1659732"/>
+            <a:ext cx="1981200" cy="671400"/>
+          </a:xfrm>
+          <a:prstGeom prst="rect">
+            <a:avLst/>
+          </a:prstGeom>
+          <a:gradFill>
+            <a:gsLst>
+              <a:gs pos="0">
+                <a:srgbClr val="BCACCD"/>
+              </a:gs>
+              <a:gs pos="50000">
+                <a:srgbClr val="B19EC5"/>
+              </a:gs>
+              <a:gs pos="100000">
+                <a:srgbClr val="A68EBF"/>
+              </a:gs>
+            </a:gsLst>
+            <a:lin ang="5400000" scaled="0"/>
+          </a:gradFill>
+          <a:ln cap="flat" cmpd="sng" w="9525">
+            <a:solidFill>
+              <a:schemeClr val="accent6"/>
+            </a:solidFill>
+            <a:prstDash val="solid"/>
+            <a:miter lim="800000"/>
+            <a:headEnd len="sm" w="sm" type="none"/>
+            <a:tailEnd len="sm" w="sm" type="none"/>
+          </a:ln>
+        </p:spPr>
+        <p:txBody>
+          <a:bodyPr anchorCtr="0" anchor="ctr" bIns="45700" lIns="91425" spcFirstLastPara="1" rIns="91425" wrap="square" tIns="45700">
+            <a:noAutofit/>
+          </a:bodyPr>
+          <a:lstStyle/>
+          <a:p>
+            <a:pPr indent="0" lvl="0" marL="0" marR="0" rtl="0" algn="ctr">
+              <a:spcBef>
+                <a:spcPts val="0"/>
+              </a:spcBef>
+              <a:spcAft>
+                <a:spcPts val="0"/>
+              </a:spcAft>
+              <a:buNone/>
+            </a:pPr>
+            <a:r>
+              <a:rPr b="0" i="0" lang="en-US" sz="1800" u="none" cap="none" strike="noStrike">
+                <a:solidFill>
+                  <a:schemeClr val="dk1"/>
+                </a:solidFill>
+                <a:latin typeface="Cambria"/>
+                <a:ea typeface="Cambria"/>
+                <a:cs typeface="Cambria"/>
+                <a:sym typeface="Cambria"/>
+              </a:rPr>
+              <a:t>Homepage</a:t>
+            </a:r>
+            <a:endParaRPr/>
+          </a:p>
+        </p:txBody>
+      </p:sp>
+      <p:sp>
+        <p:nvSpPr>
+          <p:cNvPr id="190" name="Google Shape;190;p24"/>
+          <p:cNvSpPr/>
+          <p:nvPr/>
+        </p:nvSpPr>
+        <p:spPr>
+          <a:xfrm>
+            <a:off x="6732904" y="2554688"/>
+            <a:ext cx="1815149" cy="583801"/>
+          </a:xfrm>
+          <a:prstGeom prst="rect">
+            <a:avLst/>
+          </a:prstGeom>
+          <a:gradFill>
+            <a:gsLst>
+              <a:gs pos="0">
+                <a:srgbClr val="BCACCD"/>
+              </a:gs>
+              <a:gs pos="50000">
+                <a:srgbClr val="B19EC5"/>
+              </a:gs>
+              <a:gs pos="100000">
+                <a:srgbClr val="A68EBF"/>
+              </a:gs>
+            </a:gsLst>
+            <a:lin ang="5400000" scaled="0"/>
+          </a:gradFill>
+          <a:ln cap="flat" cmpd="sng" w="9525">
+            <a:solidFill>
+              <a:schemeClr val="accent6"/>
+            </a:solidFill>
+            <a:prstDash val="solid"/>
+            <a:miter lim="800000"/>
+            <a:headEnd len="sm" w="sm" type="none"/>
+            <a:tailEnd len="sm" w="sm" type="none"/>
+          </a:ln>
+        </p:spPr>
+        <p:txBody>
+          <a:bodyPr anchorCtr="0" anchor="ctr" bIns="45700" lIns="91425" spcFirstLastPara="1" rIns="91425" wrap="square" tIns="45700">
+            <a:noAutofit/>
+          </a:bodyPr>
+          <a:lstStyle/>
+          <a:p>
+            <a:pPr indent="0" lvl="0" marL="0" marR="0" rtl="0" algn="ctr">
+              <a:spcBef>
+                <a:spcPts val="0"/>
+              </a:spcBef>
+              <a:spcAft>
+                <a:spcPts val="0"/>
+              </a:spcAft>
+              <a:buNone/>
+            </a:pPr>
+            <a:r>
+              <a:rPr b="0" i="0" lang="en-US" sz="1800" u="none" cap="none" strike="noStrike">
+                <a:solidFill>
+                  <a:schemeClr val="dk1"/>
+                </a:solidFill>
+                <a:latin typeface="Cambria"/>
+                <a:ea typeface="Cambria"/>
+                <a:cs typeface="Cambria"/>
+                <a:sym typeface="Cambria"/>
+              </a:rPr>
+              <a:t>Myrecipe page</a:t>
+            </a:r>
+            <a:endParaRPr/>
+          </a:p>
+        </p:txBody>
+      </p:sp>
+      <p:sp>
+        <p:nvSpPr>
+          <p:cNvPr id="191" name="Google Shape;191;p24"/>
+          <p:cNvSpPr/>
+          <p:nvPr/>
+        </p:nvSpPr>
+        <p:spPr>
+          <a:xfrm>
+            <a:off x="6690359" y="1663780"/>
+            <a:ext cx="1828801" cy="671512"/>
+          </a:xfrm>
+          <a:prstGeom prst="rect">
+            <a:avLst/>
+          </a:prstGeom>
+          <a:gradFill>
+            <a:gsLst>
+              <a:gs pos="0">
+                <a:srgbClr val="BCACCD"/>
+              </a:gs>
+              <a:gs pos="50000">
+                <a:srgbClr val="B19EC5"/>
+              </a:gs>
+              <a:gs pos="100000">
+                <a:srgbClr val="A68EBF"/>
+              </a:gs>
+            </a:gsLst>
+            <a:lin ang="5400000" scaled="0"/>
+          </a:gradFill>
+          <a:ln cap="flat" cmpd="sng" w="9525">
+            <a:solidFill>
+              <a:schemeClr val="accent6"/>
+            </a:solidFill>
+            <a:prstDash val="solid"/>
+            <a:miter lim="800000"/>
+            <a:headEnd len="sm" w="sm" type="none"/>
+            <a:tailEnd len="sm" w="sm" type="none"/>
+          </a:ln>
+        </p:spPr>
+        <p:txBody>
+          <a:bodyPr anchorCtr="0" anchor="ctr" bIns="45700" lIns="91425" spcFirstLastPara="1" rIns="91425" wrap="square" tIns="45700">
+            <a:noAutofit/>
+          </a:bodyPr>
+          <a:lstStyle/>
+          <a:p>
+            <a:pPr indent="0" lvl="0" marL="0" marR="0" rtl="0" algn="ctr">
+              <a:spcBef>
+                <a:spcPts val="0"/>
+              </a:spcBef>
+              <a:spcAft>
+                <a:spcPts val="0"/>
+              </a:spcAft>
+              <a:buNone/>
+            </a:pPr>
+            <a:r>
+              <a:rPr b="0" i="0" lang="en-US" sz="1800" u="none" cap="none" strike="noStrike">
+                <a:solidFill>
+                  <a:schemeClr val="dk1"/>
+                </a:solidFill>
+                <a:latin typeface="Cambria"/>
+                <a:ea typeface="Cambria"/>
+                <a:cs typeface="Cambria"/>
+                <a:sym typeface="Cambria"/>
+              </a:rPr>
+              <a:t>Advanced search</a:t>
+            </a:r>
+            <a:endParaRPr/>
+          </a:p>
+        </p:txBody>
+      </p:sp>
+      <p:cxnSp>
+        <p:nvCxnSpPr>
+          <p:cNvPr id="192" name="Google Shape;192;p24"/>
+          <p:cNvCxnSpPr/>
+          <p:nvPr/>
+        </p:nvCxnSpPr>
+        <p:spPr>
+          <a:xfrm>
+            <a:off x="6080759" y="1964533"/>
+            <a:ext cx="609600" cy="0"/>
+          </a:xfrm>
+          <a:prstGeom prst="straightConnector1">
+            <a:avLst/>
+          </a:prstGeom>
+          <a:noFill/>
+          <a:ln cap="flat" cmpd="sng" w="9525">
+            <a:solidFill>
+              <a:schemeClr val="accent1"/>
+            </a:solidFill>
+            <a:prstDash val="solid"/>
+            <a:miter lim="800000"/>
+            <a:headEnd len="sm" w="sm" type="none"/>
+            <a:tailEnd len="med" w="med" type="triangle"/>
+          </a:ln>
+        </p:spPr>
+      </p:cxnSp>
+      <p:sp>
+        <p:nvSpPr>
+          <p:cNvPr id="193" name="Google Shape;193;p24"/>
+          <p:cNvSpPr/>
+          <p:nvPr/>
+        </p:nvSpPr>
+        <p:spPr>
+          <a:xfrm>
+            <a:off x="4099561" y="1689499"/>
+            <a:ext cx="1981200" cy="671512"/>
+          </a:xfrm>
+          <a:prstGeom prst="rect">
+            <a:avLst/>
+          </a:prstGeom>
+          <a:gradFill>
+            <a:gsLst>
+              <a:gs pos="0">
+                <a:srgbClr val="BCACCD"/>
+              </a:gs>
+              <a:gs pos="50000">
+                <a:srgbClr val="B19EC5"/>
+              </a:gs>
+              <a:gs pos="100000">
+                <a:srgbClr val="A68EBF"/>
+              </a:gs>
+            </a:gsLst>
+            <a:lin ang="5400000" scaled="0"/>
+          </a:gradFill>
+          <a:ln cap="flat" cmpd="sng" w="9525">
+            <a:solidFill>
+              <a:schemeClr val="accent6"/>
+            </a:solidFill>
+            <a:prstDash val="solid"/>
+            <a:miter lim="800000"/>
+            <a:headEnd len="sm" w="sm" type="none"/>
+            <a:tailEnd len="sm" w="sm" type="none"/>
+          </a:ln>
+        </p:spPr>
+        <p:txBody>
+          <a:bodyPr anchorCtr="0" anchor="ctr" bIns="45700" lIns="91425" spcFirstLastPara="1" rIns="91425" wrap="square" tIns="45700">
+            <a:noAutofit/>
+          </a:bodyPr>
+          <a:lstStyle/>
+          <a:p>
+            <a:pPr indent="0" lvl="0" marL="0" marR="0" rtl="0" algn="ctr">
+              <a:spcBef>
+                <a:spcPts val="0"/>
+              </a:spcBef>
+              <a:spcAft>
+                <a:spcPts val="0"/>
+              </a:spcAft>
+              <a:buNone/>
+            </a:pPr>
+            <a:r>
+              <a:rPr b="0" i="0" lang="en-US" sz="1800" u="none" cap="none" strike="noStrike">
+                <a:solidFill>
+                  <a:schemeClr val="dk1"/>
+                </a:solidFill>
+                <a:latin typeface="Cambria"/>
+                <a:ea typeface="Cambria"/>
+                <a:cs typeface="Cambria"/>
+                <a:sym typeface="Cambria"/>
+              </a:rPr>
+              <a:t>Search</a:t>
+            </a:r>
+            <a:endParaRPr/>
+          </a:p>
+        </p:txBody>
+      </p:sp>
+      <p:sp>
+        <p:nvSpPr>
+          <p:cNvPr id="194" name="Google Shape;194;p24"/>
+          <p:cNvSpPr/>
+          <p:nvPr/>
+        </p:nvSpPr>
+        <p:spPr>
+          <a:xfrm>
+            <a:off x="6744340" y="3516877"/>
+            <a:ext cx="1803713" cy="583801"/>
+          </a:xfrm>
+          <a:prstGeom prst="rect">
+            <a:avLst/>
+          </a:prstGeom>
+          <a:gradFill>
+            <a:gsLst>
+              <a:gs pos="0">
+                <a:srgbClr val="BCACCD"/>
+              </a:gs>
+              <a:gs pos="50000">
+                <a:srgbClr val="B19EC5"/>
+              </a:gs>
+              <a:gs pos="100000">
+                <a:srgbClr val="A68EBF"/>
+              </a:gs>
+            </a:gsLst>
+            <a:lin ang="5400000" scaled="0"/>
+          </a:gradFill>
+          <a:ln cap="flat" cmpd="sng" w="9525">
+            <a:solidFill>
+              <a:schemeClr val="accent6"/>
+            </a:solidFill>
+            <a:prstDash val="solid"/>
+            <a:miter lim="800000"/>
+            <a:headEnd len="sm" w="sm" type="none"/>
+            <a:tailEnd len="sm" w="sm" type="none"/>
+          </a:ln>
+        </p:spPr>
+        <p:txBody>
+          <a:bodyPr anchorCtr="0" anchor="ctr" bIns="45700" lIns="91425" spcFirstLastPara="1" rIns="91425" wrap="square" tIns="45700">
+            <a:noAutofit/>
+          </a:bodyPr>
+          <a:lstStyle/>
+          <a:p>
+            <a:pPr indent="0" lvl="0" marL="0" marR="0" rtl="0" algn="ctr">
+              <a:spcBef>
+                <a:spcPts val="0"/>
+              </a:spcBef>
+              <a:spcAft>
+                <a:spcPts val="0"/>
+              </a:spcAft>
+              <a:buNone/>
+            </a:pPr>
+            <a:r>
+              <a:rPr b="0" i="0" lang="en-US" sz="1800" u="none" cap="none" strike="noStrike">
+                <a:solidFill>
+                  <a:schemeClr val="dk1"/>
+                </a:solidFill>
+                <a:latin typeface="Cambria"/>
+                <a:ea typeface="Cambria"/>
+                <a:cs typeface="Cambria"/>
+                <a:sym typeface="Cambria"/>
+              </a:rPr>
+              <a:t>Favorites</a:t>
+            </a:r>
+            <a:endParaRPr/>
+          </a:p>
+        </p:txBody>
+      </p:sp>
+      <p:sp>
+        <p:nvSpPr>
+          <p:cNvPr id="195" name="Google Shape;195;p24"/>
+          <p:cNvSpPr/>
+          <p:nvPr/>
+        </p:nvSpPr>
+        <p:spPr>
+          <a:xfrm>
+            <a:off x="10111729" y="5951972"/>
+            <a:ext cx="841127" cy="586940"/>
+          </a:xfrm>
+          <a:prstGeom prst="rect">
+            <a:avLst/>
+          </a:prstGeom>
+          <a:gradFill>
+            <a:gsLst>
+              <a:gs pos="0">
+                <a:srgbClr val="BCACCD"/>
+              </a:gs>
+              <a:gs pos="50000">
+                <a:srgbClr val="B19EC5"/>
+              </a:gs>
+              <a:gs pos="100000">
+                <a:srgbClr val="A68EBF"/>
+              </a:gs>
+            </a:gsLst>
+            <a:lin ang="5400000" scaled="0"/>
+          </a:gradFill>
+          <a:ln cap="flat" cmpd="sng" w="9525">
+            <a:solidFill>
+              <a:schemeClr val="accent6"/>
+            </a:solidFill>
+            <a:prstDash val="solid"/>
+            <a:miter lim="800000"/>
+            <a:headEnd len="sm" w="sm" type="none"/>
+            <a:tailEnd len="sm" w="sm" type="none"/>
+          </a:ln>
+        </p:spPr>
+        <p:txBody>
+          <a:bodyPr anchorCtr="0" anchor="ctr" bIns="45700" lIns="91425" spcFirstLastPara="1" rIns="91425" wrap="square" tIns="45700">
+            <a:noAutofit/>
+          </a:bodyPr>
+          <a:lstStyle/>
+          <a:p>
+            <a:pPr indent="0" lvl="0" marL="0" marR="0" rtl="0" algn="ctr">
+              <a:spcBef>
+                <a:spcPts val="0"/>
+              </a:spcBef>
+              <a:spcAft>
+                <a:spcPts val="0"/>
+              </a:spcAft>
+              <a:buNone/>
+            </a:pPr>
+            <a:r>
+              <a:rPr b="0" i="0" lang="en-US" sz="1800" u="none" cap="none" strike="noStrike">
+                <a:solidFill>
+                  <a:schemeClr val="dk1"/>
+                </a:solidFill>
+                <a:latin typeface="Cambria"/>
+                <a:ea typeface="Cambria"/>
+                <a:cs typeface="Cambria"/>
+                <a:sym typeface="Cambria"/>
+              </a:rPr>
+              <a:t>Delete</a:t>
+            </a:r>
+            <a:endParaRPr/>
+          </a:p>
+        </p:txBody>
+      </p:sp>
+      <p:sp>
+        <p:nvSpPr>
+          <p:cNvPr id="196" name="Google Shape;196;p24"/>
+          <p:cNvSpPr/>
+          <p:nvPr/>
+        </p:nvSpPr>
+        <p:spPr>
+          <a:xfrm>
+            <a:off x="6752912" y="4433246"/>
+            <a:ext cx="1815149" cy="519752"/>
+          </a:xfrm>
+          <a:prstGeom prst="rect">
+            <a:avLst/>
+          </a:prstGeom>
+          <a:gradFill>
+            <a:gsLst>
+              <a:gs pos="0">
+                <a:srgbClr val="BCACCD"/>
+              </a:gs>
+              <a:gs pos="50000">
+                <a:srgbClr val="B19EC5"/>
+              </a:gs>
+              <a:gs pos="100000">
+                <a:srgbClr val="A68EBF"/>
+              </a:gs>
+            </a:gsLst>
+            <a:lin ang="5400000" scaled="0"/>
+          </a:gradFill>
+          <a:ln cap="flat" cmpd="sng" w="9525">
+            <a:solidFill>
+              <a:schemeClr val="accent6"/>
+            </a:solidFill>
+            <a:prstDash val="solid"/>
+            <a:miter lim="800000"/>
+            <a:headEnd len="sm" w="sm" type="none"/>
+            <a:tailEnd len="sm" w="sm" type="none"/>
+          </a:ln>
+        </p:spPr>
+        <p:txBody>
+          <a:bodyPr anchorCtr="0" anchor="ctr" bIns="45700" lIns="91425" spcFirstLastPara="1" rIns="91425" wrap="square" tIns="45700">
+            <a:noAutofit/>
+          </a:bodyPr>
+          <a:lstStyle/>
+          <a:p>
+            <a:pPr indent="0" lvl="0" marL="0" marR="0" rtl="0" algn="ctr">
+              <a:spcBef>
+                <a:spcPts val="0"/>
+              </a:spcBef>
+              <a:spcAft>
+                <a:spcPts val="0"/>
+              </a:spcAft>
+              <a:buNone/>
+            </a:pPr>
+            <a:r>
+              <a:rPr b="0" i="0" lang="en-US" sz="1800" u="none" cap="none" strike="noStrike">
+                <a:solidFill>
+                  <a:schemeClr val="dk1"/>
+                </a:solidFill>
+                <a:latin typeface="Cambria"/>
+                <a:ea typeface="Cambria"/>
+                <a:cs typeface="Cambria"/>
+                <a:sym typeface="Cambria"/>
+              </a:rPr>
+              <a:t>MyCart</a:t>
+            </a:r>
+            <a:endParaRPr b="0" i="0" sz="1800" u="none" cap="none" strike="noStrike">
+              <a:solidFill>
+                <a:schemeClr val="dk1"/>
+              </a:solidFill>
+              <a:latin typeface="Cambria"/>
+              <a:ea typeface="Cambria"/>
+              <a:cs typeface="Cambria"/>
+              <a:sym typeface="Cambria"/>
+            </a:endParaRPr>
+          </a:p>
+        </p:txBody>
+      </p:sp>
+      <p:sp>
+        <p:nvSpPr>
+          <p:cNvPr id="197" name="Google Shape;197;p24"/>
+          <p:cNvSpPr/>
+          <p:nvPr/>
+        </p:nvSpPr>
+        <p:spPr>
+          <a:xfrm>
+            <a:off x="10105802" y="5130156"/>
+            <a:ext cx="849299" cy="572876"/>
+          </a:xfrm>
+          <a:prstGeom prst="rect">
+            <a:avLst/>
+          </a:prstGeom>
+          <a:gradFill>
+            <a:gsLst>
+              <a:gs pos="0">
+                <a:srgbClr val="BCACCD"/>
+              </a:gs>
+              <a:gs pos="50000">
+                <a:srgbClr val="B19EC5"/>
+              </a:gs>
+              <a:gs pos="100000">
+                <a:srgbClr val="A68EBF"/>
+              </a:gs>
+            </a:gsLst>
+            <a:lin ang="5400000" scaled="0"/>
+          </a:gradFill>
+          <a:ln cap="flat" cmpd="sng" w="9525">
+            <a:solidFill>
+              <a:schemeClr val="accent6"/>
+            </a:solidFill>
+            <a:prstDash val="solid"/>
+            <a:miter lim="800000"/>
+            <a:headEnd len="sm" w="sm" type="none"/>
+            <a:tailEnd len="sm" w="sm" type="none"/>
+          </a:ln>
+        </p:spPr>
+        <p:txBody>
+          <a:bodyPr anchorCtr="0" anchor="ctr" bIns="45700" lIns="91425" spcFirstLastPara="1" rIns="91425" wrap="square" tIns="45700">
+            <a:noAutofit/>
+          </a:bodyPr>
+          <a:lstStyle/>
+          <a:p>
+            <a:pPr indent="0" lvl="0" marL="0" marR="0" rtl="0" algn="ctr">
+              <a:spcBef>
+                <a:spcPts val="0"/>
+              </a:spcBef>
+              <a:spcAft>
+                <a:spcPts val="0"/>
+              </a:spcAft>
+              <a:buNone/>
+            </a:pPr>
+            <a:r>
+              <a:rPr b="0" i="0" lang="en-US" sz="1800" u="none" cap="none" strike="noStrike">
+                <a:solidFill>
+                  <a:schemeClr val="dk1"/>
+                </a:solidFill>
+                <a:latin typeface="Cambria"/>
+                <a:ea typeface="Cambria"/>
+                <a:cs typeface="Cambria"/>
+                <a:sym typeface="Cambria"/>
+              </a:rPr>
+              <a:t>View</a:t>
+            </a:r>
+            <a:endParaRPr/>
+          </a:p>
+        </p:txBody>
+      </p:sp>
+      <p:sp>
+        <p:nvSpPr>
+          <p:cNvPr id="198" name="Google Shape;198;p24"/>
+          <p:cNvSpPr/>
+          <p:nvPr/>
+        </p:nvSpPr>
+        <p:spPr>
+          <a:xfrm>
+            <a:off x="9127168" y="5133141"/>
+            <a:ext cx="948692" cy="583799"/>
+          </a:xfrm>
+          <a:prstGeom prst="rect">
+            <a:avLst/>
+          </a:prstGeom>
+          <a:gradFill>
+            <a:gsLst>
+              <a:gs pos="0">
+                <a:srgbClr val="BCACCD"/>
+              </a:gs>
+              <a:gs pos="50000">
+                <a:srgbClr val="B19EC5"/>
+              </a:gs>
+              <a:gs pos="100000">
+                <a:srgbClr val="A68EBF"/>
+              </a:gs>
+            </a:gsLst>
+            <a:lin ang="5400000" scaled="0"/>
+          </a:gradFill>
+          <a:ln cap="flat" cmpd="sng" w="9525">
+            <a:solidFill>
+              <a:schemeClr val="accent6"/>
+            </a:solidFill>
+            <a:prstDash val="solid"/>
+            <a:miter lim="800000"/>
+            <a:headEnd len="sm" w="sm" type="none"/>
+            <a:tailEnd len="sm" w="sm" type="none"/>
+          </a:ln>
+        </p:spPr>
+        <p:txBody>
+          <a:bodyPr anchorCtr="0" anchor="ctr" bIns="45700" lIns="91425" spcFirstLastPara="1" rIns="91425" wrap="square" tIns="45700">
+            <a:noAutofit/>
+          </a:bodyPr>
+          <a:lstStyle/>
+          <a:p>
+            <a:pPr indent="0" lvl="0" marL="0" marR="0" rtl="0" algn="ctr">
+              <a:spcBef>
+                <a:spcPts val="0"/>
+              </a:spcBef>
+              <a:spcAft>
+                <a:spcPts val="0"/>
+              </a:spcAft>
+              <a:buNone/>
+            </a:pPr>
+            <a:r>
+              <a:rPr b="0" i="0" lang="en-US" sz="1800" u="none" cap="none" strike="noStrike">
+                <a:solidFill>
+                  <a:schemeClr val="dk1"/>
+                </a:solidFill>
+                <a:latin typeface="Cambria"/>
+                <a:ea typeface="Cambria"/>
+                <a:cs typeface="Cambria"/>
+                <a:sym typeface="Cambria"/>
+              </a:rPr>
+              <a:t>Create</a:t>
+            </a:r>
+            <a:endParaRPr/>
+          </a:p>
+        </p:txBody>
+      </p:sp>
+      <p:sp>
+        <p:nvSpPr>
+          <p:cNvPr id="199" name="Google Shape;199;p24"/>
+          <p:cNvSpPr/>
+          <p:nvPr/>
+        </p:nvSpPr>
+        <p:spPr>
+          <a:xfrm>
+            <a:off x="9108119" y="4433246"/>
+            <a:ext cx="1828801" cy="519752"/>
+          </a:xfrm>
+          <a:prstGeom prst="rect">
+            <a:avLst/>
+          </a:prstGeom>
+          <a:gradFill>
+            <a:gsLst>
+              <a:gs pos="0">
+                <a:srgbClr val="BCACCD"/>
+              </a:gs>
+              <a:gs pos="50000">
+                <a:srgbClr val="B19EC5"/>
+              </a:gs>
+              <a:gs pos="100000">
+                <a:srgbClr val="A68EBF"/>
+              </a:gs>
+            </a:gsLst>
+            <a:lin ang="5400000" scaled="0"/>
+          </a:gradFill>
+          <a:ln cap="flat" cmpd="sng" w="9525">
+            <a:solidFill>
+              <a:schemeClr val="accent6"/>
+            </a:solidFill>
+            <a:prstDash val="solid"/>
+            <a:miter lim="800000"/>
+            <a:headEnd len="sm" w="sm" type="none"/>
+            <a:tailEnd len="sm" w="sm" type="none"/>
+          </a:ln>
+        </p:spPr>
+        <p:txBody>
+          <a:bodyPr anchorCtr="0" anchor="ctr" bIns="45700" lIns="91425" spcFirstLastPara="1" rIns="91425" wrap="square" tIns="45700">
+            <a:noAutofit/>
+          </a:bodyPr>
+          <a:lstStyle/>
+          <a:p>
+            <a:pPr indent="0" lvl="0" marL="0" marR="0" rtl="0" algn="ctr">
+              <a:spcBef>
+                <a:spcPts val="0"/>
+              </a:spcBef>
+              <a:spcAft>
+                <a:spcPts val="0"/>
+              </a:spcAft>
+              <a:buNone/>
+            </a:pPr>
+            <a:r>
+              <a:rPr b="0" i="0" lang="en-US" sz="1800" u="none" cap="none" strike="noStrike">
+                <a:solidFill>
+                  <a:schemeClr val="dk1"/>
+                </a:solidFill>
+                <a:latin typeface="Cambria"/>
+                <a:ea typeface="Cambria"/>
+                <a:cs typeface="Cambria"/>
+                <a:sym typeface="Cambria"/>
+              </a:rPr>
+              <a:t>Shopping Cart</a:t>
+            </a:r>
+            <a:endParaRPr/>
+          </a:p>
+        </p:txBody>
+      </p:sp>
+      <p:sp>
+        <p:nvSpPr>
+          <p:cNvPr id="200" name="Google Shape;200;p24"/>
+          <p:cNvSpPr/>
+          <p:nvPr/>
+        </p:nvSpPr>
+        <p:spPr>
+          <a:xfrm>
+            <a:off x="4099561" y="3550564"/>
+            <a:ext cx="1981200" cy="671512"/>
+          </a:xfrm>
+          <a:prstGeom prst="rect">
+            <a:avLst/>
+          </a:prstGeom>
+          <a:gradFill>
+            <a:gsLst>
+              <a:gs pos="0">
+                <a:srgbClr val="BCACCD"/>
+              </a:gs>
+              <a:gs pos="50000">
+                <a:srgbClr val="B19EC5"/>
+              </a:gs>
+              <a:gs pos="100000">
+                <a:srgbClr val="A68EBF"/>
+              </a:gs>
+            </a:gsLst>
+            <a:lin ang="5400000" scaled="0"/>
+          </a:gradFill>
+          <a:ln cap="flat" cmpd="sng" w="9525">
+            <a:solidFill>
+              <a:schemeClr val="accent6"/>
+            </a:solidFill>
+            <a:prstDash val="solid"/>
+            <a:miter lim="800000"/>
+            <a:headEnd len="sm" w="sm" type="none"/>
+            <a:tailEnd len="sm" w="sm" type="none"/>
+          </a:ln>
+        </p:spPr>
+        <p:txBody>
+          <a:bodyPr anchorCtr="0" anchor="ctr" bIns="45700" lIns="91425" spcFirstLastPara="1" rIns="91425" wrap="square" tIns="45700">
+            <a:noAutofit/>
+          </a:bodyPr>
+          <a:lstStyle/>
+          <a:p>
+            <a:pPr indent="0" lvl="0" marL="0" marR="0" rtl="0" algn="ctr">
+              <a:spcBef>
+                <a:spcPts val="0"/>
+              </a:spcBef>
+              <a:spcAft>
+                <a:spcPts val="0"/>
+              </a:spcAft>
+              <a:buNone/>
+            </a:pPr>
+            <a:r>
+              <a:rPr b="0" i="0" lang="en-US" sz="1800" u="none" cap="none" strike="noStrike">
+                <a:solidFill>
+                  <a:schemeClr val="dk1"/>
+                </a:solidFill>
+                <a:latin typeface="Cambria"/>
+                <a:ea typeface="Cambria"/>
+                <a:cs typeface="Cambria"/>
+                <a:sym typeface="Cambria"/>
+              </a:rPr>
+              <a:t>Sign-In</a:t>
+            </a:r>
+            <a:endParaRPr/>
+          </a:p>
+        </p:txBody>
+      </p:sp>
+      <p:sp>
+        <p:nvSpPr>
+          <p:cNvPr id="201" name="Google Shape;201;p24"/>
+          <p:cNvSpPr/>
+          <p:nvPr/>
+        </p:nvSpPr>
+        <p:spPr>
+          <a:xfrm>
+            <a:off x="9120938" y="5966037"/>
+            <a:ext cx="948692" cy="572875"/>
+          </a:xfrm>
+          <a:prstGeom prst="rect">
+            <a:avLst/>
+          </a:prstGeom>
+          <a:gradFill>
+            <a:gsLst>
+              <a:gs pos="0">
+                <a:srgbClr val="BCACCD"/>
+              </a:gs>
+              <a:gs pos="50000">
+                <a:srgbClr val="B19EC5"/>
+              </a:gs>
+              <a:gs pos="100000">
+                <a:srgbClr val="A68EBF"/>
+              </a:gs>
+            </a:gsLst>
+            <a:lin ang="5400000" scaled="0"/>
+          </a:gradFill>
+          <a:ln cap="flat" cmpd="sng" w="9525">
+            <a:solidFill>
+              <a:schemeClr val="accent6"/>
+            </a:solidFill>
+            <a:prstDash val="solid"/>
+            <a:miter lim="800000"/>
+            <a:headEnd len="sm" w="sm" type="none"/>
+            <a:tailEnd len="sm" w="sm" type="none"/>
+          </a:ln>
+        </p:spPr>
+        <p:txBody>
+          <a:bodyPr anchorCtr="0" anchor="ctr" bIns="45700" lIns="91425" spcFirstLastPara="1" rIns="91425" wrap="square" tIns="45700">
+            <a:noAutofit/>
+          </a:bodyPr>
+          <a:lstStyle/>
+          <a:p>
+            <a:pPr indent="0" lvl="0" marL="0" marR="0" rtl="0" algn="ctr">
+              <a:spcBef>
+                <a:spcPts val="0"/>
+              </a:spcBef>
+              <a:spcAft>
+                <a:spcPts val="0"/>
+              </a:spcAft>
+              <a:buNone/>
+            </a:pPr>
+            <a:r>
+              <a:rPr b="0" i="0" lang="en-US" sz="1800" u="none" cap="none" strike="noStrike">
+                <a:solidFill>
+                  <a:schemeClr val="dk1"/>
+                </a:solidFill>
+                <a:latin typeface="Cambria"/>
+                <a:ea typeface="Cambria"/>
+                <a:cs typeface="Cambria"/>
+                <a:sym typeface="Cambria"/>
+              </a:rPr>
+              <a:t>Update</a:t>
+            </a:r>
+            <a:endParaRPr/>
+          </a:p>
+        </p:txBody>
+      </p:sp>
+      <p:sp>
+        <p:nvSpPr>
+          <p:cNvPr id="202" name="Google Shape;202;p24"/>
+          <p:cNvSpPr/>
+          <p:nvPr/>
+        </p:nvSpPr>
+        <p:spPr>
+          <a:xfrm>
+            <a:off x="4106387" y="2604433"/>
+            <a:ext cx="1981200" cy="671512"/>
+          </a:xfrm>
+          <a:prstGeom prst="rect">
+            <a:avLst/>
+          </a:prstGeom>
+          <a:gradFill>
+            <a:gsLst>
+              <a:gs pos="0">
+                <a:srgbClr val="BCACCD"/>
+              </a:gs>
+              <a:gs pos="50000">
+                <a:srgbClr val="B19EC5"/>
+              </a:gs>
+              <a:gs pos="100000">
+                <a:srgbClr val="A68EBF"/>
+              </a:gs>
+            </a:gsLst>
+            <a:lin ang="5400000" scaled="0"/>
+          </a:gradFill>
+          <a:ln cap="flat" cmpd="sng" w="9525">
+            <a:solidFill>
+              <a:schemeClr val="accent6"/>
+            </a:solidFill>
+            <a:prstDash val="solid"/>
+            <a:miter lim="800000"/>
+            <a:headEnd len="sm" w="sm" type="none"/>
+            <a:tailEnd len="sm" w="sm" type="none"/>
+          </a:ln>
+        </p:spPr>
+        <p:txBody>
+          <a:bodyPr anchorCtr="0" anchor="ctr" bIns="45700" lIns="91425" spcFirstLastPara="1" rIns="91425" wrap="square" tIns="45700">
+            <a:noAutofit/>
+          </a:bodyPr>
+          <a:lstStyle/>
+          <a:p>
+            <a:pPr indent="0" lvl="0" marL="0" marR="0" rtl="0" algn="ctr">
+              <a:spcBef>
+                <a:spcPts val="0"/>
+              </a:spcBef>
+              <a:spcAft>
+                <a:spcPts val="0"/>
+              </a:spcAft>
+              <a:buNone/>
+            </a:pPr>
+            <a:r>
+              <a:rPr b="0" i="0" lang="en-US" sz="1800" u="none" cap="none" strike="noStrike">
+                <a:solidFill>
+                  <a:schemeClr val="dk1"/>
+                </a:solidFill>
+                <a:latin typeface="Cambria"/>
+                <a:ea typeface="Cambria"/>
+                <a:cs typeface="Cambria"/>
+                <a:sym typeface="Cambria"/>
+              </a:rPr>
+              <a:t>Sign up</a:t>
+            </a:r>
+            <a:endParaRPr/>
+          </a:p>
+        </p:txBody>
+      </p:sp>
+      <p:sp>
+        <p:nvSpPr>
+          <p:cNvPr id="203" name="Google Shape;203;p24"/>
+          <p:cNvSpPr/>
+          <p:nvPr/>
+        </p:nvSpPr>
+        <p:spPr>
+          <a:xfrm>
+            <a:off x="6776724" y="6076471"/>
+            <a:ext cx="1771329" cy="519752"/>
+          </a:xfrm>
+          <a:prstGeom prst="rect">
+            <a:avLst/>
+          </a:prstGeom>
+          <a:gradFill>
+            <a:gsLst>
+              <a:gs pos="0">
+                <a:srgbClr val="BCACCD"/>
+              </a:gs>
+              <a:gs pos="50000">
+                <a:srgbClr val="B19EC5"/>
+              </a:gs>
+              <a:gs pos="100000">
+                <a:srgbClr val="A68EBF"/>
+              </a:gs>
+            </a:gsLst>
+            <a:lin ang="5400000" scaled="0"/>
+          </a:gradFill>
+          <a:ln cap="flat" cmpd="sng" w="9525">
+            <a:solidFill>
+              <a:schemeClr val="accent6"/>
+            </a:solidFill>
+            <a:prstDash val="solid"/>
+            <a:miter lim="800000"/>
+            <a:headEnd len="sm" w="sm" type="none"/>
+            <a:tailEnd len="sm" w="sm" type="none"/>
+          </a:ln>
+        </p:spPr>
+        <p:txBody>
+          <a:bodyPr anchorCtr="0" anchor="ctr" bIns="45700" lIns="91425" spcFirstLastPara="1" rIns="91425" wrap="square" tIns="45700">
+            <a:noAutofit/>
+          </a:bodyPr>
+          <a:lstStyle/>
+          <a:p>
+            <a:pPr indent="0" lvl="0" marL="0" marR="0" rtl="0" algn="ctr">
+              <a:spcBef>
+                <a:spcPts val="0"/>
+              </a:spcBef>
+              <a:spcAft>
+                <a:spcPts val="0"/>
+              </a:spcAft>
+              <a:buNone/>
+            </a:pPr>
+            <a:r>
+              <a:rPr b="0" i="0" lang="en-US" sz="1800" u="none" cap="none" strike="noStrike">
+                <a:solidFill>
+                  <a:schemeClr val="dk1"/>
+                </a:solidFill>
+                <a:latin typeface="Cambria"/>
+                <a:ea typeface="Cambria"/>
+                <a:cs typeface="Cambria"/>
+                <a:sym typeface="Cambria"/>
+              </a:rPr>
+              <a:t>Sign-Out</a:t>
+            </a:r>
+            <a:endParaRPr/>
+          </a:p>
+        </p:txBody>
+      </p:sp>
+      <p:sp>
+        <p:nvSpPr>
+          <p:cNvPr id="204" name="Google Shape;204;p24"/>
+          <p:cNvSpPr/>
+          <p:nvPr/>
+        </p:nvSpPr>
+        <p:spPr>
+          <a:xfrm>
+            <a:off x="6732904" y="5252243"/>
+            <a:ext cx="1803713" cy="583800"/>
+          </a:xfrm>
+          <a:prstGeom prst="rect">
+            <a:avLst/>
+          </a:prstGeom>
+          <a:gradFill>
+            <a:gsLst>
+              <a:gs pos="0">
+                <a:srgbClr val="BCACCD"/>
+              </a:gs>
+              <a:gs pos="50000">
+                <a:srgbClr val="B19EC5"/>
+              </a:gs>
+              <a:gs pos="100000">
+                <a:srgbClr val="A68EBF"/>
+              </a:gs>
+            </a:gsLst>
+            <a:lin ang="5400000" scaled="0"/>
+          </a:gradFill>
+          <a:ln cap="flat" cmpd="sng" w="9525">
+            <a:solidFill>
+              <a:schemeClr val="accent6"/>
+            </a:solidFill>
+            <a:prstDash val="solid"/>
+            <a:miter lim="800000"/>
+            <a:headEnd len="sm" w="sm" type="none"/>
+            <a:tailEnd len="sm" w="sm" type="none"/>
+          </a:ln>
+        </p:spPr>
+        <p:txBody>
+          <a:bodyPr anchorCtr="0" anchor="ctr" bIns="45700" lIns="91425" spcFirstLastPara="1" rIns="91425" wrap="square" tIns="45700">
+            <a:noAutofit/>
+          </a:bodyPr>
+          <a:lstStyle/>
+          <a:p>
+            <a:pPr indent="0" lvl="0" marL="0" marR="0" rtl="0" algn="ctr">
+              <a:spcBef>
+                <a:spcPts val="0"/>
+              </a:spcBef>
+              <a:spcAft>
+                <a:spcPts val="0"/>
+              </a:spcAft>
+              <a:buNone/>
+            </a:pPr>
+            <a:r>
+              <a:rPr b="0" i="0" lang="en-US" sz="1800" u="none" cap="none" strike="noStrike">
+                <a:solidFill>
+                  <a:schemeClr val="dk1"/>
+                </a:solidFill>
+                <a:latin typeface="Cambria"/>
+                <a:ea typeface="Cambria"/>
+                <a:cs typeface="Cambria"/>
+                <a:sym typeface="Cambria"/>
+              </a:rPr>
+              <a:t>MyAccount</a:t>
+            </a:r>
+            <a:endParaRPr/>
+          </a:p>
+        </p:txBody>
+      </p:sp>
+      <p:cxnSp>
+        <p:nvCxnSpPr>
+          <p:cNvPr id="205" name="Google Shape;205;p24"/>
+          <p:cNvCxnSpPr/>
+          <p:nvPr/>
+        </p:nvCxnSpPr>
+        <p:spPr>
+          <a:xfrm>
+            <a:off x="6087586" y="3768080"/>
+            <a:ext cx="656754" cy="41920"/>
+          </a:xfrm>
+          <a:prstGeom prst="straightConnector1">
+            <a:avLst/>
+          </a:prstGeom>
+          <a:noFill/>
+          <a:ln cap="flat" cmpd="sng" w="9525">
+            <a:solidFill>
+              <a:schemeClr val="accent1"/>
+            </a:solidFill>
+            <a:prstDash val="solid"/>
+            <a:miter lim="800000"/>
+            <a:headEnd len="sm" w="sm" type="none"/>
+            <a:tailEnd len="med" w="med" type="triangle"/>
+          </a:ln>
+        </p:spPr>
+      </p:cxnSp>
+      <p:cxnSp>
+        <p:nvCxnSpPr>
+          <p:cNvPr id="206" name="Google Shape;206;p24"/>
+          <p:cNvCxnSpPr/>
+          <p:nvPr/>
+        </p:nvCxnSpPr>
+        <p:spPr>
+          <a:xfrm>
+            <a:off x="3503612" y="1964533"/>
+            <a:ext cx="609600" cy="0"/>
+          </a:xfrm>
+          <a:prstGeom prst="straightConnector1">
+            <a:avLst/>
+          </a:prstGeom>
+          <a:noFill/>
+          <a:ln cap="flat" cmpd="sng" w="9525">
+            <a:solidFill>
+              <a:schemeClr val="accent1"/>
+            </a:solidFill>
+            <a:prstDash val="solid"/>
+            <a:miter lim="800000"/>
+            <a:headEnd len="sm" w="sm" type="none"/>
+            <a:tailEnd len="med" w="med" type="triangle"/>
+          </a:ln>
+        </p:spPr>
+      </p:cxnSp>
+      <p:cxnSp>
+        <p:nvCxnSpPr>
+          <p:cNvPr id="207" name="Google Shape;207;p24"/>
+          <p:cNvCxnSpPr>
+            <a:endCxn id="190" idx="1"/>
+          </p:cNvCxnSpPr>
+          <p:nvPr/>
+        </p:nvCxnSpPr>
+        <p:spPr>
+          <a:xfrm flipH="1" rot="10800000">
+            <a:off x="6094504" y="2846589"/>
+            <a:ext cx="638400" cy="873000"/>
+          </a:xfrm>
+          <a:prstGeom prst="straightConnector1">
+            <a:avLst/>
+          </a:prstGeom>
+          <a:noFill/>
+          <a:ln cap="flat" cmpd="sng" w="9525">
+            <a:solidFill>
+              <a:schemeClr val="accent1"/>
+            </a:solidFill>
+            <a:prstDash val="solid"/>
+            <a:miter lim="800000"/>
+            <a:headEnd len="sm" w="sm" type="none"/>
+            <a:tailEnd len="med" w="med" type="triangle"/>
+          </a:ln>
+        </p:spPr>
+      </p:cxnSp>
+      <p:cxnSp>
+        <p:nvCxnSpPr>
+          <p:cNvPr id="208" name="Google Shape;208;p24"/>
+          <p:cNvCxnSpPr>
+            <a:stCxn id="200" idx="3"/>
+            <a:endCxn id="196" idx="1"/>
+          </p:cNvCxnSpPr>
+          <p:nvPr/>
+        </p:nvCxnSpPr>
+        <p:spPr>
+          <a:xfrm>
+            <a:off x="6080761" y="3886320"/>
+            <a:ext cx="672300" cy="806700"/>
+          </a:xfrm>
+          <a:prstGeom prst="straightConnector1">
+            <a:avLst/>
+          </a:prstGeom>
+          <a:noFill/>
+          <a:ln cap="flat" cmpd="sng" w="9525">
+            <a:solidFill>
+              <a:schemeClr val="accent1"/>
+            </a:solidFill>
+            <a:prstDash val="solid"/>
+            <a:miter lim="800000"/>
+            <a:headEnd len="sm" w="sm" type="none"/>
+            <a:tailEnd len="med" w="med" type="triangle"/>
+          </a:ln>
+        </p:spPr>
+      </p:cxnSp>
+      <p:cxnSp>
+        <p:nvCxnSpPr>
+          <p:cNvPr id="209" name="Google Shape;209;p24"/>
+          <p:cNvCxnSpPr>
+            <a:stCxn id="200" idx="3"/>
+            <a:endCxn id="204" idx="1"/>
+          </p:cNvCxnSpPr>
+          <p:nvPr/>
+        </p:nvCxnSpPr>
+        <p:spPr>
+          <a:xfrm>
+            <a:off x="6080761" y="3886320"/>
+            <a:ext cx="652200" cy="1657800"/>
+          </a:xfrm>
+          <a:prstGeom prst="straightConnector1">
+            <a:avLst/>
+          </a:prstGeom>
+          <a:noFill/>
+          <a:ln cap="flat" cmpd="sng" w="9525">
+            <a:solidFill>
+              <a:schemeClr val="accent1"/>
+            </a:solidFill>
+            <a:prstDash val="solid"/>
+            <a:miter lim="800000"/>
+            <a:headEnd len="sm" w="sm" type="none"/>
+            <a:tailEnd len="med" w="med" type="triangle"/>
+          </a:ln>
+        </p:spPr>
+      </p:cxnSp>
+      <p:cxnSp>
+        <p:nvCxnSpPr>
+          <p:cNvPr id="210" name="Google Shape;210;p24"/>
+          <p:cNvCxnSpPr>
+            <a:stCxn id="200" idx="3"/>
+            <a:endCxn id="203" idx="1"/>
+          </p:cNvCxnSpPr>
+          <p:nvPr/>
+        </p:nvCxnSpPr>
+        <p:spPr>
+          <a:xfrm>
+            <a:off x="6080761" y="3886320"/>
+            <a:ext cx="696000" cy="2450100"/>
+          </a:xfrm>
+          <a:prstGeom prst="straightConnector1">
+            <a:avLst/>
+          </a:prstGeom>
+          <a:noFill/>
+          <a:ln cap="flat" cmpd="sng" w="9525">
+            <a:solidFill>
+              <a:schemeClr val="accent1"/>
+            </a:solidFill>
+            <a:prstDash val="solid"/>
+            <a:miter lim="800000"/>
+            <a:headEnd len="sm" w="sm" type="none"/>
+            <a:tailEnd len="med" w="med" type="triangle"/>
+          </a:ln>
+        </p:spPr>
+      </p:cxnSp>
+      <p:cxnSp>
+        <p:nvCxnSpPr>
+          <p:cNvPr id="211" name="Google Shape;211;p24"/>
+          <p:cNvCxnSpPr>
+            <a:stCxn id="196" idx="3"/>
+          </p:cNvCxnSpPr>
+          <p:nvPr/>
+        </p:nvCxnSpPr>
+        <p:spPr>
+          <a:xfrm>
+            <a:off x="8568061" y="4693122"/>
+            <a:ext cx="540000" cy="10200"/>
+          </a:xfrm>
+          <a:prstGeom prst="straightConnector1">
+            <a:avLst/>
+          </a:prstGeom>
+          <a:noFill/>
+          <a:ln cap="flat" cmpd="sng" w="9525">
+            <a:solidFill>
+              <a:schemeClr val="accent1"/>
+            </a:solidFill>
+            <a:prstDash val="solid"/>
+            <a:miter lim="800000"/>
+            <a:headEnd len="sm" w="sm" type="none"/>
+            <a:tailEnd len="med" w="med" type="triangle"/>
+          </a:ln>
+        </p:spPr>
+      </p:cxnSp>
+      <p:cxnSp>
+        <p:nvCxnSpPr>
+          <p:cNvPr id="212" name="Google Shape;212;p24"/>
+          <p:cNvCxnSpPr/>
+          <p:nvPr/>
+        </p:nvCxnSpPr>
+        <p:spPr>
+          <a:xfrm>
+            <a:off x="8536617" y="5544143"/>
+            <a:ext cx="609600" cy="0"/>
+          </a:xfrm>
+          <a:prstGeom prst="straightConnector1">
+            <a:avLst/>
+          </a:prstGeom>
+          <a:noFill/>
+          <a:ln cap="flat" cmpd="sng" w="9525">
+            <a:solidFill>
+              <a:schemeClr val="accent1"/>
+            </a:solidFill>
+            <a:prstDash val="solid"/>
+            <a:miter lim="800000"/>
+            <a:headEnd len="sm" w="sm" type="none"/>
+            <a:tailEnd len="med" w="med" type="triangle"/>
+          </a:ln>
+        </p:spPr>
+      </p:cxnSp>
+      <p:cxnSp>
+        <p:nvCxnSpPr>
+          <p:cNvPr id="213" name="Google Shape;213;p24"/>
+          <p:cNvCxnSpPr/>
+          <p:nvPr/>
+        </p:nvCxnSpPr>
+        <p:spPr>
+          <a:xfrm>
+            <a:off x="8498519" y="5678781"/>
+            <a:ext cx="1607283" cy="40708"/>
+          </a:xfrm>
+          <a:prstGeom prst="straightConnector1">
+            <a:avLst/>
+          </a:prstGeom>
+          <a:noFill/>
+          <a:ln cap="flat" cmpd="sng" w="9525">
+            <a:solidFill>
+              <a:schemeClr val="accent1"/>
+            </a:solidFill>
+            <a:prstDash val="solid"/>
+            <a:miter lim="800000"/>
+            <a:headEnd len="sm" w="sm" type="none"/>
+            <a:tailEnd len="med" w="med" type="triangle"/>
+          </a:ln>
+        </p:spPr>
+      </p:cxnSp>
+      <p:cxnSp>
+        <p:nvCxnSpPr>
+          <p:cNvPr id="214" name="Google Shape;214;p24"/>
+          <p:cNvCxnSpPr/>
+          <p:nvPr/>
+        </p:nvCxnSpPr>
+        <p:spPr>
+          <a:xfrm>
+            <a:off x="8517568" y="5703203"/>
+            <a:ext cx="590551" cy="572875"/>
+          </a:xfrm>
+          <a:prstGeom prst="straightConnector1">
+            <a:avLst/>
+          </a:prstGeom>
+          <a:noFill/>
+          <a:ln cap="flat" cmpd="sng" w="9525">
+            <a:solidFill>
+              <a:schemeClr val="accent1"/>
+            </a:solidFill>
+            <a:prstDash val="solid"/>
+            <a:miter lim="800000"/>
+            <a:headEnd len="sm" w="sm" type="none"/>
+            <a:tailEnd len="med" w="med" type="triangle"/>
+          </a:ln>
+        </p:spPr>
+      </p:cxnSp>
+      <p:cxnSp>
+        <p:nvCxnSpPr>
+          <p:cNvPr id="215" name="Google Shape;215;p24"/>
+          <p:cNvCxnSpPr/>
+          <p:nvPr/>
+        </p:nvCxnSpPr>
+        <p:spPr>
+          <a:xfrm>
+            <a:off x="8567986" y="5678781"/>
+            <a:ext cx="1569906" cy="273191"/>
+          </a:xfrm>
+          <a:prstGeom prst="straightConnector1">
+            <a:avLst/>
+          </a:prstGeom>
+          <a:noFill/>
+          <a:ln cap="flat" cmpd="sng" w="9525">
+            <a:solidFill>
+              <a:schemeClr val="accent1"/>
+            </a:solidFill>
+            <a:prstDash val="solid"/>
+            <a:miter lim="800000"/>
+            <a:headEnd len="sm" w="sm" type="none"/>
+            <a:tailEnd len="med" w="med" type="triangle"/>
+          </a:ln>
+        </p:spPr>
+      </p:cxnSp>
+      <p:cxnSp>
+        <p:nvCxnSpPr>
+          <p:cNvPr id="216" name="Google Shape;216;p24"/>
+          <p:cNvCxnSpPr>
+            <a:endCxn id="200" idx="1"/>
+          </p:cNvCxnSpPr>
+          <p:nvPr/>
+        </p:nvCxnSpPr>
+        <p:spPr>
+          <a:xfrm>
+            <a:off x="2728261" y="2353920"/>
+            <a:ext cx="1371300" cy="1532400"/>
+          </a:xfrm>
+          <a:prstGeom prst="straightConnector1">
+            <a:avLst/>
+          </a:prstGeom>
+          <a:noFill/>
+          <a:ln cap="flat" cmpd="sng" w="9525">
+            <a:solidFill>
+              <a:schemeClr val="accent1"/>
+            </a:solidFill>
+            <a:prstDash val="solid"/>
+            <a:miter lim="800000"/>
+            <a:headEnd len="sm" w="sm" type="none"/>
+            <a:tailEnd len="med" w="med" type="triangle"/>
+          </a:ln>
+        </p:spPr>
+      </p:cxnSp>
+      <p:cxnSp>
+        <p:nvCxnSpPr>
+          <p:cNvPr id="217" name="Google Shape;217;p24"/>
+          <p:cNvCxnSpPr>
+            <a:endCxn id="202" idx="1"/>
+          </p:cNvCxnSpPr>
+          <p:nvPr/>
+        </p:nvCxnSpPr>
+        <p:spPr>
+          <a:xfrm>
+            <a:off x="3198887" y="2329689"/>
+            <a:ext cx="907500" cy="610500"/>
+          </a:xfrm>
+          <a:prstGeom prst="straightConnector1">
+            <a:avLst/>
+          </a:prstGeom>
+          <a:noFill/>
+          <a:ln cap="flat" cmpd="sng" w="9525">
+            <a:solidFill>
+              <a:schemeClr val="accent1"/>
+            </a:solidFill>
+            <a:prstDash val="solid"/>
+            <a:miter lim="800000"/>
+            <a:headEnd len="sm" w="sm" type="none"/>
+            <a:tailEnd len="med" w="med" type="triangle"/>
+          </a:ln>
+        </p:spPr>
+      </p:cxnSp>
+      <p:cxnSp>
+        <p:nvCxnSpPr>
+          <p:cNvPr id="218" name="Google Shape;218;p24"/>
+          <p:cNvCxnSpPr/>
+          <p:nvPr/>
+        </p:nvCxnSpPr>
+        <p:spPr>
+          <a:xfrm>
+            <a:off x="5027612" y="3283050"/>
+            <a:ext cx="0" cy="298350"/>
+          </a:xfrm>
+          <a:prstGeom prst="straightConnector1">
+            <a:avLst/>
+          </a:prstGeom>
+          <a:noFill/>
+          <a:ln cap="flat" cmpd="sng" w="9525">
+            <a:solidFill>
+              <a:schemeClr val="accent1"/>
+            </a:solidFill>
+            <a:prstDash val="solid"/>
+            <a:miter lim="800000"/>
+            <a:headEnd len="sm" w="sm" type="none"/>
+            <a:tailEnd len="med" w="med" type="triangle"/>
+          </a:ln>
+        </p:spPr>
+      </p:cxnSp>
+      <p:pic>
+        <p:nvPicPr>
+          <p:cNvPr id="219" name="Google Shape;219;p24"/>
+          <p:cNvPicPr preferRelativeResize="0"/>
+          <p:nvPr/>
+        </p:nvPicPr>
+        <p:blipFill>
+          <a:blip r:embed="rId3">
+            <a:alphaModFix/>
+          </a:blip>
+          <a:stretch>
+            <a:fillRect/>
+          </a:stretch>
+        </p:blipFill>
+        <p:spPr>
+          <a:xfrm>
+            <a:off x="1522425" y="1089275"/>
+            <a:ext cx="9677376" cy="5607475"/>
+          </a:xfrm>
+          <a:prstGeom prst="rect">
+            <a:avLst/>
+          </a:prstGeom>
+          <a:noFill/>
+          <a:ln>
+            <a:noFill/>
+          </a:ln>
+        </p:spPr>
+      </p:pic>
     </p:spTree>
   </p:cSld>
   <p:clrMapOvr>
@@ -24711,7 +23386,7 @@
 </file>
 
 <file path=ppt/theme/theme1.xml><?xml version="1.0" encoding="utf-8"?>
-<a:theme xmlns:a="http://schemas.openxmlformats.org/drawingml/2006/main" xmlns:r="http://schemas.openxmlformats.org/officeDocument/2006/relationships" name="Office Theme">
+<a:theme xmlns:a="http://schemas.openxmlformats.org/drawingml/2006/main" xmlns:r="http://schemas.openxmlformats.org/officeDocument/2006/relationships" name="Food Gourmet 16x9">
   <a:themeElements>
     <a:clrScheme name="FoodGourmet">
       <a:dk1>
@@ -24990,7 +23665,7 @@
 </file>
 
 <file path=ppt/theme/theme2.xml><?xml version="1.0" encoding="utf-8"?>
-<a:theme xmlns:a="http://schemas.openxmlformats.org/drawingml/2006/main" xmlns:r="http://schemas.openxmlformats.org/officeDocument/2006/relationships" name="Food Gourmet 16x9">
+<a:theme xmlns:a="http://schemas.openxmlformats.org/drawingml/2006/main" xmlns:r="http://schemas.openxmlformats.org/officeDocument/2006/relationships" name="Office Theme">
   <a:themeElements>
     <a:clrScheme name="FoodGourmet">
       <a:dk1>
